--- a/Funciton-Point .pptx
+++ b/Funciton-Point .pptx
@@ -7,13 +7,13 @@
   <p:sldIdLst>
     <p:sldId id="256" r:id="rId2"/>
     <p:sldId id="300" r:id="rId3"/>
-    <p:sldId id="327" r:id="rId4"/>
-    <p:sldId id="257" r:id="rId5"/>
-    <p:sldId id="258" r:id="rId6"/>
-    <p:sldId id="259" r:id="rId7"/>
-    <p:sldId id="260" r:id="rId8"/>
-    <p:sldId id="261" r:id="rId9"/>
-    <p:sldId id="268" r:id="rId10"/>
+    <p:sldId id="257" r:id="rId4"/>
+    <p:sldId id="331" r:id="rId5"/>
+    <p:sldId id="332" r:id="rId6"/>
+    <p:sldId id="258" r:id="rId7"/>
+    <p:sldId id="259" r:id="rId8"/>
+    <p:sldId id="260" r:id="rId9"/>
+    <p:sldId id="261" r:id="rId10"/>
     <p:sldId id="262" r:id="rId11"/>
     <p:sldId id="264" r:id="rId12"/>
     <p:sldId id="265" r:id="rId13"/>
@@ -484,7 +484,7 @@
             <a:fld id="{B61BEF0D-F0BB-DE4B-95CE-6DB70DBA9567}" type="datetimeFigureOut">
               <a:rPr lang="en-US" dirty="0"/>
               <a:pPr/>
-              <a:t>4/23/2018</a:t>
+              <a:t>4/24/2018</a:t>
             </a:fld>
             <a:endParaRPr lang="en-US" dirty="0"/>
           </a:p>
@@ -805,7 +805,7 @@
             <a:fld id="{B61BEF0D-F0BB-DE4B-95CE-6DB70DBA9567}" type="datetimeFigureOut">
               <a:rPr lang="en-US" dirty="0"/>
               <a:pPr/>
-              <a:t>4/23/2018</a:t>
+              <a:t>4/24/2018</a:t>
             </a:fld>
             <a:endParaRPr lang="en-US" dirty="0"/>
           </a:p>
@@ -1050,7 +1050,7 @@
             <a:fld id="{B61BEF0D-F0BB-DE4B-95CE-6DB70DBA9567}" type="datetimeFigureOut">
               <a:rPr lang="en-US" dirty="0"/>
               <a:pPr/>
-              <a:t>4/23/2018</a:t>
+              <a:t>4/24/2018</a:t>
             </a:fld>
             <a:endParaRPr lang="en-US" dirty="0"/>
           </a:p>
@@ -1386,7 +1386,7 @@
             <a:fld id="{B61BEF0D-F0BB-DE4B-95CE-6DB70DBA9567}" type="datetimeFigureOut">
               <a:rPr lang="en-US" dirty="0"/>
               <a:pPr/>
-              <a:t>4/23/2018</a:t>
+              <a:t>4/24/2018</a:t>
             </a:fld>
             <a:endParaRPr lang="en-US" dirty="0"/>
           </a:p>
@@ -1730,7 +1730,7 @@
             <a:fld id="{B61BEF0D-F0BB-DE4B-95CE-6DB70DBA9567}" type="datetimeFigureOut">
               <a:rPr lang="en-US" dirty="0"/>
               <a:pPr/>
-              <a:t>4/23/2018</a:t>
+              <a:t>4/24/2018</a:t>
             </a:fld>
             <a:endParaRPr lang="en-US" dirty="0"/>
           </a:p>
@@ -2101,7 +2101,7 @@
             <a:fld id="{B61BEF0D-F0BB-DE4B-95CE-6DB70DBA9567}" type="datetimeFigureOut">
               <a:rPr lang="en-US" dirty="0"/>
               <a:pPr/>
-              <a:t>4/23/2018</a:t>
+              <a:t>4/24/2018</a:t>
             </a:fld>
             <a:endParaRPr lang="en-US" dirty="0"/>
           </a:p>
@@ -2568,7 +2568,7 @@
             <a:fld id="{B61BEF0D-F0BB-DE4B-95CE-6DB70DBA9567}" type="datetimeFigureOut">
               <a:rPr lang="en-US" dirty="0"/>
               <a:pPr/>
-              <a:t>4/23/2018</a:t>
+              <a:t>4/24/2018</a:t>
             </a:fld>
             <a:endParaRPr lang="en-US" dirty="0"/>
           </a:p>
@@ -2770,7 +2770,7 @@
             <a:fld id="{B61BEF0D-F0BB-DE4B-95CE-6DB70DBA9567}" type="datetimeFigureOut">
               <a:rPr lang="en-US" dirty="0"/>
               <a:pPr/>
-              <a:t>4/23/2018</a:t>
+              <a:t>4/24/2018</a:t>
             </a:fld>
             <a:endParaRPr lang="en-US" dirty="0"/>
           </a:p>
@@ -2978,7 +2978,7 @@
             <a:fld id="{B61BEF0D-F0BB-DE4B-95CE-6DB70DBA9567}" type="datetimeFigureOut">
               <a:rPr lang="en-US" dirty="0"/>
               <a:pPr/>
-              <a:t>4/23/2018</a:t>
+              <a:t>4/24/2018</a:t>
             </a:fld>
             <a:endParaRPr lang="en-US" dirty="0"/>
           </a:p>
@@ -3206,7 +3206,7 @@
           <a:p>
             <a:fld id="{52647F38-B617-4D2F-AE0A-013F0C4D2C57}" type="datetimeFigureOut">
               <a:rPr lang="en-US" dirty="0"/>
-              <a:t>4/23/2018</a:t>
+              <a:t>4/24/2018</a:t>
             </a:fld>
             <a:endParaRPr lang="en-US" dirty="0"/>
           </a:p>
@@ -3450,7 +3450,7 @@
             <a:fld id="{B61BEF0D-F0BB-DE4B-95CE-6DB70DBA9567}" type="datetimeFigureOut">
               <a:rPr lang="en-US" dirty="0"/>
               <a:pPr/>
-              <a:t>4/23/2018</a:t>
+              <a:t>4/24/2018</a:t>
             </a:fld>
             <a:endParaRPr lang="en-US" dirty="0"/>
           </a:p>
@@ -3744,7 +3744,7 @@
           <a:p>
             <a:fld id="{05BFA754-D5C3-4E66-96A6-867B257F58DC}" type="datetimeFigureOut">
               <a:rPr lang="en-US" dirty="0"/>
-              <a:t>4/23/2018</a:t>
+              <a:t>4/24/2018</a:t>
             </a:fld>
             <a:endParaRPr lang="en-US" dirty="0"/>
           </a:p>
@@ -4134,7 +4134,7 @@
             <a:fld id="{B61BEF0D-F0BB-DE4B-95CE-6DB70DBA9567}" type="datetimeFigureOut">
               <a:rPr lang="en-US" dirty="0"/>
               <a:pPr/>
-              <a:t>4/23/2018</a:t>
+              <a:t>4/24/2018</a:t>
             </a:fld>
             <a:endParaRPr lang="en-US" dirty="0"/>
           </a:p>
@@ -4280,7 +4280,7 @@
             <a:fld id="{B61BEF0D-F0BB-DE4B-95CE-6DB70DBA9567}" type="datetimeFigureOut">
               <a:rPr lang="en-US" dirty="0"/>
               <a:pPr/>
-              <a:t>4/23/2018</a:t>
+              <a:t>4/24/2018</a:t>
             </a:fld>
             <a:endParaRPr lang="en-US" dirty="0"/>
           </a:p>
@@ -4403,7 +4403,7 @@
             <a:fld id="{B61BEF0D-F0BB-DE4B-95CE-6DB70DBA9567}" type="datetimeFigureOut">
               <a:rPr lang="en-US" dirty="0"/>
               <a:pPr/>
-              <a:t>4/23/2018</a:t>
+              <a:t>4/24/2018</a:t>
             </a:fld>
             <a:endParaRPr lang="en-US" dirty="0"/>
           </a:p>
@@ -4655,7 +4655,7 @@
             <a:fld id="{B61BEF0D-F0BB-DE4B-95CE-6DB70DBA9567}" type="datetimeFigureOut">
               <a:rPr lang="en-US" dirty="0"/>
               <a:pPr/>
-              <a:t>4/23/2018</a:t>
+              <a:t>4/24/2018</a:t>
             </a:fld>
             <a:endParaRPr lang="en-US" dirty="0"/>
           </a:p>
@@ -4967,7 +4967,7 @@
             <a:fld id="{B61BEF0D-F0BB-DE4B-95CE-6DB70DBA9567}" type="datetimeFigureOut">
               <a:rPr lang="en-US" dirty="0"/>
               <a:pPr/>
-              <a:t>4/23/2018</a:t>
+              <a:t>4/24/2018</a:t>
             </a:fld>
             <a:endParaRPr lang="en-US" dirty="0"/>
           </a:p>
@@ -5315,7 +5315,7 @@
             <a:fld id="{B61BEF0D-F0BB-DE4B-95CE-6DB70DBA9567}" type="datetimeFigureOut">
               <a:rPr lang="en-US" dirty="0"/>
               <a:pPr/>
-              <a:t>4/23/2018</a:t>
+              <a:t>4/24/2018</a:t>
             </a:fld>
             <a:endParaRPr lang="en-US" dirty="0"/>
           </a:p>
@@ -6279,7 +6279,7 @@
         </p:nvSpPr>
         <p:spPr>
           <a:xfrm>
-            <a:off x="1274410" y="1185483"/>
+            <a:off x="761504" y="5420076"/>
             <a:ext cx="9603727" cy="583380"/>
           </a:xfrm>
         </p:spPr>
@@ -6433,7 +6433,7 @@
         </p:nvSpPr>
         <p:spPr>
           <a:xfrm>
-            <a:off x="-120452" y="255414"/>
+            <a:off x="-120452" y="4292178"/>
             <a:ext cx="12214098" cy="923330"/>
           </a:xfrm>
           <a:prstGeom prst="rect">
@@ -22993,6 +22993,17 @@
 <file path=ppt/slides/slide3.xml><?xml version="1.0" encoding="utf-8"?>
 <p:sld xmlns:a="http://schemas.openxmlformats.org/drawingml/2006/main" xmlns:r="http://schemas.openxmlformats.org/officeDocument/2006/relationships" xmlns:p="http://schemas.openxmlformats.org/presentationml/2006/main">
   <p:cSld>
+    <p:bg>
+      <p:bgPr>
+        <a:blipFill>
+          <a:blip r:embed="rId2">
+            <a:extLst/>
+          </a:blip>
+          <a:stretch/>
+        </a:blipFill>
+        <a:effectLst/>
+      </p:bgPr>
+    </p:bg>
     <p:spTree>
       <p:nvGrpSpPr>
         <p:cNvPr id="1" name=""/>
@@ -23007,12 +23018,287 @@
           <a:chExt cx="0" cy="0"/>
         </a:xfrm>
       </p:grpSpPr>
+      <p:sp useBgFill="1">
+        <p:nvSpPr>
+          <p:cNvPr id="31" name="Rectangle 22">
+            <a:extLst>
+              <a:ext uri="{FF2B5EF4-FFF2-40B4-BE49-F238E27FC236}">
+                <a16:creationId xmlns:a16="http://schemas.microsoft.com/office/drawing/2014/main" id="{52723366-C73B-4ED6-ADEF-29911C6BC55F}"/>
+              </a:ext>
+            </a:extLst>
+          </p:cNvPr>
+          <p:cNvSpPr>
+            <a:spLocks noGrp="1" noRot="1" noChangeAspect="1" noMove="1" noResize="1" noEditPoints="1" noAdjustHandles="1" noChangeArrowheads="1" noChangeShapeType="1" noTextEdit="1"/>
+          </p:cNvSpPr>
+          <p:nvPr>
+            <p:extLst>
+              <p:ext uri="{386F3935-93C4-4BCD-93E2-E3B085C9AB24}">
+                <p16:designElem xmlns:p16="http://schemas.microsoft.com/office/powerpoint/2015/main" val="1"/>
+              </p:ext>
+            </p:extLst>
+          </p:nvPr>
+        </p:nvSpPr>
+        <p:spPr>
+          <a:xfrm>
+            <a:off x="0" y="0"/>
+            <a:ext cx="12192000" cy="6858000"/>
+          </a:xfrm>
+          <a:prstGeom prst="rect">
+            <a:avLst/>
+          </a:prstGeom>
+          <a:ln>
+            <a:noFill/>
+          </a:ln>
+        </p:spPr>
+        <p:style>
+          <a:lnRef idx="2">
+            <a:schemeClr val="accent1">
+              <a:shade val="50000"/>
+            </a:schemeClr>
+          </a:lnRef>
+          <a:fillRef idx="1">
+            <a:schemeClr val="accent1"/>
+          </a:fillRef>
+          <a:effectRef idx="0">
+            <a:schemeClr val="accent1"/>
+          </a:effectRef>
+          <a:fontRef idx="minor">
+            <a:schemeClr val="lt1"/>
+          </a:fontRef>
+        </p:style>
+        <p:txBody>
+          <a:bodyPr rtlCol="0" anchor="ctr"/>
+          <a:lstStyle/>
+          <a:p>
+            <a:pPr algn="ctr"/>
+            <a:endParaRPr lang="en-US"/>
+          </a:p>
+        </p:txBody>
+      </p:sp>
+      <p:sp>
+        <p:nvSpPr>
+          <p:cNvPr id="32" name="Rectangle 24">
+            <a:extLst>
+              <a:ext uri="{FF2B5EF4-FFF2-40B4-BE49-F238E27FC236}">
+                <a16:creationId xmlns:a16="http://schemas.microsoft.com/office/drawing/2014/main" id="{C6202988-4466-42C5-B33A-AFABF051B4FE}"/>
+              </a:ext>
+            </a:extLst>
+          </p:cNvPr>
+          <p:cNvSpPr>
+            <a:spLocks noGrp="1" noRot="1" noChangeAspect="1" noMove="1" noResize="1" noEditPoints="1" noAdjustHandles="1" noChangeArrowheads="1" noChangeShapeType="1" noTextEdit="1"/>
+          </p:cNvSpPr>
+          <p:nvPr>
+            <p:extLst>
+              <p:ext uri="{386F3935-93C4-4BCD-93E2-E3B085C9AB24}">
+                <p16:designElem xmlns:p16="http://schemas.microsoft.com/office/powerpoint/2015/main" val="1"/>
+              </p:ext>
+            </p:extLst>
+          </p:nvPr>
+        </p:nvSpPr>
+        <p:spPr>
+          <a:xfrm>
+            <a:off x="0" y="2286000"/>
+            <a:ext cx="12192000" cy="4572000"/>
+          </a:xfrm>
+          <a:prstGeom prst="rect">
+            <a:avLst/>
+          </a:prstGeom>
+          <a:gradFill>
+            <a:gsLst>
+              <a:gs pos="0">
+                <a:schemeClr val="bg1"/>
+              </a:gs>
+              <a:gs pos="30000">
+                <a:schemeClr val="bg1"/>
+              </a:gs>
+              <a:gs pos="61000">
+                <a:schemeClr val="bg2">
+                  <a:lumMod val="20000"/>
+                  <a:lumOff val="80000"/>
+                </a:schemeClr>
+              </a:gs>
+              <a:gs pos="97000">
+                <a:schemeClr val="bg2">
+                  <a:lumMod val="70000"/>
+                  <a:lumOff val="30000"/>
+                </a:schemeClr>
+              </a:gs>
+            </a:gsLst>
+            <a:path path="circle">
+              <a:fillToRect l="50000" t="50000" r="50000" b="50000"/>
+            </a:path>
+          </a:gradFill>
+          <a:ln>
+            <a:noFill/>
+          </a:ln>
+          <a:effectLst>
+            <a:innerShdw blurRad="63500" dist="50800" dir="16200000">
+              <a:prstClr val="black">
+                <a:alpha val="35000"/>
+              </a:prstClr>
+            </a:innerShdw>
+          </a:effectLst>
+        </p:spPr>
+        <p:style>
+          <a:lnRef idx="2">
+            <a:schemeClr val="accent1">
+              <a:shade val="50000"/>
+            </a:schemeClr>
+          </a:lnRef>
+          <a:fillRef idx="1">
+            <a:schemeClr val="accent1"/>
+          </a:fillRef>
+          <a:effectRef idx="0">
+            <a:schemeClr val="accent1"/>
+          </a:effectRef>
+          <a:fontRef idx="minor">
+            <a:schemeClr val="lt1"/>
+          </a:fontRef>
+        </p:style>
+        <p:txBody>
+          <a:bodyPr rtlCol="0" anchor="ctr"/>
+          <a:lstStyle/>
+          <a:p>
+            <a:pPr algn="ctr"/>
+            <a:endParaRPr lang="en-US"/>
+          </a:p>
+        </p:txBody>
+      </p:sp>
+      <p:sp>
+        <p:nvSpPr>
+          <p:cNvPr id="33" name="Rectangle 26">
+            <a:extLst>
+              <a:ext uri="{FF2B5EF4-FFF2-40B4-BE49-F238E27FC236}">
+                <a16:creationId xmlns:a16="http://schemas.microsoft.com/office/drawing/2014/main" id="{847A4152-8E41-4D1C-B88C-57C5C430A69E}"/>
+              </a:ext>
+            </a:extLst>
+          </p:cNvPr>
+          <p:cNvSpPr>
+            <a:spLocks noGrp="1" noRot="1" noChangeAspect="1" noMove="1" noResize="1" noEditPoints="1" noAdjustHandles="1" noChangeArrowheads="1" noChangeShapeType="1" noTextEdit="1"/>
+          </p:cNvSpPr>
+          <p:nvPr>
+            <p:extLst>
+              <p:ext uri="{386F3935-93C4-4BCD-93E2-E3B085C9AB24}">
+                <p16:designElem xmlns:p16="http://schemas.microsoft.com/office/powerpoint/2015/main" val="1"/>
+              </p:ext>
+            </p:extLst>
+          </p:nvPr>
+        </p:nvSpPr>
+        <p:spPr>
+          <a:xfrm>
+            <a:off x="484631" y="484632"/>
+            <a:ext cx="11222737" cy="1479635"/>
+          </a:xfrm>
+          <a:prstGeom prst="rect">
+            <a:avLst/>
+          </a:prstGeom>
+          <a:solidFill>
+            <a:schemeClr val="tx2">
+              <a:lumMod val="90000"/>
+              <a:lumOff val="10000"/>
+            </a:schemeClr>
+          </a:solidFill>
+          <a:ln>
+            <a:noFill/>
+          </a:ln>
+          <a:effectLst>
+            <a:outerShdw blurRad="50800" dist="38100" dir="5400000" algn="t" rotWithShape="0">
+              <a:prstClr val="black">
+                <a:alpha val="40000"/>
+              </a:prstClr>
+            </a:outerShdw>
+          </a:effectLst>
+          <a:scene3d>
+            <a:camera prst="orthographicFront"/>
+            <a:lightRig rig="balanced" dir="t"/>
+          </a:scene3d>
+          <a:sp3d>
+            <a:bevelT w="6350" h="6350"/>
+          </a:sp3d>
+        </p:spPr>
+        <p:style>
+          <a:lnRef idx="2">
+            <a:schemeClr val="accent1">
+              <a:shade val="50000"/>
+            </a:schemeClr>
+          </a:lnRef>
+          <a:fillRef idx="1">
+            <a:schemeClr val="accent1"/>
+          </a:fillRef>
+          <a:effectRef idx="0">
+            <a:schemeClr val="accent1"/>
+          </a:effectRef>
+          <a:fontRef idx="minor">
+            <a:schemeClr val="lt1"/>
+          </a:fontRef>
+        </p:style>
+        <p:txBody>
+          <a:bodyPr rtlCol="0" anchor="ctr"/>
+          <a:lstStyle/>
+          <a:p>
+            <a:pPr algn="ctr"/>
+            <a:endParaRPr lang="en-US"/>
+          </a:p>
+        </p:txBody>
+      </p:sp>
+      <p:sp>
+        <p:nvSpPr>
+          <p:cNvPr id="34" name="Rectangle 28">
+            <a:extLst>
+              <a:ext uri="{FF2B5EF4-FFF2-40B4-BE49-F238E27FC236}">
+                <a16:creationId xmlns:a16="http://schemas.microsoft.com/office/drawing/2014/main" id="{999F76F5-72D4-4814-9169-8F535AEEB809}"/>
+              </a:ext>
+            </a:extLst>
+          </p:cNvPr>
+          <p:cNvSpPr>
+            <a:spLocks noGrp="1" noRot="1" noChangeAspect="1" noMove="1" noResize="1" noEditPoints="1" noAdjustHandles="1" noChangeArrowheads="1" noChangeShapeType="1" noTextEdit="1"/>
+          </p:cNvSpPr>
+          <p:nvPr>
+            <p:extLst>
+              <p:ext uri="{386F3935-93C4-4BCD-93E2-E3B085C9AB24}">
+                <p16:designElem xmlns:p16="http://schemas.microsoft.com/office/powerpoint/2015/main" val="1"/>
+              </p:ext>
+            </p:extLst>
+          </p:nvPr>
+        </p:nvSpPr>
+        <p:spPr>
+          <a:xfrm>
+            <a:off x="650747" y="648377"/>
+            <a:ext cx="10890504" cy="1152144"/>
+          </a:xfrm>
+          <a:prstGeom prst="rect">
+            <a:avLst/>
+          </a:prstGeom>
+          <a:noFill/>
+          <a:ln w="15875" cap="flat">
+            <a:solidFill>
+              <a:schemeClr val="accent1"/>
+            </a:solidFill>
+            <a:miter lim="800000"/>
+          </a:ln>
+          <a:effectLst/>
+        </p:spPr>
+        <p:style>
+          <a:lnRef idx="1">
+            <a:schemeClr val="accent1"/>
+          </a:lnRef>
+          <a:fillRef idx="3">
+            <a:schemeClr val="accent1"/>
+          </a:fillRef>
+          <a:effectRef idx="2">
+            <a:schemeClr val="accent1"/>
+          </a:effectRef>
+          <a:fontRef idx="minor">
+            <a:schemeClr val="lt1"/>
+          </a:fontRef>
+        </p:style>
+      </p:sp>
       <p:sp>
         <p:nvSpPr>
           <p:cNvPr id="2" name="Title 1">
             <a:extLst>
               <a:ext uri="{FF2B5EF4-FFF2-40B4-BE49-F238E27FC236}">
-                <a16:creationId xmlns:a16="http://schemas.microsoft.com/office/drawing/2014/main" id="{CC3F660C-657F-4B42-95C8-D739022B92F9}"/>
+                <a16:creationId xmlns:a16="http://schemas.microsoft.com/office/drawing/2014/main" id="{796A9323-FAF4-44A0-923B-76CBF7C856F0}"/>
               </a:ext>
             </a:extLst>
           </p:cNvPr>
@@ -23023,33 +23309,64 @@
             <p:ph type="title"/>
           </p:nvPr>
         </p:nvSpPr>
-        <p:spPr/>
+        <p:spPr>
+          <a:xfrm>
+            <a:off x="804421" y="796374"/>
+            <a:ext cx="10583158" cy="880027"/>
+          </a:xfrm>
+        </p:spPr>
         <p:txBody>
-          <a:bodyPr/>
+          <a:bodyPr>
+            <a:normAutofit/>
+          </a:bodyPr>
           <a:lstStyle/>
           <a:p>
             <a:r>
-              <a:rPr lang="en-US" dirty="0" err="1"/>
+              <a:rPr lang="en-US" dirty="0" err="1">
+                <a:solidFill>
+                  <a:srgbClr val="FFFFFF"/>
+                </a:solidFill>
+                <a:latin typeface="Times New Roman" panose="02020603050405020304" pitchFamily="18" charset="0"/>
+                <a:cs typeface="Times New Roman" panose="02020603050405020304" pitchFamily="18" charset="0"/>
+              </a:rPr>
               <a:t>Mục</a:t>
             </a:r>
             <a:r>
-              <a:rPr lang="en-US" dirty="0"/>
-              <a:t> </a:t>
-            </a:r>
-            <a:r>
-              <a:rPr lang="en-US" dirty="0" err="1"/>
-              <a:t>lục</a:t>
-            </a:r>
-            <a:endParaRPr lang="en-US" dirty="0"/>
+              <a:rPr lang="en-US" dirty="0">
+                <a:solidFill>
+                  <a:srgbClr val="FFFFFF"/>
+                </a:solidFill>
+                <a:latin typeface="Times New Roman" panose="02020603050405020304" pitchFamily="18" charset="0"/>
+                <a:cs typeface="Times New Roman" panose="02020603050405020304" pitchFamily="18" charset="0"/>
+              </a:rPr>
+              <a:t> </a:t>
+            </a:r>
+            <a:r>
+              <a:rPr lang="en-US" dirty="0" err="1">
+                <a:solidFill>
+                  <a:srgbClr val="FFFFFF"/>
+                </a:solidFill>
+                <a:latin typeface="Times New Roman" panose="02020603050405020304" pitchFamily="18" charset="0"/>
+                <a:cs typeface="Times New Roman" panose="02020603050405020304" pitchFamily="18" charset="0"/>
+              </a:rPr>
+              <a:t>Lục</a:t>
+            </a:r>
+            <a:endParaRPr lang="en-US" dirty="0">
+              <a:solidFill>
+                <a:srgbClr val="FFFFFF"/>
+              </a:solidFill>
+              <a:latin typeface="Times New Roman" panose="02020603050405020304" pitchFamily="18" charset="0"/>
+              <a:cs typeface="Times New Roman" panose="02020603050405020304" pitchFamily="18" charset="0"/>
+            </a:endParaRPr>
           </a:p>
         </p:txBody>
       </p:sp>
       <p:sp>
         <p:nvSpPr>
-          <p:cNvPr id="3" name="Content Placeholder 2">
+          <p:cNvPr id="7" name="Content Placeholder 6">
             <a:extLst>
               <a:ext uri="{FF2B5EF4-FFF2-40B4-BE49-F238E27FC236}">
-                <a16:creationId xmlns:a16="http://schemas.microsoft.com/office/drawing/2014/main" id="{4A44F290-6BBE-4C4A-986B-3B7D35D7AE70}"/>
+                <a16:creationId xmlns:a16="http://schemas.microsoft.com/office/drawing/2014/main" id="{34F1E70F-6C5C-4CC9-A0C7-D4DBD65FCA76}"/>
               </a:ext>
             </a:extLst>
           </p:cNvPr>
@@ -23060,9 +23377,16 @@
             <p:ph idx="1"/>
           </p:nvPr>
         </p:nvSpPr>
-        <p:spPr/>
+        <p:spPr>
+          <a:xfrm>
+            <a:off x="484631" y="2448899"/>
+            <a:ext cx="9601196" cy="4245744"/>
+          </a:xfrm>
+        </p:spPr>
         <p:txBody>
-          <a:bodyPr/>
+          <a:bodyPr>
+            <a:normAutofit/>
+          </a:bodyPr>
           <a:lstStyle/>
           <a:p>
             <a:r>
@@ -23109,134 +23433,9 @@
             </a:r>
           </a:p>
           <a:p>
-            <a:r>
-              <a:rPr lang="en-US" dirty="0" err="1">
-                <a:latin typeface="Times New Roman" panose="02020603050405020304" pitchFamily="18" charset="0"/>
-                <a:cs typeface="Times New Roman" panose="02020603050405020304" pitchFamily="18" charset="0"/>
-              </a:rPr>
-              <a:t>Quy</a:t>
-            </a:r>
-            <a:r>
-              <a:rPr lang="en-US" dirty="0">
-                <a:latin typeface="Times New Roman" panose="02020603050405020304" pitchFamily="18" charset="0"/>
-                <a:cs typeface="Times New Roman" panose="02020603050405020304" pitchFamily="18" charset="0"/>
-              </a:rPr>
-              <a:t> </a:t>
-            </a:r>
-            <a:r>
-              <a:rPr lang="en-US" dirty="0" err="1">
-                <a:latin typeface="Times New Roman" panose="02020603050405020304" pitchFamily="18" charset="0"/>
-                <a:cs typeface="Times New Roman" panose="02020603050405020304" pitchFamily="18" charset="0"/>
-              </a:rPr>
-              <a:t>trình</a:t>
-            </a:r>
-            <a:r>
-              <a:rPr lang="en-US" dirty="0">
-                <a:latin typeface="Times New Roman" panose="02020603050405020304" pitchFamily="18" charset="0"/>
-                <a:cs typeface="Times New Roman" panose="02020603050405020304" pitchFamily="18" charset="0"/>
-              </a:rPr>
-              <a:t> </a:t>
-            </a:r>
-            <a:r>
-              <a:rPr lang="en-US" dirty="0" err="1">
-                <a:latin typeface="Times New Roman" panose="02020603050405020304" pitchFamily="18" charset="0"/>
-                <a:cs typeface="Times New Roman" panose="02020603050405020304" pitchFamily="18" charset="0"/>
-              </a:rPr>
-              <a:t>thực</a:t>
-            </a:r>
-            <a:r>
-              <a:rPr lang="en-US" dirty="0">
-                <a:latin typeface="Times New Roman" panose="02020603050405020304" pitchFamily="18" charset="0"/>
-                <a:cs typeface="Times New Roman" panose="02020603050405020304" pitchFamily="18" charset="0"/>
-              </a:rPr>
-              <a:t> </a:t>
-            </a:r>
-            <a:r>
-              <a:rPr lang="en-US" dirty="0" err="1">
-                <a:latin typeface="Times New Roman" panose="02020603050405020304" pitchFamily="18" charset="0"/>
-                <a:cs typeface="Times New Roman" panose="02020603050405020304" pitchFamily="18" charset="0"/>
-              </a:rPr>
-              <a:t>hiện</a:t>
-            </a:r>
-            <a:r>
-              <a:rPr lang="en-US" dirty="0">
-                <a:latin typeface="Times New Roman" panose="02020603050405020304" pitchFamily="18" charset="0"/>
-                <a:cs typeface="Times New Roman" panose="02020603050405020304" pitchFamily="18" charset="0"/>
-              </a:rPr>
-              <a:t> </a:t>
-            </a:r>
-            <a:r>
-              <a:rPr lang="en-US" dirty="0" err="1">
-                <a:latin typeface="Times New Roman" panose="02020603050405020304" pitchFamily="18" charset="0"/>
-                <a:cs typeface="Times New Roman" panose="02020603050405020304" pitchFamily="18" charset="0"/>
-              </a:rPr>
-              <a:t>tính</a:t>
-            </a:r>
-            <a:r>
-              <a:rPr lang="en-US" dirty="0">
-                <a:latin typeface="Times New Roman" panose="02020603050405020304" pitchFamily="18" charset="0"/>
-                <a:cs typeface="Times New Roman" panose="02020603050405020304" pitchFamily="18" charset="0"/>
-              </a:rPr>
-              <a:t> </a:t>
-            </a:r>
-            <a:r>
-              <a:rPr lang="en-US" dirty="0" err="1">
-                <a:latin typeface="Times New Roman" panose="02020603050405020304" pitchFamily="18" charset="0"/>
-                <a:cs typeface="Times New Roman" panose="02020603050405020304" pitchFamily="18" charset="0"/>
-              </a:rPr>
-              <a:t>toàn</a:t>
-            </a:r>
-            <a:r>
-              <a:rPr lang="en-US" dirty="0">
-                <a:latin typeface="Times New Roman" panose="02020603050405020304" pitchFamily="18" charset="0"/>
-                <a:cs typeface="Times New Roman" panose="02020603050405020304" pitchFamily="18" charset="0"/>
-              </a:rPr>
-              <a:t> Function Point</a:t>
-            </a:r>
-          </a:p>
-          <a:p>
-            <a:r>
-              <a:rPr lang="en-US" dirty="0">
-                <a:latin typeface="Times New Roman" panose="02020603050405020304" pitchFamily="18" charset="0"/>
-                <a:cs typeface="Times New Roman" panose="02020603050405020304" pitchFamily="18" charset="0"/>
-              </a:rPr>
-              <a:t>Minh </a:t>
-            </a:r>
-            <a:r>
-              <a:rPr lang="en-US" dirty="0" err="1">
-                <a:latin typeface="Times New Roman" panose="02020603050405020304" pitchFamily="18" charset="0"/>
-                <a:cs typeface="Times New Roman" panose="02020603050405020304" pitchFamily="18" charset="0"/>
-              </a:rPr>
-              <a:t>họa</a:t>
-            </a:r>
-            <a:r>
-              <a:rPr lang="en-US" dirty="0">
-                <a:latin typeface="Times New Roman" panose="02020603050405020304" pitchFamily="18" charset="0"/>
-                <a:cs typeface="Times New Roman" panose="02020603050405020304" pitchFamily="18" charset="0"/>
-              </a:rPr>
-              <a:t> </a:t>
-            </a:r>
-            <a:r>
-              <a:rPr lang="en-US" dirty="0" err="1">
-                <a:latin typeface="Times New Roman" panose="02020603050405020304" pitchFamily="18" charset="0"/>
-                <a:cs typeface="Times New Roman" panose="02020603050405020304" pitchFamily="18" charset="0"/>
-              </a:rPr>
-              <a:t>thực</a:t>
-            </a:r>
-            <a:r>
-              <a:rPr lang="en-US" dirty="0">
-                <a:latin typeface="Times New Roman" panose="02020603050405020304" pitchFamily="18" charset="0"/>
-                <a:cs typeface="Times New Roman" panose="02020603050405020304" pitchFamily="18" charset="0"/>
-              </a:rPr>
-              <a:t> </a:t>
-            </a:r>
-            <a:r>
-              <a:rPr lang="en-US" dirty="0" err="1">
-                <a:latin typeface="Times New Roman" panose="02020603050405020304" pitchFamily="18" charset="0"/>
-                <a:cs typeface="Times New Roman" panose="02020603050405020304" pitchFamily="18" charset="0"/>
-              </a:rPr>
-              <a:t>tế</a:t>
-            </a:r>
+            <a:pPr marL="0" indent="0">
+              <a:buNone/>
+            </a:pPr>
             <a:endParaRPr lang="en-US" dirty="0">
               <a:latin typeface="Times New Roman" panose="02020603050405020304" pitchFamily="18" charset="0"/>
               <a:cs typeface="Times New Roman" panose="02020603050405020304" pitchFamily="18" charset="0"/>
@@ -23248,61 +23447,210 @@
                 <a:latin typeface="Times New Roman" panose="02020603050405020304" pitchFamily="18" charset="0"/>
                 <a:cs typeface="Times New Roman" panose="02020603050405020304" pitchFamily="18" charset="0"/>
               </a:rPr>
-              <a:t>Tài</a:t>
-            </a:r>
-            <a:r>
-              <a:rPr lang="en-US" dirty="0">
-                <a:latin typeface="Times New Roman" panose="02020603050405020304" pitchFamily="18" charset="0"/>
-                <a:cs typeface="Times New Roman" panose="02020603050405020304" pitchFamily="18" charset="0"/>
-              </a:rPr>
-              <a:t> </a:t>
-            </a:r>
-            <a:r>
-              <a:rPr lang="en-US" dirty="0" err="1">
-                <a:latin typeface="Times New Roman" panose="02020603050405020304" pitchFamily="18" charset="0"/>
-                <a:cs typeface="Times New Roman" panose="02020603050405020304" pitchFamily="18" charset="0"/>
-              </a:rPr>
-              <a:t>liệu</a:t>
-            </a:r>
-            <a:r>
-              <a:rPr lang="en-US" dirty="0">
-                <a:latin typeface="Times New Roman" panose="02020603050405020304" pitchFamily="18" charset="0"/>
-                <a:cs typeface="Times New Roman" panose="02020603050405020304" pitchFamily="18" charset="0"/>
-              </a:rPr>
-              <a:t> </a:t>
-            </a:r>
-            <a:r>
-              <a:rPr lang="en-US" dirty="0" err="1">
-                <a:latin typeface="Times New Roman" panose="02020603050405020304" pitchFamily="18" charset="0"/>
-                <a:cs typeface="Times New Roman" panose="02020603050405020304" pitchFamily="18" charset="0"/>
-              </a:rPr>
-              <a:t>tham</a:t>
-            </a:r>
-            <a:r>
-              <a:rPr lang="en-US" dirty="0">
-                <a:latin typeface="Times New Roman" panose="02020603050405020304" pitchFamily="18" charset="0"/>
-                <a:cs typeface="Times New Roman" panose="02020603050405020304" pitchFamily="18" charset="0"/>
-              </a:rPr>
-              <a:t> </a:t>
-            </a:r>
-            <a:r>
-              <a:rPr lang="en-US" dirty="0" err="1">
-                <a:latin typeface="Times New Roman" panose="02020603050405020304" pitchFamily="18" charset="0"/>
-                <a:cs typeface="Times New Roman" panose="02020603050405020304" pitchFamily="18" charset="0"/>
-              </a:rPr>
-              <a:t>khảo</a:t>
-            </a:r>
+              <a:t>Quy</a:t>
+            </a:r>
+            <a:r>
+              <a:rPr lang="en-US" dirty="0">
+                <a:latin typeface="Times New Roman" panose="02020603050405020304" pitchFamily="18" charset="0"/>
+                <a:cs typeface="Times New Roman" panose="02020603050405020304" pitchFamily="18" charset="0"/>
+              </a:rPr>
+              <a:t> </a:t>
+            </a:r>
+            <a:r>
+              <a:rPr lang="en-US" dirty="0" err="1">
+                <a:latin typeface="Times New Roman" panose="02020603050405020304" pitchFamily="18" charset="0"/>
+                <a:cs typeface="Times New Roman" panose="02020603050405020304" pitchFamily="18" charset="0"/>
+              </a:rPr>
+              <a:t>trình</a:t>
+            </a:r>
+            <a:r>
+              <a:rPr lang="en-US" dirty="0">
+                <a:latin typeface="Times New Roman" panose="02020603050405020304" pitchFamily="18" charset="0"/>
+                <a:cs typeface="Times New Roman" panose="02020603050405020304" pitchFamily="18" charset="0"/>
+              </a:rPr>
+              <a:t> </a:t>
+            </a:r>
+            <a:r>
+              <a:rPr lang="en-US" dirty="0" err="1">
+                <a:latin typeface="Times New Roman" panose="02020603050405020304" pitchFamily="18" charset="0"/>
+                <a:cs typeface="Times New Roman" panose="02020603050405020304" pitchFamily="18" charset="0"/>
+              </a:rPr>
+              <a:t>thực</a:t>
+            </a:r>
+            <a:r>
+              <a:rPr lang="en-US" dirty="0">
+                <a:latin typeface="Times New Roman" panose="02020603050405020304" pitchFamily="18" charset="0"/>
+                <a:cs typeface="Times New Roman" panose="02020603050405020304" pitchFamily="18" charset="0"/>
+              </a:rPr>
+              <a:t> </a:t>
+            </a:r>
+            <a:r>
+              <a:rPr lang="en-US" dirty="0" err="1">
+                <a:latin typeface="Times New Roman" panose="02020603050405020304" pitchFamily="18" charset="0"/>
+                <a:cs typeface="Times New Roman" panose="02020603050405020304" pitchFamily="18" charset="0"/>
+              </a:rPr>
+              <a:t>hiện</a:t>
+            </a:r>
+            <a:r>
+              <a:rPr lang="en-US" dirty="0">
+                <a:latin typeface="Times New Roman" panose="02020603050405020304" pitchFamily="18" charset="0"/>
+                <a:cs typeface="Times New Roman" panose="02020603050405020304" pitchFamily="18" charset="0"/>
+              </a:rPr>
+              <a:t> </a:t>
+            </a:r>
+            <a:r>
+              <a:rPr lang="en-US" dirty="0" err="1">
+                <a:latin typeface="Times New Roman" panose="02020603050405020304" pitchFamily="18" charset="0"/>
+                <a:cs typeface="Times New Roman" panose="02020603050405020304" pitchFamily="18" charset="0"/>
+              </a:rPr>
+              <a:t>tính</a:t>
+            </a:r>
+            <a:r>
+              <a:rPr lang="en-US" dirty="0">
+                <a:latin typeface="Times New Roman" panose="02020603050405020304" pitchFamily="18" charset="0"/>
+                <a:cs typeface="Times New Roman" panose="02020603050405020304" pitchFamily="18" charset="0"/>
+              </a:rPr>
+              <a:t> </a:t>
+            </a:r>
+            <a:r>
+              <a:rPr lang="en-US" dirty="0" err="1">
+                <a:latin typeface="Times New Roman" panose="02020603050405020304" pitchFamily="18" charset="0"/>
+                <a:cs typeface="Times New Roman" panose="02020603050405020304" pitchFamily="18" charset="0"/>
+              </a:rPr>
+              <a:t>toàn</a:t>
+            </a:r>
+            <a:r>
+              <a:rPr lang="en-US" dirty="0">
+                <a:latin typeface="Times New Roman" panose="02020603050405020304" pitchFamily="18" charset="0"/>
+                <a:cs typeface="Times New Roman" panose="02020603050405020304" pitchFamily="18" charset="0"/>
+              </a:rPr>
+              <a:t> Function Point</a:t>
+            </a:r>
+          </a:p>
+          <a:p>
             <a:endParaRPr lang="en-US" dirty="0">
               <a:latin typeface="Times New Roman" panose="02020603050405020304" pitchFamily="18" charset="0"/>
               <a:cs typeface="Times New Roman" panose="02020603050405020304" pitchFamily="18" charset="0"/>
             </a:endParaRPr>
+          </a:p>
+          <a:p>
+            <a:r>
+              <a:rPr lang="en-US" dirty="0">
+                <a:latin typeface="Times New Roman" panose="02020603050405020304" pitchFamily="18" charset="0"/>
+                <a:cs typeface="Times New Roman" panose="02020603050405020304" pitchFamily="18" charset="0"/>
+              </a:rPr>
+              <a:t>Minh </a:t>
+            </a:r>
+            <a:r>
+              <a:rPr lang="en-US" dirty="0" err="1">
+                <a:latin typeface="Times New Roman" panose="02020603050405020304" pitchFamily="18" charset="0"/>
+                <a:cs typeface="Times New Roman" panose="02020603050405020304" pitchFamily="18" charset="0"/>
+              </a:rPr>
+              <a:t>họa</a:t>
+            </a:r>
+            <a:r>
+              <a:rPr lang="en-US" dirty="0">
+                <a:latin typeface="Times New Roman" panose="02020603050405020304" pitchFamily="18" charset="0"/>
+                <a:cs typeface="Times New Roman" panose="02020603050405020304" pitchFamily="18" charset="0"/>
+              </a:rPr>
+              <a:t> </a:t>
+            </a:r>
+            <a:r>
+              <a:rPr lang="en-US" dirty="0" err="1">
+                <a:latin typeface="Times New Roman" panose="02020603050405020304" pitchFamily="18" charset="0"/>
+                <a:cs typeface="Times New Roman" panose="02020603050405020304" pitchFamily="18" charset="0"/>
+              </a:rPr>
+              <a:t>thực</a:t>
+            </a:r>
+            <a:r>
+              <a:rPr lang="en-US" dirty="0">
+                <a:latin typeface="Times New Roman" panose="02020603050405020304" pitchFamily="18" charset="0"/>
+                <a:cs typeface="Times New Roman" panose="02020603050405020304" pitchFamily="18" charset="0"/>
+              </a:rPr>
+              <a:t> </a:t>
+            </a:r>
+            <a:r>
+              <a:rPr lang="en-US" dirty="0" err="1">
+                <a:latin typeface="Times New Roman" panose="02020603050405020304" pitchFamily="18" charset="0"/>
+                <a:cs typeface="Times New Roman" panose="02020603050405020304" pitchFamily="18" charset="0"/>
+              </a:rPr>
+              <a:t>tế</a:t>
+            </a:r>
+            <a:endParaRPr lang="en-US" dirty="0">
+              <a:latin typeface="Times New Roman" panose="02020603050405020304" pitchFamily="18" charset="0"/>
+              <a:cs typeface="Times New Roman" panose="02020603050405020304" pitchFamily="18" charset="0"/>
+            </a:endParaRPr>
+          </a:p>
+          <a:p>
+            <a:endParaRPr lang="en-US" dirty="0">
+              <a:latin typeface="Times New Roman" panose="02020603050405020304" pitchFamily="18" charset="0"/>
+              <a:cs typeface="Times New Roman" panose="02020603050405020304" pitchFamily="18" charset="0"/>
+            </a:endParaRPr>
+          </a:p>
+          <a:p>
+            <a:r>
+              <a:rPr lang="en-US" dirty="0" err="1">
+                <a:latin typeface="Times New Roman" panose="02020603050405020304" pitchFamily="18" charset="0"/>
+                <a:cs typeface="Times New Roman" panose="02020603050405020304" pitchFamily="18" charset="0"/>
+              </a:rPr>
+              <a:t>Tài</a:t>
+            </a:r>
+            <a:r>
+              <a:rPr lang="en-US" dirty="0">
+                <a:latin typeface="Times New Roman" panose="02020603050405020304" pitchFamily="18" charset="0"/>
+                <a:cs typeface="Times New Roman" panose="02020603050405020304" pitchFamily="18" charset="0"/>
+              </a:rPr>
+              <a:t> </a:t>
+            </a:r>
+            <a:r>
+              <a:rPr lang="en-US" dirty="0" err="1">
+                <a:latin typeface="Times New Roman" panose="02020603050405020304" pitchFamily="18" charset="0"/>
+                <a:cs typeface="Times New Roman" panose="02020603050405020304" pitchFamily="18" charset="0"/>
+              </a:rPr>
+              <a:t>liệu</a:t>
+            </a:r>
+            <a:r>
+              <a:rPr lang="en-US" dirty="0">
+                <a:latin typeface="Times New Roman" panose="02020603050405020304" pitchFamily="18" charset="0"/>
+                <a:cs typeface="Times New Roman" panose="02020603050405020304" pitchFamily="18" charset="0"/>
+              </a:rPr>
+              <a:t> </a:t>
+            </a:r>
+            <a:r>
+              <a:rPr lang="en-US" dirty="0" err="1">
+                <a:latin typeface="Times New Roman" panose="02020603050405020304" pitchFamily="18" charset="0"/>
+                <a:cs typeface="Times New Roman" panose="02020603050405020304" pitchFamily="18" charset="0"/>
+              </a:rPr>
+              <a:t>tham</a:t>
+            </a:r>
+            <a:r>
+              <a:rPr lang="en-US" dirty="0">
+                <a:latin typeface="Times New Roman" panose="02020603050405020304" pitchFamily="18" charset="0"/>
+                <a:cs typeface="Times New Roman" panose="02020603050405020304" pitchFamily="18" charset="0"/>
+              </a:rPr>
+              <a:t> </a:t>
+            </a:r>
+            <a:r>
+              <a:rPr lang="en-US" dirty="0" err="1">
+                <a:latin typeface="Times New Roman" panose="02020603050405020304" pitchFamily="18" charset="0"/>
+                <a:cs typeface="Times New Roman" panose="02020603050405020304" pitchFamily="18" charset="0"/>
+              </a:rPr>
+              <a:t>khảo</a:t>
+            </a:r>
+            <a:endParaRPr lang="en-US" dirty="0">
+              <a:latin typeface="Times New Roman" panose="02020603050405020304" pitchFamily="18" charset="0"/>
+              <a:cs typeface="Times New Roman" panose="02020603050405020304" pitchFamily="18" charset="0"/>
+            </a:endParaRPr>
+          </a:p>
+          <a:p>
+            <a:endParaRPr lang="en-US" dirty="0"/>
           </a:p>
         </p:txBody>
       </p:sp>
     </p:spTree>
     <p:extLst>
       <p:ext uri="{BB962C8B-B14F-4D97-AF65-F5344CB8AC3E}">
-        <p14:creationId xmlns:p14="http://schemas.microsoft.com/office/powerpoint/2010/main" val="3300409583"/>
+        <p14:creationId xmlns:p14="http://schemas.microsoft.com/office/powerpoint/2010/main" val="2610533861"/>
       </p:ext>
     </p:extLst>
   </p:cSld>
@@ -26867,8 +27215,8 @@
           </a:p>
         </p:txBody>
       </p:sp>
-      <mc:AlternateContent xmlns:mc="http://schemas.openxmlformats.org/markup-compatibility/2006">
-        <mc:Choice xmlns:a14="http://schemas.microsoft.com/office/drawing/2010/main" Requires="a14">
+      <mc:AlternateContent xmlns:mc="http://schemas.openxmlformats.org/markup-compatibility/2006" xmlns:a14="http://schemas.microsoft.com/office/drawing/2010/main">
+        <mc:Choice Requires="a14">
           <p:sp>
             <p:nvSpPr>
               <p:cNvPr id="9" name="Content Placeholder 2">
@@ -28101,7 +28449,7 @@
             </p:txBody>
           </p:sp>
         </mc:Choice>
-        <mc:Fallback>
+        <mc:Fallback xmlns="">
           <p:sp>
             <p:nvSpPr>
               <p:cNvPr id="9" name="Content Placeholder 2">
@@ -28593,8 +28941,8 @@
           </a:p>
         </p:txBody>
       </p:sp>
-      <mc:AlternateContent xmlns:mc="http://schemas.openxmlformats.org/markup-compatibility/2006">
-        <mc:Choice xmlns:a14="http://schemas.microsoft.com/office/drawing/2010/main" Requires="a14">
+      <mc:AlternateContent xmlns:mc="http://schemas.openxmlformats.org/markup-compatibility/2006" xmlns:a14="http://schemas.microsoft.com/office/drawing/2010/main">
+        <mc:Choice Requires="a14">
           <p:sp>
             <p:nvSpPr>
               <p:cNvPr id="8" name="Content Placeholder 2">
@@ -28782,7 +29130,43 @@
                           <a:rPr lang="en-US" b="0" i="1" smtClean="0">
                             <a:latin typeface="Cambria Math" panose="02040503050406030204" pitchFamily="18" charset="0"/>
                           </a:rPr>
-                          <m:t>0.65+0.01</m:t>
+                          <m:t>0</m:t>
+                        </m:r>
+                        <m:r>
+                          <a:rPr lang="en-US" b="0" i="1" smtClean="0">
+                            <a:latin typeface="Cambria Math" panose="02040503050406030204" pitchFamily="18" charset="0"/>
+                          </a:rPr>
+                          <m:t>.</m:t>
+                        </m:r>
+                        <m:r>
+                          <a:rPr lang="en-US" b="0" i="1" smtClean="0">
+                            <a:latin typeface="Cambria Math" panose="02040503050406030204" pitchFamily="18" charset="0"/>
+                          </a:rPr>
+                          <m:t>65</m:t>
+                        </m:r>
+                        <m:r>
+                          <a:rPr lang="en-US" b="0" i="1" smtClean="0">
+                            <a:latin typeface="Cambria Math" panose="02040503050406030204" pitchFamily="18" charset="0"/>
+                          </a:rPr>
+                          <m:t>+</m:t>
+                        </m:r>
+                        <m:r>
+                          <a:rPr lang="en-US" b="0" i="1" smtClean="0">
+                            <a:latin typeface="Cambria Math" panose="02040503050406030204" pitchFamily="18" charset="0"/>
+                          </a:rPr>
+                          <m:t>0</m:t>
+                        </m:r>
+                        <m:r>
+                          <a:rPr lang="en-US" b="0" i="1" smtClean="0">
+                            <a:latin typeface="Cambria Math" panose="02040503050406030204" pitchFamily="18" charset="0"/>
+                          </a:rPr>
+                          <m:t>.</m:t>
+                        </m:r>
+                        <m:r>
+                          <a:rPr lang="en-US" b="0" i="1" smtClean="0">
+                            <a:latin typeface="Cambria Math" panose="02040503050406030204" pitchFamily="18" charset="0"/>
+                          </a:rPr>
+                          <m:t>01</m:t>
                         </m:r>
                         <m:nary>
                           <m:naryPr>
@@ -29149,7 +29533,7 @@
             </p:txBody>
           </p:sp>
         </mc:Choice>
-        <mc:Fallback>
+        <mc:Fallback xmlns="">
           <p:sp>
             <p:nvSpPr>
               <p:cNvPr id="8" name="Content Placeholder 2">
@@ -31048,8 +31432,8 @@
         </p:nvSpPr>
         <p:spPr>
           <a:xfrm>
-            <a:off x="1295401" y="2612256"/>
-            <a:ext cx="9601196" cy="2680961"/>
+            <a:off x="650747" y="2612256"/>
+            <a:ext cx="10245850" cy="3852938"/>
           </a:xfrm>
         </p:spPr>
         <p:txBody>
@@ -31060,279 +31444,34 @@
           <a:p>
             <a:r>
               <a:rPr lang="vi-VN" dirty="0"/>
-              <a:t>Một trong những nội dung quan trọng là những vướng mắc, "bế tắc" về định giá phần mềm, định giá chi phí dự án phần mềm sẽ được giải quyết qua việc sử dụng phương pháp điểm chức năng  (Function Points) - lượng hóa phần mềm theo số lượng điểm chức năng. Như vậy, nhà đầu tư sẽ mua sản phẩm phần mềm ứng dụng theo tính năng. Họ chỉ cần quan tâm đến hiệu quả cuối cùng của sản phẩm, mà không cần xác định nhà cung cấp phần mềm phải bỏ ra bao nhiêu chi phí, nguồn nhân lực, số ngày công...</a:t>
+              <a:t>Trong suốt thời gian qua, việc triển khai các</a:t>
+            </a:r>
+            <a:r>
+              <a:rPr lang="en-US" dirty="0"/>
+              <a:t> </a:t>
+            </a:r>
+            <a:r>
+              <a:rPr lang="en-US" dirty="0" err="1"/>
+              <a:t>dự</a:t>
+            </a:r>
+            <a:r>
+              <a:rPr lang="en-US" dirty="0"/>
+              <a:t> </a:t>
+            </a:r>
+            <a:r>
+              <a:rPr lang="en-US" dirty="0" err="1"/>
+              <a:t>án</a:t>
+            </a:r>
+            <a:r>
+              <a:rPr lang="vi-VN" dirty="0"/>
+              <a:t> ứng dụng CNTT tại các đơn vị sử dụng vốn ngân sách nhà nước gặp rất nhiều khó khăn, vướng mắc. Nguyên nhân cơ bản là do trong lĩnh vực này chưa hề có một quy định, văn bản hướng dẫn đầu tư chính thức nào</a:t>
             </a:r>
             <a:endParaRPr lang="en-US" dirty="0"/>
           </a:p>
-        </p:txBody>
-      </p:sp>
-      <p:sp>
-        <p:nvSpPr>
-          <p:cNvPr id="26" name="Content Placeholder 6">
-            <a:extLst>
-              <a:ext uri="{FF2B5EF4-FFF2-40B4-BE49-F238E27FC236}">
-                <a16:creationId xmlns:a16="http://schemas.microsoft.com/office/drawing/2014/main" id="{CAB54BBA-F82D-4575-9765-4DA41FABF8F8}"/>
-              </a:ext>
-            </a:extLst>
-          </p:cNvPr>
-          <p:cNvSpPr txBox="1">
-            <a:spLocks/>
-          </p:cNvSpPr>
-          <p:nvPr/>
-        </p:nvSpPr>
-        <p:spPr>
-          <a:xfrm>
-            <a:off x="1295401" y="5136326"/>
-            <a:ext cx="9601196" cy="1666516"/>
-          </a:xfrm>
-          <a:prstGeom prst="rect">
-            <a:avLst/>
-          </a:prstGeom>
-        </p:spPr>
-        <p:txBody>
-          <a:bodyPr vert="horz" lIns="91440" tIns="45720" rIns="91440" bIns="45720" rtlCol="0" anchor="t">
-            <a:normAutofit/>
-          </a:bodyPr>
-          <a:lstStyle>
-            <a:lvl1pPr marL="285750" indent="-285750" algn="l" defTabSz="457200" rtl="0" eaLnBrk="1" latinLnBrk="0" hangingPunct="1">
-              <a:spcBef>
-                <a:spcPct val="20000"/>
-              </a:spcBef>
-              <a:spcAft>
-                <a:spcPts val="600"/>
-              </a:spcAft>
-              <a:buClr>
-                <a:schemeClr val="accent1"/>
-              </a:buClr>
-              <a:buSzPct val="115000"/>
-              <a:buFont typeface="Arial"/>
-              <a:buChar char="•"/>
-              <a:defRPr sz="2400" kern="1200" cap="none">
-                <a:solidFill>
-                  <a:schemeClr val="tx1">
-                    <a:lumMod val="85000"/>
-                    <a:lumOff val="15000"/>
-                  </a:schemeClr>
-                </a:solidFill>
-                <a:effectLst/>
-                <a:latin typeface="+mn-lt"/>
-                <a:ea typeface="+mn-ea"/>
-                <a:cs typeface="+mn-cs"/>
-              </a:defRPr>
-            </a:lvl1pPr>
-            <a:lvl2pPr marL="742950" indent="-285750" algn="l" defTabSz="457200" rtl="0" eaLnBrk="1" latinLnBrk="0" hangingPunct="1">
-              <a:spcBef>
-                <a:spcPct val="20000"/>
-              </a:spcBef>
-              <a:spcAft>
-                <a:spcPts val="600"/>
-              </a:spcAft>
-              <a:buClr>
-                <a:schemeClr val="accent1"/>
-              </a:buClr>
-              <a:buSzPct val="115000"/>
-              <a:buFont typeface="Arial"/>
-              <a:buChar char="•"/>
-              <a:defRPr sz="2000" kern="1200" cap="none">
-                <a:solidFill>
-                  <a:schemeClr val="tx1">
-                    <a:lumMod val="85000"/>
-                    <a:lumOff val="15000"/>
-                  </a:schemeClr>
-                </a:solidFill>
-                <a:effectLst/>
-                <a:latin typeface="+mn-lt"/>
-                <a:ea typeface="+mn-ea"/>
-                <a:cs typeface="+mn-cs"/>
-              </a:defRPr>
-            </a:lvl2pPr>
-            <a:lvl3pPr marL="1200150" indent="-285750" algn="l" defTabSz="457200" rtl="0" eaLnBrk="1" latinLnBrk="0" hangingPunct="1">
-              <a:spcBef>
-                <a:spcPct val="20000"/>
-              </a:spcBef>
-              <a:spcAft>
-                <a:spcPts val="600"/>
-              </a:spcAft>
-              <a:buClr>
-                <a:schemeClr val="accent1"/>
-              </a:buClr>
-              <a:buSzPct val="115000"/>
-              <a:buFont typeface="Arial"/>
-              <a:buChar char="•"/>
-              <a:defRPr sz="1800" kern="1200" cap="none">
-                <a:solidFill>
-                  <a:schemeClr val="tx1">
-                    <a:lumMod val="85000"/>
-                    <a:lumOff val="15000"/>
-                  </a:schemeClr>
-                </a:solidFill>
-                <a:effectLst/>
-                <a:latin typeface="+mn-lt"/>
-                <a:ea typeface="+mn-ea"/>
-                <a:cs typeface="+mn-cs"/>
-              </a:defRPr>
-            </a:lvl3pPr>
-            <a:lvl4pPr marL="1543050" indent="-171450" algn="l" defTabSz="457200" rtl="0" eaLnBrk="1" latinLnBrk="0" hangingPunct="1">
-              <a:spcBef>
-                <a:spcPct val="20000"/>
-              </a:spcBef>
-              <a:spcAft>
-                <a:spcPts val="600"/>
-              </a:spcAft>
-              <a:buClr>
-                <a:schemeClr val="accent1"/>
-              </a:buClr>
-              <a:buSzPct val="115000"/>
-              <a:buFont typeface="Arial"/>
-              <a:buChar char="•"/>
-              <a:defRPr sz="1600" kern="1200" cap="none">
-                <a:solidFill>
-                  <a:schemeClr val="tx1">
-                    <a:lumMod val="85000"/>
-                    <a:lumOff val="15000"/>
-                  </a:schemeClr>
-                </a:solidFill>
-                <a:effectLst/>
-                <a:latin typeface="+mn-lt"/>
-                <a:ea typeface="+mn-ea"/>
-                <a:cs typeface="+mn-cs"/>
-              </a:defRPr>
-            </a:lvl4pPr>
-            <a:lvl5pPr marL="2000250" indent="-171450" algn="l" defTabSz="457200" rtl="0" eaLnBrk="1" latinLnBrk="0" hangingPunct="1">
-              <a:spcBef>
-                <a:spcPct val="20000"/>
-              </a:spcBef>
-              <a:spcAft>
-                <a:spcPts val="600"/>
-              </a:spcAft>
-              <a:buClr>
-                <a:schemeClr val="accent1"/>
-              </a:buClr>
-              <a:buSzPct val="115000"/>
-              <a:buFont typeface="Arial"/>
-              <a:buChar char="•"/>
-              <a:defRPr sz="1400" kern="1200" cap="none">
-                <a:solidFill>
-                  <a:schemeClr val="tx1">
-                    <a:lumMod val="85000"/>
-                    <a:lumOff val="15000"/>
-                  </a:schemeClr>
-                </a:solidFill>
-                <a:effectLst/>
-                <a:latin typeface="+mn-lt"/>
-                <a:ea typeface="+mn-ea"/>
-                <a:cs typeface="+mn-cs"/>
-              </a:defRPr>
-            </a:lvl5pPr>
-            <a:lvl6pPr marL="2514600" indent="-228600" algn="l" defTabSz="457200" rtl="0" eaLnBrk="1" latinLnBrk="0" hangingPunct="1">
-              <a:spcBef>
-                <a:spcPct val="20000"/>
-              </a:spcBef>
-              <a:spcAft>
-                <a:spcPts val="600"/>
-              </a:spcAft>
-              <a:buClr>
-                <a:schemeClr val="accent1"/>
-              </a:buClr>
-              <a:buSzPct val="115000"/>
-              <a:buFont typeface="Arial"/>
-              <a:buChar char="•"/>
-              <a:defRPr sz="1400" kern="1200" cap="none">
-                <a:solidFill>
-                  <a:schemeClr val="tx1">
-                    <a:lumMod val="85000"/>
-                    <a:lumOff val="15000"/>
-                  </a:schemeClr>
-                </a:solidFill>
-                <a:effectLst/>
-                <a:latin typeface="+mn-lt"/>
-                <a:ea typeface="+mn-ea"/>
-                <a:cs typeface="+mn-cs"/>
-              </a:defRPr>
-            </a:lvl6pPr>
-            <a:lvl7pPr marL="2971800" indent="-228600" algn="l" defTabSz="457200" rtl="0" eaLnBrk="1" latinLnBrk="0" hangingPunct="1">
-              <a:spcBef>
-                <a:spcPct val="20000"/>
-              </a:spcBef>
-              <a:spcAft>
-                <a:spcPts val="600"/>
-              </a:spcAft>
-              <a:buClr>
-                <a:schemeClr val="accent1"/>
-              </a:buClr>
-              <a:buSzPct val="115000"/>
-              <a:buFont typeface="Arial"/>
-              <a:buChar char="•"/>
-              <a:defRPr sz="1400" kern="1200" cap="none">
-                <a:solidFill>
-                  <a:schemeClr val="tx1">
-                    <a:lumMod val="85000"/>
-                    <a:lumOff val="15000"/>
-                  </a:schemeClr>
-                </a:solidFill>
-                <a:effectLst/>
-                <a:latin typeface="+mn-lt"/>
-                <a:ea typeface="+mn-ea"/>
-                <a:cs typeface="+mn-cs"/>
-              </a:defRPr>
-            </a:lvl7pPr>
-            <a:lvl8pPr marL="3429000" indent="-228600" algn="l" defTabSz="457200" rtl="0" eaLnBrk="1" latinLnBrk="0" hangingPunct="1">
-              <a:spcBef>
-                <a:spcPct val="20000"/>
-              </a:spcBef>
-              <a:spcAft>
-                <a:spcPts val="600"/>
-              </a:spcAft>
-              <a:buClr>
-                <a:schemeClr val="accent1"/>
-              </a:buClr>
-              <a:buSzPct val="115000"/>
-              <a:buFont typeface="Arial"/>
-              <a:buChar char="•"/>
-              <a:defRPr sz="1400" kern="1200" cap="none">
-                <a:solidFill>
-                  <a:schemeClr val="tx1">
-                    <a:lumMod val="85000"/>
-                    <a:lumOff val="15000"/>
-                  </a:schemeClr>
-                </a:solidFill>
-                <a:effectLst/>
-                <a:latin typeface="+mn-lt"/>
-                <a:ea typeface="+mn-ea"/>
-                <a:cs typeface="+mn-cs"/>
-              </a:defRPr>
-            </a:lvl8pPr>
-            <a:lvl9pPr marL="3886200" indent="-228600" algn="l" defTabSz="457200" rtl="0" eaLnBrk="1" latinLnBrk="0" hangingPunct="1">
-              <a:spcBef>
-                <a:spcPct val="20000"/>
-              </a:spcBef>
-              <a:spcAft>
-                <a:spcPts val="600"/>
-              </a:spcAft>
-              <a:buClr>
-                <a:schemeClr val="accent1"/>
-              </a:buClr>
-              <a:buSzPct val="115000"/>
-              <a:buFont typeface="Arial"/>
-              <a:buChar char="•"/>
-              <a:defRPr sz="1400" kern="1200" cap="none">
-                <a:solidFill>
-                  <a:schemeClr val="tx1">
-                    <a:lumMod val="85000"/>
-                    <a:lumOff val="15000"/>
-                  </a:schemeClr>
-                </a:solidFill>
-                <a:effectLst/>
-                <a:latin typeface="+mn-lt"/>
-                <a:ea typeface="+mn-ea"/>
-                <a:cs typeface="+mn-cs"/>
-              </a:defRPr>
-            </a:lvl9pPr>
-          </a:lstStyle>
           <a:p>
             <a:r>
               <a:rPr lang="vi-VN" dirty="0"/>
-              <a:t>Chẳng hạn một sản phẩm phần mềm có 500 function points (FPs) thì giá của nó sẽ là giá của một FP nhân với tổng số 500 FPs được thiết kế. Trong mỗi giai đoạn xây dựng phần mềm, tùy thuộc mức độ phức tạp, quy mô, cũng sẽ có thể có những mức giá cho một FP khác nhau</a:t>
+              <a:t>Một trong những nội dung quan trọng là những vướng mắc, "bế tắc" về định giá phần mềm, định giá chi phí dự án phần mềm sẽ được giải quyết qua việc sử dụng phương pháp điểm chức năng  (Function Points) - lượng hóa phần mềm theo số lượng điểm chức năng. </a:t>
             </a:r>
             <a:endParaRPr lang="en-US" dirty="0"/>
           </a:p>
@@ -31341,7 +31480,7 @@
     </p:spTree>
     <p:extLst>
       <p:ext uri="{BB962C8B-B14F-4D97-AF65-F5344CB8AC3E}">
-        <p14:creationId xmlns:p14="http://schemas.microsoft.com/office/powerpoint/2010/main" val="2610533861"/>
+        <p14:creationId xmlns:p14="http://schemas.microsoft.com/office/powerpoint/2010/main" val="1548609710"/>
       </p:ext>
     </p:extLst>
   </p:cSld>
@@ -33226,8 +33365,8 @@
           </a:p>
         </p:txBody>
       </p:sp>
-      <mc:AlternateContent xmlns:mc="http://schemas.openxmlformats.org/markup-compatibility/2006">
-        <mc:Choice xmlns:a14="http://schemas.microsoft.com/office/drawing/2010/main" Requires="a14">
+      <mc:AlternateContent xmlns:mc="http://schemas.openxmlformats.org/markup-compatibility/2006" xmlns:a14="http://schemas.microsoft.com/office/drawing/2010/main">
+        <mc:Choice Requires="a14">
           <p:sp>
             <p:nvSpPr>
               <p:cNvPr id="10" name="Content Placeholder 2">
@@ -33688,7 +33827,43 @@
                           <a:rPr lang="en-US" i="1">
                             <a:latin typeface="Cambria Math" panose="02040503050406030204" pitchFamily="18" charset="0"/>
                           </a:rPr>
-                          <m:t>0.65+0.01</m:t>
+                          <m:t>0</m:t>
+                        </m:r>
+                        <m:r>
+                          <a:rPr lang="en-US" i="1">
+                            <a:latin typeface="Cambria Math" panose="02040503050406030204" pitchFamily="18" charset="0"/>
+                          </a:rPr>
+                          <m:t>.</m:t>
+                        </m:r>
+                        <m:r>
+                          <a:rPr lang="en-US" i="1">
+                            <a:latin typeface="Cambria Math" panose="02040503050406030204" pitchFamily="18" charset="0"/>
+                          </a:rPr>
+                          <m:t>65</m:t>
+                        </m:r>
+                        <m:r>
+                          <a:rPr lang="en-US" i="1">
+                            <a:latin typeface="Cambria Math" panose="02040503050406030204" pitchFamily="18" charset="0"/>
+                          </a:rPr>
+                          <m:t>+</m:t>
+                        </m:r>
+                        <m:r>
+                          <a:rPr lang="en-US" i="1">
+                            <a:latin typeface="Cambria Math" panose="02040503050406030204" pitchFamily="18" charset="0"/>
+                          </a:rPr>
+                          <m:t>0</m:t>
+                        </m:r>
+                        <m:r>
+                          <a:rPr lang="en-US" i="1">
+                            <a:latin typeface="Cambria Math" panose="02040503050406030204" pitchFamily="18" charset="0"/>
+                          </a:rPr>
+                          <m:t>.</m:t>
+                        </m:r>
+                        <m:r>
+                          <a:rPr lang="en-US" i="1">
+                            <a:latin typeface="Cambria Math" panose="02040503050406030204" pitchFamily="18" charset="0"/>
+                          </a:rPr>
+                          <m:t>01</m:t>
                         </m:r>
                         <m:nary>
                           <m:naryPr>
@@ -33817,7 +33992,7 @@
             </p:txBody>
           </p:sp>
         </mc:Choice>
-        <mc:Fallback>
+        <mc:Fallback xmlns="">
           <p:sp>
             <p:nvSpPr>
               <p:cNvPr id="10" name="Content Placeholder 2">
@@ -34029,6 +34204,698 @@
 </file>
 
 <file path=ppt/slides/slide5.xml><?xml version="1.0" encoding="utf-8"?>
+<p:sld xmlns:a="http://schemas.openxmlformats.org/drawingml/2006/main" xmlns:r="http://schemas.openxmlformats.org/officeDocument/2006/relationships" xmlns:p="http://schemas.openxmlformats.org/presentationml/2006/main">
+  <p:cSld>
+    <p:bg>
+      <p:bgPr>
+        <a:blipFill>
+          <a:blip r:embed="rId2">
+            <a:extLst/>
+          </a:blip>
+          <a:stretch/>
+        </a:blipFill>
+        <a:effectLst/>
+      </p:bgPr>
+    </p:bg>
+    <p:spTree>
+      <p:nvGrpSpPr>
+        <p:cNvPr id="1" name=""/>
+        <p:cNvGrpSpPr/>
+        <p:nvPr/>
+      </p:nvGrpSpPr>
+      <p:grpSpPr>
+        <a:xfrm>
+          <a:off x="0" y="0"/>
+          <a:ext cx="0" cy="0"/>
+          <a:chOff x="0" y="0"/>
+          <a:chExt cx="0" cy="0"/>
+        </a:xfrm>
+      </p:grpSpPr>
+      <p:sp useBgFill="1">
+        <p:nvSpPr>
+          <p:cNvPr id="31" name="Rectangle 22">
+            <a:extLst>
+              <a:ext uri="{FF2B5EF4-FFF2-40B4-BE49-F238E27FC236}">
+                <a16:creationId xmlns:a16="http://schemas.microsoft.com/office/drawing/2014/main" id="{52723366-C73B-4ED6-ADEF-29911C6BC55F}"/>
+              </a:ext>
+            </a:extLst>
+          </p:cNvPr>
+          <p:cNvSpPr>
+            <a:spLocks noGrp="1" noRot="1" noChangeAspect="1" noMove="1" noResize="1" noEditPoints="1" noAdjustHandles="1" noChangeArrowheads="1" noChangeShapeType="1" noTextEdit="1"/>
+          </p:cNvSpPr>
+          <p:nvPr>
+            <p:extLst>
+              <p:ext uri="{386F3935-93C4-4BCD-93E2-E3B085C9AB24}">
+                <p16:designElem xmlns:p16="http://schemas.microsoft.com/office/powerpoint/2015/main" val="1"/>
+              </p:ext>
+            </p:extLst>
+          </p:nvPr>
+        </p:nvSpPr>
+        <p:spPr>
+          <a:xfrm>
+            <a:off x="0" y="0"/>
+            <a:ext cx="12192000" cy="6858000"/>
+          </a:xfrm>
+          <a:prstGeom prst="rect">
+            <a:avLst/>
+          </a:prstGeom>
+          <a:ln>
+            <a:noFill/>
+          </a:ln>
+        </p:spPr>
+        <p:style>
+          <a:lnRef idx="2">
+            <a:schemeClr val="accent1">
+              <a:shade val="50000"/>
+            </a:schemeClr>
+          </a:lnRef>
+          <a:fillRef idx="1">
+            <a:schemeClr val="accent1"/>
+          </a:fillRef>
+          <a:effectRef idx="0">
+            <a:schemeClr val="accent1"/>
+          </a:effectRef>
+          <a:fontRef idx="minor">
+            <a:schemeClr val="lt1"/>
+          </a:fontRef>
+        </p:style>
+        <p:txBody>
+          <a:bodyPr rtlCol="0" anchor="ctr"/>
+          <a:lstStyle/>
+          <a:p>
+            <a:pPr algn="ctr"/>
+            <a:endParaRPr lang="en-US"/>
+          </a:p>
+        </p:txBody>
+      </p:sp>
+      <p:sp>
+        <p:nvSpPr>
+          <p:cNvPr id="32" name="Rectangle 24">
+            <a:extLst>
+              <a:ext uri="{FF2B5EF4-FFF2-40B4-BE49-F238E27FC236}">
+                <a16:creationId xmlns:a16="http://schemas.microsoft.com/office/drawing/2014/main" id="{C6202988-4466-42C5-B33A-AFABF051B4FE}"/>
+              </a:ext>
+            </a:extLst>
+          </p:cNvPr>
+          <p:cNvSpPr>
+            <a:spLocks noGrp="1" noRot="1" noChangeAspect="1" noMove="1" noResize="1" noEditPoints="1" noAdjustHandles="1" noChangeArrowheads="1" noChangeShapeType="1" noTextEdit="1"/>
+          </p:cNvSpPr>
+          <p:nvPr>
+            <p:extLst>
+              <p:ext uri="{386F3935-93C4-4BCD-93E2-E3B085C9AB24}">
+                <p16:designElem xmlns:p16="http://schemas.microsoft.com/office/powerpoint/2015/main" val="1"/>
+              </p:ext>
+            </p:extLst>
+          </p:nvPr>
+        </p:nvSpPr>
+        <p:spPr>
+          <a:xfrm>
+            <a:off x="0" y="2286000"/>
+            <a:ext cx="12192000" cy="4572000"/>
+          </a:xfrm>
+          <a:prstGeom prst="rect">
+            <a:avLst/>
+          </a:prstGeom>
+          <a:gradFill>
+            <a:gsLst>
+              <a:gs pos="0">
+                <a:schemeClr val="bg1"/>
+              </a:gs>
+              <a:gs pos="30000">
+                <a:schemeClr val="bg1"/>
+              </a:gs>
+              <a:gs pos="61000">
+                <a:schemeClr val="bg2">
+                  <a:lumMod val="20000"/>
+                  <a:lumOff val="80000"/>
+                </a:schemeClr>
+              </a:gs>
+              <a:gs pos="97000">
+                <a:schemeClr val="bg2">
+                  <a:lumMod val="70000"/>
+                  <a:lumOff val="30000"/>
+                </a:schemeClr>
+              </a:gs>
+            </a:gsLst>
+            <a:path path="circle">
+              <a:fillToRect l="50000" t="50000" r="50000" b="50000"/>
+            </a:path>
+          </a:gradFill>
+          <a:ln>
+            <a:noFill/>
+          </a:ln>
+          <a:effectLst>
+            <a:innerShdw blurRad="63500" dist="50800" dir="16200000">
+              <a:prstClr val="black">
+                <a:alpha val="35000"/>
+              </a:prstClr>
+            </a:innerShdw>
+          </a:effectLst>
+        </p:spPr>
+        <p:style>
+          <a:lnRef idx="2">
+            <a:schemeClr val="accent1">
+              <a:shade val="50000"/>
+            </a:schemeClr>
+          </a:lnRef>
+          <a:fillRef idx="1">
+            <a:schemeClr val="accent1"/>
+          </a:fillRef>
+          <a:effectRef idx="0">
+            <a:schemeClr val="accent1"/>
+          </a:effectRef>
+          <a:fontRef idx="minor">
+            <a:schemeClr val="lt1"/>
+          </a:fontRef>
+        </p:style>
+        <p:txBody>
+          <a:bodyPr rtlCol="0" anchor="ctr"/>
+          <a:lstStyle/>
+          <a:p>
+            <a:pPr algn="ctr"/>
+            <a:endParaRPr lang="en-US"/>
+          </a:p>
+        </p:txBody>
+      </p:sp>
+      <p:sp>
+        <p:nvSpPr>
+          <p:cNvPr id="33" name="Rectangle 26">
+            <a:extLst>
+              <a:ext uri="{FF2B5EF4-FFF2-40B4-BE49-F238E27FC236}">
+                <a16:creationId xmlns:a16="http://schemas.microsoft.com/office/drawing/2014/main" id="{847A4152-8E41-4D1C-B88C-57C5C430A69E}"/>
+              </a:ext>
+            </a:extLst>
+          </p:cNvPr>
+          <p:cNvSpPr>
+            <a:spLocks noGrp="1" noRot="1" noChangeAspect="1" noMove="1" noResize="1" noEditPoints="1" noAdjustHandles="1" noChangeArrowheads="1" noChangeShapeType="1" noTextEdit="1"/>
+          </p:cNvSpPr>
+          <p:nvPr>
+            <p:extLst>
+              <p:ext uri="{386F3935-93C4-4BCD-93E2-E3B085C9AB24}">
+                <p16:designElem xmlns:p16="http://schemas.microsoft.com/office/powerpoint/2015/main" val="1"/>
+              </p:ext>
+            </p:extLst>
+          </p:nvPr>
+        </p:nvSpPr>
+        <p:spPr>
+          <a:xfrm>
+            <a:off x="484631" y="484632"/>
+            <a:ext cx="11222737" cy="1479635"/>
+          </a:xfrm>
+          <a:prstGeom prst="rect">
+            <a:avLst/>
+          </a:prstGeom>
+          <a:solidFill>
+            <a:schemeClr val="tx2">
+              <a:lumMod val="90000"/>
+              <a:lumOff val="10000"/>
+            </a:schemeClr>
+          </a:solidFill>
+          <a:ln>
+            <a:noFill/>
+          </a:ln>
+          <a:effectLst>
+            <a:outerShdw blurRad="50800" dist="38100" dir="5400000" algn="t" rotWithShape="0">
+              <a:prstClr val="black">
+                <a:alpha val="40000"/>
+              </a:prstClr>
+            </a:outerShdw>
+          </a:effectLst>
+          <a:scene3d>
+            <a:camera prst="orthographicFront"/>
+            <a:lightRig rig="balanced" dir="t"/>
+          </a:scene3d>
+          <a:sp3d>
+            <a:bevelT w="6350" h="6350"/>
+          </a:sp3d>
+        </p:spPr>
+        <p:style>
+          <a:lnRef idx="2">
+            <a:schemeClr val="accent1">
+              <a:shade val="50000"/>
+            </a:schemeClr>
+          </a:lnRef>
+          <a:fillRef idx="1">
+            <a:schemeClr val="accent1"/>
+          </a:fillRef>
+          <a:effectRef idx="0">
+            <a:schemeClr val="accent1"/>
+          </a:effectRef>
+          <a:fontRef idx="minor">
+            <a:schemeClr val="lt1"/>
+          </a:fontRef>
+        </p:style>
+        <p:txBody>
+          <a:bodyPr rtlCol="0" anchor="ctr"/>
+          <a:lstStyle/>
+          <a:p>
+            <a:pPr algn="ctr"/>
+            <a:endParaRPr lang="en-US"/>
+          </a:p>
+        </p:txBody>
+      </p:sp>
+      <p:sp>
+        <p:nvSpPr>
+          <p:cNvPr id="34" name="Rectangle 28">
+            <a:extLst>
+              <a:ext uri="{FF2B5EF4-FFF2-40B4-BE49-F238E27FC236}">
+                <a16:creationId xmlns:a16="http://schemas.microsoft.com/office/drawing/2014/main" id="{999F76F5-72D4-4814-9169-8F535AEEB809}"/>
+              </a:ext>
+            </a:extLst>
+          </p:cNvPr>
+          <p:cNvSpPr>
+            <a:spLocks noGrp="1" noRot="1" noChangeAspect="1" noMove="1" noResize="1" noEditPoints="1" noAdjustHandles="1" noChangeArrowheads="1" noChangeShapeType="1" noTextEdit="1"/>
+          </p:cNvSpPr>
+          <p:nvPr>
+            <p:extLst>
+              <p:ext uri="{386F3935-93C4-4BCD-93E2-E3B085C9AB24}">
+                <p16:designElem xmlns:p16="http://schemas.microsoft.com/office/powerpoint/2015/main" val="1"/>
+              </p:ext>
+            </p:extLst>
+          </p:nvPr>
+        </p:nvSpPr>
+        <p:spPr>
+          <a:xfrm>
+            <a:off x="650747" y="648377"/>
+            <a:ext cx="10890504" cy="1152144"/>
+          </a:xfrm>
+          <a:prstGeom prst="rect">
+            <a:avLst/>
+          </a:prstGeom>
+          <a:noFill/>
+          <a:ln w="15875" cap="flat">
+            <a:solidFill>
+              <a:schemeClr val="accent1"/>
+            </a:solidFill>
+            <a:miter lim="800000"/>
+          </a:ln>
+          <a:effectLst/>
+        </p:spPr>
+        <p:style>
+          <a:lnRef idx="1">
+            <a:schemeClr val="accent1"/>
+          </a:lnRef>
+          <a:fillRef idx="3">
+            <a:schemeClr val="accent1"/>
+          </a:fillRef>
+          <a:effectRef idx="2">
+            <a:schemeClr val="accent1"/>
+          </a:effectRef>
+          <a:fontRef idx="minor">
+            <a:schemeClr val="lt1"/>
+          </a:fontRef>
+        </p:style>
+      </p:sp>
+      <p:sp>
+        <p:nvSpPr>
+          <p:cNvPr id="2" name="Title 1">
+            <a:extLst>
+              <a:ext uri="{FF2B5EF4-FFF2-40B4-BE49-F238E27FC236}">
+                <a16:creationId xmlns:a16="http://schemas.microsoft.com/office/drawing/2014/main" id="{796A9323-FAF4-44A0-923B-76CBF7C856F0}"/>
+              </a:ext>
+            </a:extLst>
+          </p:cNvPr>
+          <p:cNvSpPr>
+            <a:spLocks noGrp="1"/>
+          </p:cNvSpPr>
+          <p:nvPr>
+            <p:ph type="title"/>
+          </p:nvPr>
+        </p:nvSpPr>
+        <p:spPr>
+          <a:xfrm>
+            <a:off x="804421" y="796374"/>
+            <a:ext cx="10583158" cy="880027"/>
+          </a:xfrm>
+        </p:spPr>
+        <p:txBody>
+          <a:bodyPr>
+            <a:normAutofit/>
+          </a:bodyPr>
+          <a:lstStyle/>
+          <a:p>
+            <a:r>
+              <a:rPr lang="en-US" dirty="0" err="1">
+                <a:solidFill>
+                  <a:srgbClr val="FFFFFF"/>
+                </a:solidFill>
+                <a:latin typeface="Times New Roman" panose="02020603050405020304" pitchFamily="18" charset="0"/>
+                <a:cs typeface="Times New Roman" panose="02020603050405020304" pitchFamily="18" charset="0"/>
+              </a:rPr>
+              <a:t>Thực</a:t>
+            </a:r>
+            <a:r>
+              <a:rPr lang="en-US" dirty="0">
+                <a:solidFill>
+                  <a:srgbClr val="FFFFFF"/>
+                </a:solidFill>
+                <a:latin typeface="Times New Roman" panose="02020603050405020304" pitchFamily="18" charset="0"/>
+                <a:cs typeface="Times New Roman" panose="02020603050405020304" pitchFamily="18" charset="0"/>
+              </a:rPr>
+              <a:t> </a:t>
+            </a:r>
+            <a:r>
+              <a:rPr lang="en-US" dirty="0" err="1">
+                <a:solidFill>
+                  <a:srgbClr val="FFFFFF"/>
+                </a:solidFill>
+                <a:latin typeface="Times New Roman" panose="02020603050405020304" pitchFamily="18" charset="0"/>
+                <a:cs typeface="Times New Roman" panose="02020603050405020304" pitchFamily="18" charset="0"/>
+              </a:rPr>
+              <a:t>Trạng</a:t>
+            </a:r>
+            <a:endParaRPr lang="en-US" dirty="0">
+              <a:solidFill>
+                <a:srgbClr val="FFFFFF"/>
+              </a:solidFill>
+              <a:latin typeface="Times New Roman" panose="02020603050405020304" pitchFamily="18" charset="0"/>
+              <a:cs typeface="Times New Roman" panose="02020603050405020304" pitchFamily="18" charset="0"/>
+            </a:endParaRPr>
+          </a:p>
+        </p:txBody>
+      </p:sp>
+      <p:sp>
+        <p:nvSpPr>
+          <p:cNvPr id="7" name="Content Placeholder 6">
+            <a:extLst>
+              <a:ext uri="{FF2B5EF4-FFF2-40B4-BE49-F238E27FC236}">
+                <a16:creationId xmlns:a16="http://schemas.microsoft.com/office/drawing/2014/main" id="{34F1E70F-6C5C-4CC9-A0C7-D4DBD65FCA76}"/>
+              </a:ext>
+            </a:extLst>
+          </p:cNvPr>
+          <p:cNvSpPr>
+            <a:spLocks noGrp="1"/>
+          </p:cNvSpPr>
+          <p:nvPr>
+            <p:ph idx="1"/>
+          </p:nvPr>
+        </p:nvSpPr>
+        <p:spPr>
+          <a:xfrm>
+            <a:off x="1295401" y="2612256"/>
+            <a:ext cx="9601196" cy="2680961"/>
+          </a:xfrm>
+        </p:spPr>
+        <p:txBody>
+          <a:bodyPr>
+            <a:normAutofit/>
+          </a:bodyPr>
+          <a:lstStyle/>
+          <a:p>
+            <a:r>
+              <a:rPr lang="vi-VN" dirty="0"/>
+              <a:t>Một trong những nội dung quan trọng là những vướng mắc, "bế tắc" về định giá phần mềm, định giá chi phí dự án phần mềm sẽ được giải quyết qua việc sử dụng phương pháp điểm chức năng  (Function Points) - lượng hóa phần mềm theo số lượng điểm chức năng. Như vậy, nhà đầu tư sẽ mua sản phẩm phần mềm ứng dụng theo tính năng. Họ chỉ cần quan tâm đến hiệu quả cuối cùng của sản phẩm, mà không cần xác định nhà cung cấp phần mềm phải bỏ ra bao nhiêu chi phí, nguồn nhân lực, số ngày công...</a:t>
+            </a:r>
+            <a:endParaRPr lang="en-US" dirty="0"/>
+          </a:p>
+        </p:txBody>
+      </p:sp>
+      <p:sp>
+        <p:nvSpPr>
+          <p:cNvPr id="26" name="Content Placeholder 6">
+            <a:extLst>
+              <a:ext uri="{FF2B5EF4-FFF2-40B4-BE49-F238E27FC236}">
+                <a16:creationId xmlns:a16="http://schemas.microsoft.com/office/drawing/2014/main" id="{CAB54BBA-F82D-4575-9765-4DA41FABF8F8}"/>
+              </a:ext>
+            </a:extLst>
+          </p:cNvPr>
+          <p:cNvSpPr txBox="1">
+            <a:spLocks/>
+          </p:cNvSpPr>
+          <p:nvPr/>
+        </p:nvSpPr>
+        <p:spPr>
+          <a:xfrm>
+            <a:off x="1295401" y="5136326"/>
+            <a:ext cx="9601196" cy="1666516"/>
+          </a:xfrm>
+          <a:prstGeom prst="rect">
+            <a:avLst/>
+          </a:prstGeom>
+        </p:spPr>
+        <p:txBody>
+          <a:bodyPr vert="horz" lIns="91440" tIns="45720" rIns="91440" bIns="45720" rtlCol="0" anchor="t">
+            <a:normAutofit/>
+          </a:bodyPr>
+          <a:lstStyle>
+            <a:lvl1pPr marL="285750" indent="-285750" algn="l" defTabSz="457200" rtl="0" eaLnBrk="1" latinLnBrk="0" hangingPunct="1">
+              <a:spcBef>
+                <a:spcPct val="20000"/>
+              </a:spcBef>
+              <a:spcAft>
+                <a:spcPts val="600"/>
+              </a:spcAft>
+              <a:buClr>
+                <a:schemeClr val="accent1"/>
+              </a:buClr>
+              <a:buSzPct val="115000"/>
+              <a:buFont typeface="Arial"/>
+              <a:buChar char="•"/>
+              <a:defRPr sz="2400" kern="1200" cap="none">
+                <a:solidFill>
+                  <a:schemeClr val="tx1">
+                    <a:lumMod val="85000"/>
+                    <a:lumOff val="15000"/>
+                  </a:schemeClr>
+                </a:solidFill>
+                <a:effectLst/>
+                <a:latin typeface="+mn-lt"/>
+                <a:ea typeface="+mn-ea"/>
+                <a:cs typeface="+mn-cs"/>
+              </a:defRPr>
+            </a:lvl1pPr>
+            <a:lvl2pPr marL="742950" indent="-285750" algn="l" defTabSz="457200" rtl="0" eaLnBrk="1" latinLnBrk="0" hangingPunct="1">
+              <a:spcBef>
+                <a:spcPct val="20000"/>
+              </a:spcBef>
+              <a:spcAft>
+                <a:spcPts val="600"/>
+              </a:spcAft>
+              <a:buClr>
+                <a:schemeClr val="accent1"/>
+              </a:buClr>
+              <a:buSzPct val="115000"/>
+              <a:buFont typeface="Arial"/>
+              <a:buChar char="•"/>
+              <a:defRPr sz="2000" kern="1200" cap="none">
+                <a:solidFill>
+                  <a:schemeClr val="tx1">
+                    <a:lumMod val="85000"/>
+                    <a:lumOff val="15000"/>
+                  </a:schemeClr>
+                </a:solidFill>
+                <a:effectLst/>
+                <a:latin typeface="+mn-lt"/>
+                <a:ea typeface="+mn-ea"/>
+                <a:cs typeface="+mn-cs"/>
+              </a:defRPr>
+            </a:lvl2pPr>
+            <a:lvl3pPr marL="1200150" indent="-285750" algn="l" defTabSz="457200" rtl="0" eaLnBrk="1" latinLnBrk="0" hangingPunct="1">
+              <a:spcBef>
+                <a:spcPct val="20000"/>
+              </a:spcBef>
+              <a:spcAft>
+                <a:spcPts val="600"/>
+              </a:spcAft>
+              <a:buClr>
+                <a:schemeClr val="accent1"/>
+              </a:buClr>
+              <a:buSzPct val="115000"/>
+              <a:buFont typeface="Arial"/>
+              <a:buChar char="•"/>
+              <a:defRPr sz="1800" kern="1200" cap="none">
+                <a:solidFill>
+                  <a:schemeClr val="tx1">
+                    <a:lumMod val="85000"/>
+                    <a:lumOff val="15000"/>
+                  </a:schemeClr>
+                </a:solidFill>
+                <a:effectLst/>
+                <a:latin typeface="+mn-lt"/>
+                <a:ea typeface="+mn-ea"/>
+                <a:cs typeface="+mn-cs"/>
+              </a:defRPr>
+            </a:lvl3pPr>
+            <a:lvl4pPr marL="1543050" indent="-171450" algn="l" defTabSz="457200" rtl="0" eaLnBrk="1" latinLnBrk="0" hangingPunct="1">
+              <a:spcBef>
+                <a:spcPct val="20000"/>
+              </a:spcBef>
+              <a:spcAft>
+                <a:spcPts val="600"/>
+              </a:spcAft>
+              <a:buClr>
+                <a:schemeClr val="accent1"/>
+              </a:buClr>
+              <a:buSzPct val="115000"/>
+              <a:buFont typeface="Arial"/>
+              <a:buChar char="•"/>
+              <a:defRPr sz="1600" kern="1200" cap="none">
+                <a:solidFill>
+                  <a:schemeClr val="tx1">
+                    <a:lumMod val="85000"/>
+                    <a:lumOff val="15000"/>
+                  </a:schemeClr>
+                </a:solidFill>
+                <a:effectLst/>
+                <a:latin typeface="+mn-lt"/>
+                <a:ea typeface="+mn-ea"/>
+                <a:cs typeface="+mn-cs"/>
+              </a:defRPr>
+            </a:lvl4pPr>
+            <a:lvl5pPr marL="2000250" indent="-171450" algn="l" defTabSz="457200" rtl="0" eaLnBrk="1" latinLnBrk="0" hangingPunct="1">
+              <a:spcBef>
+                <a:spcPct val="20000"/>
+              </a:spcBef>
+              <a:spcAft>
+                <a:spcPts val="600"/>
+              </a:spcAft>
+              <a:buClr>
+                <a:schemeClr val="accent1"/>
+              </a:buClr>
+              <a:buSzPct val="115000"/>
+              <a:buFont typeface="Arial"/>
+              <a:buChar char="•"/>
+              <a:defRPr sz="1400" kern="1200" cap="none">
+                <a:solidFill>
+                  <a:schemeClr val="tx1">
+                    <a:lumMod val="85000"/>
+                    <a:lumOff val="15000"/>
+                  </a:schemeClr>
+                </a:solidFill>
+                <a:effectLst/>
+                <a:latin typeface="+mn-lt"/>
+                <a:ea typeface="+mn-ea"/>
+                <a:cs typeface="+mn-cs"/>
+              </a:defRPr>
+            </a:lvl5pPr>
+            <a:lvl6pPr marL="2514600" indent="-228600" algn="l" defTabSz="457200" rtl="0" eaLnBrk="1" latinLnBrk="0" hangingPunct="1">
+              <a:spcBef>
+                <a:spcPct val="20000"/>
+              </a:spcBef>
+              <a:spcAft>
+                <a:spcPts val="600"/>
+              </a:spcAft>
+              <a:buClr>
+                <a:schemeClr val="accent1"/>
+              </a:buClr>
+              <a:buSzPct val="115000"/>
+              <a:buFont typeface="Arial"/>
+              <a:buChar char="•"/>
+              <a:defRPr sz="1400" kern="1200" cap="none">
+                <a:solidFill>
+                  <a:schemeClr val="tx1">
+                    <a:lumMod val="85000"/>
+                    <a:lumOff val="15000"/>
+                  </a:schemeClr>
+                </a:solidFill>
+                <a:effectLst/>
+                <a:latin typeface="+mn-lt"/>
+                <a:ea typeface="+mn-ea"/>
+                <a:cs typeface="+mn-cs"/>
+              </a:defRPr>
+            </a:lvl6pPr>
+            <a:lvl7pPr marL="2971800" indent="-228600" algn="l" defTabSz="457200" rtl="0" eaLnBrk="1" latinLnBrk="0" hangingPunct="1">
+              <a:spcBef>
+                <a:spcPct val="20000"/>
+              </a:spcBef>
+              <a:spcAft>
+                <a:spcPts val="600"/>
+              </a:spcAft>
+              <a:buClr>
+                <a:schemeClr val="accent1"/>
+              </a:buClr>
+              <a:buSzPct val="115000"/>
+              <a:buFont typeface="Arial"/>
+              <a:buChar char="•"/>
+              <a:defRPr sz="1400" kern="1200" cap="none">
+                <a:solidFill>
+                  <a:schemeClr val="tx1">
+                    <a:lumMod val="85000"/>
+                    <a:lumOff val="15000"/>
+                  </a:schemeClr>
+                </a:solidFill>
+                <a:effectLst/>
+                <a:latin typeface="+mn-lt"/>
+                <a:ea typeface="+mn-ea"/>
+                <a:cs typeface="+mn-cs"/>
+              </a:defRPr>
+            </a:lvl7pPr>
+            <a:lvl8pPr marL="3429000" indent="-228600" algn="l" defTabSz="457200" rtl="0" eaLnBrk="1" latinLnBrk="0" hangingPunct="1">
+              <a:spcBef>
+                <a:spcPct val="20000"/>
+              </a:spcBef>
+              <a:spcAft>
+                <a:spcPts val="600"/>
+              </a:spcAft>
+              <a:buClr>
+                <a:schemeClr val="accent1"/>
+              </a:buClr>
+              <a:buSzPct val="115000"/>
+              <a:buFont typeface="Arial"/>
+              <a:buChar char="•"/>
+              <a:defRPr sz="1400" kern="1200" cap="none">
+                <a:solidFill>
+                  <a:schemeClr val="tx1">
+                    <a:lumMod val="85000"/>
+                    <a:lumOff val="15000"/>
+                  </a:schemeClr>
+                </a:solidFill>
+                <a:effectLst/>
+                <a:latin typeface="+mn-lt"/>
+                <a:ea typeface="+mn-ea"/>
+                <a:cs typeface="+mn-cs"/>
+              </a:defRPr>
+            </a:lvl8pPr>
+            <a:lvl9pPr marL="3886200" indent="-228600" algn="l" defTabSz="457200" rtl="0" eaLnBrk="1" latinLnBrk="0" hangingPunct="1">
+              <a:spcBef>
+                <a:spcPct val="20000"/>
+              </a:spcBef>
+              <a:spcAft>
+                <a:spcPts val="600"/>
+              </a:spcAft>
+              <a:buClr>
+                <a:schemeClr val="accent1"/>
+              </a:buClr>
+              <a:buSzPct val="115000"/>
+              <a:buFont typeface="Arial"/>
+              <a:buChar char="•"/>
+              <a:defRPr sz="1400" kern="1200" cap="none">
+                <a:solidFill>
+                  <a:schemeClr val="tx1">
+                    <a:lumMod val="85000"/>
+                    <a:lumOff val="15000"/>
+                  </a:schemeClr>
+                </a:solidFill>
+                <a:effectLst/>
+                <a:latin typeface="+mn-lt"/>
+                <a:ea typeface="+mn-ea"/>
+                <a:cs typeface="+mn-cs"/>
+              </a:defRPr>
+            </a:lvl9pPr>
+          </a:lstStyle>
+          <a:p>
+            <a:r>
+              <a:rPr lang="vi-VN" dirty="0"/>
+              <a:t>Chẳng hạn một sản phẩm phần mềm có 500 function points (FPs) thì giá của nó sẽ là giá của một FP nhân với tổng số 500 FPs được thiết kế. Trong mỗi giai đoạn xây dựng phần mềm, tùy thuộc mức độ phức tạp, quy mô, cũng sẽ có thể có những mức giá cho một FP khác nhau</a:t>
+            </a:r>
+            <a:endParaRPr lang="en-US" dirty="0"/>
+          </a:p>
+        </p:txBody>
+      </p:sp>
+    </p:spTree>
+    <p:extLst>
+      <p:ext uri="{BB962C8B-B14F-4D97-AF65-F5344CB8AC3E}">
+        <p14:creationId xmlns:p14="http://schemas.microsoft.com/office/powerpoint/2010/main" val="1625349221"/>
+      </p:ext>
+    </p:extLst>
+  </p:cSld>
+  <p:clrMapOvr>
+    <a:masterClrMapping/>
+  </p:clrMapOvr>
+</p:sld>
+</file>
+
+<file path=ppt/slides/slide6.xml><?xml version="1.0" encoding="utf-8"?>
 <p:sld xmlns:a="http://schemas.openxmlformats.org/drawingml/2006/main" xmlns:r="http://schemas.openxmlformats.org/officeDocument/2006/relationships" xmlns:p="http://schemas.openxmlformats.org/presentationml/2006/main">
   <p:cSld>
     <p:bg>
@@ -34733,46 +35600,6 @@
           <a:p>
             <a:r>
               <a:rPr lang="fr-FR" dirty="0" err="1"/>
-              <a:t>Nói</a:t>
-            </a:r>
-            <a:r>
-              <a:rPr lang="fr-FR" dirty="0"/>
-              <a:t> </a:t>
-            </a:r>
-            <a:r>
-              <a:rPr lang="fr-FR" dirty="0" err="1"/>
-              <a:t>một</a:t>
-            </a:r>
-            <a:r>
-              <a:rPr lang="fr-FR" dirty="0"/>
-              <a:t> </a:t>
-            </a:r>
-            <a:r>
-              <a:rPr lang="fr-FR" dirty="0" err="1"/>
-              <a:t>cách</a:t>
-            </a:r>
-            <a:r>
-              <a:rPr lang="fr-FR" dirty="0"/>
-              <a:t> </a:t>
-            </a:r>
-            <a:r>
-              <a:rPr lang="fr-FR" dirty="0" err="1"/>
-              <a:t>đơn</a:t>
-            </a:r>
-            <a:r>
-              <a:rPr lang="fr-FR" dirty="0"/>
-              <a:t> </a:t>
-            </a:r>
-            <a:r>
-              <a:rPr lang="fr-FR" dirty="0" err="1"/>
-              <a:t>giản</a:t>
-            </a:r>
-            <a:r>
-              <a:rPr lang="fr-FR" dirty="0"/>
-              <a:t>, </a:t>
-            </a:r>
-            <a:r>
-              <a:rPr lang="fr-FR" dirty="0" err="1"/>
               <a:t>FPs</a:t>
             </a:r>
             <a:r>
@@ -35576,7 +36403,7 @@
 </p:sld>
 </file>
 
-<file path=ppt/slides/slide6.xml><?xml version="1.0" encoding="utf-8"?>
+<file path=ppt/slides/slide7.xml><?xml version="1.0" encoding="utf-8"?>
 <p:sld xmlns:a="http://schemas.openxmlformats.org/drawingml/2006/main" xmlns:r="http://schemas.openxmlformats.org/officeDocument/2006/relationships" xmlns:p="http://schemas.openxmlformats.org/presentationml/2006/main">
   <p:cSld>
     <p:bg>
@@ -36806,217 +37633,217 @@
               <a:t>. </a:t>
             </a:r>
             <a:r>
-              <a:rPr lang="fr-FR" dirty="0" err="1">
+              <a:rPr lang="fr-FR" b="1" dirty="0" err="1">
                 <a:latin typeface="Times New Roman" panose="02020603050405020304" pitchFamily="18" charset="0"/>
                 <a:cs typeface="Times New Roman" panose="02020603050405020304" pitchFamily="18" charset="0"/>
               </a:rPr>
               <a:t>Nó</a:t>
             </a:r>
             <a:r>
-              <a:rPr lang="fr-FR" dirty="0">
-                <a:latin typeface="Times New Roman" panose="02020603050405020304" pitchFamily="18" charset="0"/>
-                <a:cs typeface="Times New Roman" panose="02020603050405020304" pitchFamily="18" charset="0"/>
-              </a:rPr>
-              <a:t> </a:t>
-            </a:r>
-            <a:r>
-              <a:rPr lang="fr-FR" dirty="0" err="1">
+              <a:rPr lang="fr-FR" b="1" dirty="0">
+                <a:latin typeface="Times New Roman" panose="02020603050405020304" pitchFamily="18" charset="0"/>
+                <a:cs typeface="Times New Roman" panose="02020603050405020304" pitchFamily="18" charset="0"/>
+              </a:rPr>
+              <a:t> </a:t>
+            </a:r>
+            <a:r>
+              <a:rPr lang="fr-FR" b="1" dirty="0" err="1">
                 <a:latin typeface="Times New Roman" panose="02020603050405020304" pitchFamily="18" charset="0"/>
                 <a:cs typeface="Times New Roman" panose="02020603050405020304" pitchFamily="18" charset="0"/>
               </a:rPr>
               <a:t>hoàn</a:t>
             </a:r>
             <a:r>
-              <a:rPr lang="fr-FR" dirty="0">
-                <a:latin typeface="Times New Roman" panose="02020603050405020304" pitchFamily="18" charset="0"/>
-                <a:cs typeface="Times New Roman" panose="02020603050405020304" pitchFamily="18" charset="0"/>
-              </a:rPr>
-              <a:t> </a:t>
-            </a:r>
-            <a:r>
-              <a:rPr lang="fr-FR" dirty="0" err="1">
+              <a:rPr lang="fr-FR" b="1" dirty="0">
+                <a:latin typeface="Times New Roman" panose="02020603050405020304" pitchFamily="18" charset="0"/>
+                <a:cs typeface="Times New Roman" panose="02020603050405020304" pitchFamily="18" charset="0"/>
+              </a:rPr>
+              <a:t> </a:t>
+            </a:r>
+            <a:r>
+              <a:rPr lang="fr-FR" b="1" dirty="0" err="1">
                 <a:latin typeface="Times New Roman" panose="02020603050405020304" pitchFamily="18" charset="0"/>
                 <a:cs typeface="Times New Roman" panose="02020603050405020304" pitchFamily="18" charset="0"/>
               </a:rPr>
               <a:t>toàn</a:t>
             </a:r>
             <a:r>
-              <a:rPr lang="fr-FR" dirty="0">
-                <a:latin typeface="Times New Roman" panose="02020603050405020304" pitchFamily="18" charset="0"/>
-                <a:cs typeface="Times New Roman" panose="02020603050405020304" pitchFamily="18" charset="0"/>
-              </a:rPr>
-              <a:t> </a:t>
-            </a:r>
-            <a:r>
-              <a:rPr lang="fr-FR" dirty="0" err="1">
+              <a:rPr lang="fr-FR" b="1" dirty="0">
+                <a:latin typeface="Times New Roman" panose="02020603050405020304" pitchFamily="18" charset="0"/>
+                <a:cs typeface="Times New Roman" panose="02020603050405020304" pitchFamily="18" charset="0"/>
+              </a:rPr>
+              <a:t> </a:t>
+            </a:r>
+            <a:r>
+              <a:rPr lang="fr-FR" b="1" dirty="0" err="1">
                 <a:latin typeface="Times New Roman" panose="02020603050405020304" pitchFamily="18" charset="0"/>
                 <a:cs typeface="Times New Roman" panose="02020603050405020304" pitchFamily="18" charset="0"/>
               </a:rPr>
               <a:t>độc</a:t>
             </a:r>
             <a:r>
-              <a:rPr lang="fr-FR" dirty="0">
-                <a:latin typeface="Times New Roman" panose="02020603050405020304" pitchFamily="18" charset="0"/>
-                <a:cs typeface="Times New Roman" panose="02020603050405020304" pitchFamily="18" charset="0"/>
-              </a:rPr>
-              <a:t> </a:t>
-            </a:r>
-            <a:r>
-              <a:rPr lang="fr-FR" dirty="0" err="1">
+              <a:rPr lang="fr-FR" b="1" dirty="0">
+                <a:latin typeface="Times New Roman" panose="02020603050405020304" pitchFamily="18" charset="0"/>
+                <a:cs typeface="Times New Roman" panose="02020603050405020304" pitchFamily="18" charset="0"/>
+              </a:rPr>
+              <a:t> </a:t>
+            </a:r>
+            <a:r>
+              <a:rPr lang="fr-FR" b="1" dirty="0" err="1">
                 <a:latin typeface="Times New Roman" panose="02020603050405020304" pitchFamily="18" charset="0"/>
                 <a:cs typeface="Times New Roman" panose="02020603050405020304" pitchFamily="18" charset="0"/>
               </a:rPr>
               <a:t>lập</a:t>
             </a:r>
             <a:r>
-              <a:rPr lang="fr-FR" dirty="0">
-                <a:latin typeface="Times New Roman" panose="02020603050405020304" pitchFamily="18" charset="0"/>
-                <a:cs typeface="Times New Roman" panose="02020603050405020304" pitchFamily="18" charset="0"/>
-              </a:rPr>
-              <a:t> </a:t>
-            </a:r>
-            <a:r>
-              <a:rPr lang="fr-FR" dirty="0" err="1">
+              <a:rPr lang="fr-FR" b="1" dirty="0">
+                <a:latin typeface="Times New Roman" panose="02020603050405020304" pitchFamily="18" charset="0"/>
+                <a:cs typeface="Times New Roman" panose="02020603050405020304" pitchFamily="18" charset="0"/>
+              </a:rPr>
+              <a:t> </a:t>
+            </a:r>
+            <a:r>
+              <a:rPr lang="fr-FR" b="1" dirty="0" err="1">
                 <a:latin typeface="Times New Roman" panose="02020603050405020304" pitchFamily="18" charset="0"/>
                 <a:cs typeface="Times New Roman" panose="02020603050405020304" pitchFamily="18" charset="0"/>
               </a:rPr>
               <a:t>với</a:t>
             </a:r>
             <a:r>
-              <a:rPr lang="fr-FR" dirty="0">
-                <a:latin typeface="Times New Roman" panose="02020603050405020304" pitchFamily="18" charset="0"/>
-                <a:cs typeface="Times New Roman" panose="02020603050405020304" pitchFamily="18" charset="0"/>
-              </a:rPr>
-              <a:t> </a:t>
-            </a:r>
-            <a:r>
-              <a:rPr lang="fr-FR" dirty="0" err="1">
+              <a:rPr lang="fr-FR" b="1" dirty="0">
+                <a:latin typeface="Times New Roman" panose="02020603050405020304" pitchFamily="18" charset="0"/>
+                <a:cs typeface="Times New Roman" panose="02020603050405020304" pitchFamily="18" charset="0"/>
+              </a:rPr>
+              <a:t> </a:t>
+            </a:r>
+            <a:r>
+              <a:rPr lang="fr-FR" b="1" dirty="0" err="1">
                 <a:latin typeface="Times New Roman" panose="02020603050405020304" pitchFamily="18" charset="0"/>
                 <a:cs typeface="Times New Roman" panose="02020603050405020304" pitchFamily="18" charset="0"/>
               </a:rPr>
               <a:t>công</a:t>
             </a:r>
             <a:r>
-              <a:rPr lang="fr-FR" dirty="0">
-                <a:latin typeface="Times New Roman" panose="02020603050405020304" pitchFamily="18" charset="0"/>
-                <a:cs typeface="Times New Roman" panose="02020603050405020304" pitchFamily="18" charset="0"/>
-              </a:rPr>
-              <a:t> </a:t>
-            </a:r>
-            <a:r>
-              <a:rPr lang="fr-FR" dirty="0" err="1">
+              <a:rPr lang="fr-FR" b="1" dirty="0">
+                <a:latin typeface="Times New Roman" panose="02020603050405020304" pitchFamily="18" charset="0"/>
+                <a:cs typeface="Times New Roman" panose="02020603050405020304" pitchFamily="18" charset="0"/>
+              </a:rPr>
+              <a:t> </a:t>
+            </a:r>
+            <a:r>
+              <a:rPr lang="fr-FR" b="1" dirty="0" err="1">
                 <a:latin typeface="Times New Roman" panose="02020603050405020304" pitchFamily="18" charset="0"/>
                 <a:cs typeface="Times New Roman" panose="02020603050405020304" pitchFamily="18" charset="0"/>
               </a:rPr>
               <a:t>nghệ</a:t>
             </a:r>
             <a:r>
-              <a:rPr lang="fr-FR" dirty="0">
-                <a:latin typeface="Times New Roman" panose="02020603050405020304" pitchFamily="18" charset="0"/>
-                <a:cs typeface="Times New Roman" panose="02020603050405020304" pitchFamily="18" charset="0"/>
-              </a:rPr>
-              <a:t> </a:t>
-            </a:r>
-            <a:r>
-              <a:rPr lang="fr-FR" dirty="0" err="1">
+              <a:rPr lang="fr-FR" b="1" dirty="0">
+                <a:latin typeface="Times New Roman" panose="02020603050405020304" pitchFamily="18" charset="0"/>
+                <a:cs typeface="Times New Roman" panose="02020603050405020304" pitchFamily="18" charset="0"/>
+              </a:rPr>
+              <a:t> </a:t>
+            </a:r>
+            <a:r>
+              <a:rPr lang="fr-FR" b="1" dirty="0" err="1">
                 <a:latin typeface="Times New Roman" panose="02020603050405020304" pitchFamily="18" charset="0"/>
                 <a:cs typeface="Times New Roman" panose="02020603050405020304" pitchFamily="18" charset="0"/>
               </a:rPr>
               <a:t>được</a:t>
             </a:r>
             <a:r>
-              <a:rPr lang="fr-FR" dirty="0">
-                <a:latin typeface="Times New Roman" panose="02020603050405020304" pitchFamily="18" charset="0"/>
-                <a:cs typeface="Times New Roman" panose="02020603050405020304" pitchFamily="18" charset="0"/>
-              </a:rPr>
-              <a:t> </a:t>
-            </a:r>
-            <a:r>
-              <a:rPr lang="fr-FR" dirty="0" err="1">
+              <a:rPr lang="fr-FR" b="1" dirty="0">
+                <a:latin typeface="Times New Roman" panose="02020603050405020304" pitchFamily="18" charset="0"/>
+                <a:cs typeface="Times New Roman" panose="02020603050405020304" pitchFamily="18" charset="0"/>
+              </a:rPr>
+              <a:t> </a:t>
+            </a:r>
+            <a:r>
+              <a:rPr lang="fr-FR" b="1" dirty="0" err="1">
                 <a:latin typeface="Times New Roman" panose="02020603050405020304" pitchFamily="18" charset="0"/>
                 <a:cs typeface="Times New Roman" panose="02020603050405020304" pitchFamily="18" charset="0"/>
               </a:rPr>
               <a:t>sử</a:t>
             </a:r>
             <a:r>
-              <a:rPr lang="fr-FR" dirty="0">
-                <a:latin typeface="Times New Roman" panose="02020603050405020304" pitchFamily="18" charset="0"/>
-                <a:cs typeface="Times New Roman" panose="02020603050405020304" pitchFamily="18" charset="0"/>
-              </a:rPr>
-              <a:t> </a:t>
-            </a:r>
-            <a:r>
-              <a:rPr lang="fr-FR" dirty="0" err="1">
+              <a:rPr lang="fr-FR" b="1" dirty="0">
+                <a:latin typeface="Times New Roman" panose="02020603050405020304" pitchFamily="18" charset="0"/>
+                <a:cs typeface="Times New Roman" panose="02020603050405020304" pitchFamily="18" charset="0"/>
+              </a:rPr>
+              <a:t> </a:t>
+            </a:r>
+            <a:r>
+              <a:rPr lang="fr-FR" b="1" dirty="0" err="1">
                 <a:latin typeface="Times New Roman" panose="02020603050405020304" pitchFamily="18" charset="0"/>
                 <a:cs typeface="Times New Roman" panose="02020603050405020304" pitchFamily="18" charset="0"/>
               </a:rPr>
               <a:t>dụng</a:t>
             </a:r>
             <a:r>
-              <a:rPr lang="fr-FR" dirty="0">
-                <a:latin typeface="Times New Roman" panose="02020603050405020304" pitchFamily="18" charset="0"/>
-                <a:cs typeface="Times New Roman" panose="02020603050405020304" pitchFamily="18" charset="0"/>
-              </a:rPr>
-              <a:t> </a:t>
-            </a:r>
-            <a:r>
-              <a:rPr lang="fr-FR" dirty="0" err="1">
+              <a:rPr lang="fr-FR" b="1" dirty="0">
+                <a:latin typeface="Times New Roman" panose="02020603050405020304" pitchFamily="18" charset="0"/>
+                <a:cs typeface="Times New Roman" panose="02020603050405020304" pitchFamily="18" charset="0"/>
+              </a:rPr>
+              <a:t> </a:t>
+            </a:r>
+            <a:r>
+              <a:rPr lang="fr-FR" b="1" dirty="0" err="1">
                 <a:latin typeface="Times New Roman" panose="02020603050405020304" pitchFamily="18" charset="0"/>
                 <a:cs typeface="Times New Roman" panose="02020603050405020304" pitchFamily="18" charset="0"/>
               </a:rPr>
               <a:t>để</a:t>
             </a:r>
             <a:r>
-              <a:rPr lang="fr-FR" dirty="0">
-                <a:latin typeface="Times New Roman" panose="02020603050405020304" pitchFamily="18" charset="0"/>
-                <a:cs typeface="Times New Roman" panose="02020603050405020304" pitchFamily="18" charset="0"/>
-              </a:rPr>
-              <a:t> </a:t>
-            </a:r>
-            <a:r>
-              <a:rPr lang="fr-FR" dirty="0" err="1">
+              <a:rPr lang="fr-FR" b="1" dirty="0">
+                <a:latin typeface="Times New Roman" panose="02020603050405020304" pitchFamily="18" charset="0"/>
+                <a:cs typeface="Times New Roman" panose="02020603050405020304" pitchFamily="18" charset="0"/>
+              </a:rPr>
+              <a:t> </a:t>
+            </a:r>
+            <a:r>
+              <a:rPr lang="fr-FR" b="1" dirty="0" err="1">
                 <a:latin typeface="Times New Roman" panose="02020603050405020304" pitchFamily="18" charset="0"/>
                 <a:cs typeface="Times New Roman" panose="02020603050405020304" pitchFamily="18" charset="0"/>
               </a:rPr>
               <a:t>triển</a:t>
             </a:r>
             <a:r>
-              <a:rPr lang="fr-FR" dirty="0">
-                <a:latin typeface="Times New Roman" panose="02020603050405020304" pitchFamily="18" charset="0"/>
-                <a:cs typeface="Times New Roman" panose="02020603050405020304" pitchFamily="18" charset="0"/>
-              </a:rPr>
-              <a:t> </a:t>
-            </a:r>
-            <a:r>
-              <a:rPr lang="fr-FR" dirty="0" err="1">
+              <a:rPr lang="fr-FR" b="1" dirty="0">
+                <a:latin typeface="Times New Roman" panose="02020603050405020304" pitchFamily="18" charset="0"/>
+                <a:cs typeface="Times New Roman" panose="02020603050405020304" pitchFamily="18" charset="0"/>
+              </a:rPr>
+              <a:t> </a:t>
+            </a:r>
+            <a:r>
+              <a:rPr lang="fr-FR" b="1" dirty="0" err="1">
                 <a:latin typeface="Times New Roman" panose="02020603050405020304" pitchFamily="18" charset="0"/>
                 <a:cs typeface="Times New Roman" panose="02020603050405020304" pitchFamily="18" charset="0"/>
               </a:rPr>
               <a:t>khai</a:t>
             </a:r>
             <a:r>
-              <a:rPr lang="fr-FR" dirty="0">
-                <a:latin typeface="Times New Roman" panose="02020603050405020304" pitchFamily="18" charset="0"/>
-                <a:cs typeface="Times New Roman" panose="02020603050405020304" pitchFamily="18" charset="0"/>
-              </a:rPr>
-              <a:t> </a:t>
-            </a:r>
-            <a:r>
-              <a:rPr lang="fr-FR" dirty="0" err="1">
+              <a:rPr lang="fr-FR" b="1" dirty="0">
+                <a:latin typeface="Times New Roman" panose="02020603050405020304" pitchFamily="18" charset="0"/>
+                <a:cs typeface="Times New Roman" panose="02020603050405020304" pitchFamily="18" charset="0"/>
+              </a:rPr>
+              <a:t> </a:t>
+            </a:r>
+            <a:r>
+              <a:rPr lang="fr-FR" b="1" dirty="0" err="1">
                 <a:latin typeface="Times New Roman" panose="02020603050405020304" pitchFamily="18" charset="0"/>
                 <a:cs typeface="Times New Roman" panose="02020603050405020304" pitchFamily="18" charset="0"/>
               </a:rPr>
               <a:t>hệ</a:t>
             </a:r>
             <a:r>
-              <a:rPr lang="fr-FR" dirty="0">
-                <a:latin typeface="Times New Roman" panose="02020603050405020304" pitchFamily="18" charset="0"/>
-                <a:cs typeface="Times New Roman" panose="02020603050405020304" pitchFamily="18" charset="0"/>
-              </a:rPr>
-              <a:t> </a:t>
-            </a:r>
-            <a:r>
-              <a:rPr lang="fr-FR" dirty="0" err="1">
+              <a:rPr lang="fr-FR" b="1" dirty="0">
+                <a:latin typeface="Times New Roman" panose="02020603050405020304" pitchFamily="18" charset="0"/>
+                <a:cs typeface="Times New Roman" panose="02020603050405020304" pitchFamily="18" charset="0"/>
+              </a:rPr>
+              <a:t> </a:t>
+            </a:r>
+            <a:r>
+              <a:rPr lang="fr-FR" b="1" dirty="0" err="1">
                 <a:latin typeface="Times New Roman" panose="02020603050405020304" pitchFamily="18" charset="0"/>
                 <a:cs typeface="Times New Roman" panose="02020603050405020304" pitchFamily="18" charset="0"/>
               </a:rPr>
@@ -37043,1233 +37870,6 @@
     <p:extLst>
       <p:ext uri="{BB962C8B-B14F-4D97-AF65-F5344CB8AC3E}">
         <p14:creationId xmlns:p14="http://schemas.microsoft.com/office/powerpoint/2010/main" val="639999938"/>
-      </p:ext>
-    </p:extLst>
-  </p:cSld>
-  <p:clrMapOvr>
-    <a:masterClrMapping/>
-  </p:clrMapOvr>
-</p:sld>
-</file>
-
-<file path=ppt/slides/slide7.xml><?xml version="1.0" encoding="utf-8"?>
-<p:sld xmlns:a="http://schemas.openxmlformats.org/drawingml/2006/main" xmlns:r="http://schemas.openxmlformats.org/officeDocument/2006/relationships" xmlns:p="http://schemas.openxmlformats.org/presentationml/2006/main">
-  <p:cSld>
-    <p:bg>
-      <p:bgPr>
-        <a:blipFill>
-          <a:blip r:embed="rId2">
-            <a:extLst/>
-          </a:blip>
-          <a:stretch/>
-        </a:blipFill>
-        <a:effectLst/>
-      </p:bgPr>
-    </p:bg>
-    <p:spTree>
-      <p:nvGrpSpPr>
-        <p:cNvPr id="1" name=""/>
-        <p:cNvGrpSpPr/>
-        <p:nvPr/>
-      </p:nvGrpSpPr>
-      <p:grpSpPr>
-        <a:xfrm>
-          <a:off x="0" y="0"/>
-          <a:ext cx="0" cy="0"/>
-          <a:chOff x="0" y="0"/>
-          <a:chExt cx="0" cy="0"/>
-        </a:xfrm>
-      </p:grpSpPr>
-      <p:sp useBgFill="1">
-        <p:nvSpPr>
-          <p:cNvPr id="12" name="Rectangle 11">
-            <a:extLst>
-              <a:ext uri="{FF2B5EF4-FFF2-40B4-BE49-F238E27FC236}">
-                <a16:creationId xmlns:a16="http://schemas.microsoft.com/office/drawing/2014/main" id="{52723366-C73B-4ED6-ADEF-29911C6BC55F}"/>
-              </a:ext>
-            </a:extLst>
-          </p:cNvPr>
-          <p:cNvSpPr>
-            <a:spLocks noGrp="1" noRot="1" noChangeAspect="1" noMove="1" noResize="1" noEditPoints="1" noAdjustHandles="1" noChangeArrowheads="1" noChangeShapeType="1" noTextEdit="1"/>
-          </p:cNvSpPr>
-          <p:nvPr>
-            <p:extLst>
-              <p:ext uri="{386F3935-93C4-4BCD-93E2-E3B085C9AB24}">
-                <p16:designElem xmlns:p16="http://schemas.microsoft.com/office/powerpoint/2015/main" val="1"/>
-              </p:ext>
-            </p:extLst>
-          </p:nvPr>
-        </p:nvSpPr>
-        <p:spPr>
-          <a:xfrm>
-            <a:off x="0" y="0"/>
-            <a:ext cx="12192000" cy="6858000"/>
-          </a:xfrm>
-          <a:prstGeom prst="rect">
-            <a:avLst/>
-          </a:prstGeom>
-          <a:ln>
-            <a:noFill/>
-          </a:ln>
-        </p:spPr>
-        <p:style>
-          <a:lnRef idx="2">
-            <a:schemeClr val="accent1">
-              <a:shade val="50000"/>
-            </a:schemeClr>
-          </a:lnRef>
-          <a:fillRef idx="1">
-            <a:schemeClr val="accent1"/>
-          </a:fillRef>
-          <a:effectRef idx="0">
-            <a:schemeClr val="accent1"/>
-          </a:effectRef>
-          <a:fontRef idx="minor">
-            <a:schemeClr val="lt1"/>
-          </a:fontRef>
-        </p:style>
-        <p:txBody>
-          <a:bodyPr rtlCol="0" anchor="ctr"/>
-          <a:lstStyle/>
-          <a:p>
-            <a:pPr algn="ctr"/>
-            <a:endParaRPr lang="en-US"/>
-          </a:p>
-        </p:txBody>
-      </p:sp>
-      <p:sp>
-        <p:nvSpPr>
-          <p:cNvPr id="14" name="Rectangle 13">
-            <a:extLst>
-              <a:ext uri="{FF2B5EF4-FFF2-40B4-BE49-F238E27FC236}">
-                <a16:creationId xmlns:a16="http://schemas.microsoft.com/office/drawing/2014/main" id="{C6202988-4466-42C5-B33A-AFABF051B4FE}"/>
-              </a:ext>
-            </a:extLst>
-          </p:cNvPr>
-          <p:cNvSpPr>
-            <a:spLocks noGrp="1" noRot="1" noChangeAspect="1" noMove="1" noResize="1" noEditPoints="1" noAdjustHandles="1" noChangeArrowheads="1" noChangeShapeType="1" noTextEdit="1"/>
-          </p:cNvSpPr>
-          <p:nvPr>
-            <p:extLst>
-              <p:ext uri="{386F3935-93C4-4BCD-93E2-E3B085C9AB24}">
-                <p16:designElem xmlns:p16="http://schemas.microsoft.com/office/powerpoint/2015/main" val="1"/>
-              </p:ext>
-            </p:extLst>
-          </p:nvPr>
-        </p:nvSpPr>
-        <p:spPr>
-          <a:xfrm>
-            <a:off x="0" y="2286000"/>
-            <a:ext cx="12192000" cy="4572000"/>
-          </a:xfrm>
-          <a:prstGeom prst="rect">
-            <a:avLst/>
-          </a:prstGeom>
-          <a:gradFill>
-            <a:gsLst>
-              <a:gs pos="0">
-                <a:schemeClr val="bg1"/>
-              </a:gs>
-              <a:gs pos="30000">
-                <a:schemeClr val="bg1"/>
-              </a:gs>
-              <a:gs pos="61000">
-                <a:schemeClr val="bg2">
-                  <a:lumMod val="20000"/>
-                  <a:lumOff val="80000"/>
-                </a:schemeClr>
-              </a:gs>
-              <a:gs pos="97000">
-                <a:schemeClr val="bg2">
-                  <a:lumMod val="70000"/>
-                  <a:lumOff val="30000"/>
-                </a:schemeClr>
-              </a:gs>
-            </a:gsLst>
-            <a:path path="circle">
-              <a:fillToRect l="50000" t="50000" r="50000" b="50000"/>
-            </a:path>
-          </a:gradFill>
-          <a:ln>
-            <a:noFill/>
-          </a:ln>
-          <a:effectLst>
-            <a:innerShdw blurRad="63500" dist="50800" dir="16200000">
-              <a:prstClr val="black">
-                <a:alpha val="35000"/>
-              </a:prstClr>
-            </a:innerShdw>
-          </a:effectLst>
-        </p:spPr>
-        <p:style>
-          <a:lnRef idx="2">
-            <a:schemeClr val="accent1">
-              <a:shade val="50000"/>
-            </a:schemeClr>
-          </a:lnRef>
-          <a:fillRef idx="1">
-            <a:schemeClr val="accent1"/>
-          </a:fillRef>
-          <a:effectRef idx="0">
-            <a:schemeClr val="accent1"/>
-          </a:effectRef>
-          <a:fontRef idx="minor">
-            <a:schemeClr val="lt1"/>
-          </a:fontRef>
-        </p:style>
-        <p:txBody>
-          <a:bodyPr rtlCol="0" anchor="ctr"/>
-          <a:lstStyle/>
-          <a:p>
-            <a:pPr algn="ctr"/>
-            <a:endParaRPr lang="en-US"/>
-          </a:p>
-        </p:txBody>
-      </p:sp>
-      <p:sp>
-        <p:nvSpPr>
-          <p:cNvPr id="16" name="Rectangle 15">
-            <a:extLst>
-              <a:ext uri="{FF2B5EF4-FFF2-40B4-BE49-F238E27FC236}">
-                <a16:creationId xmlns:a16="http://schemas.microsoft.com/office/drawing/2014/main" id="{847A4152-8E41-4D1C-B88C-57C5C430A69E}"/>
-              </a:ext>
-            </a:extLst>
-          </p:cNvPr>
-          <p:cNvSpPr>
-            <a:spLocks noGrp="1" noRot="1" noChangeAspect="1" noMove="1" noResize="1" noEditPoints="1" noAdjustHandles="1" noChangeArrowheads="1" noChangeShapeType="1" noTextEdit="1"/>
-          </p:cNvSpPr>
-          <p:nvPr>
-            <p:extLst>
-              <p:ext uri="{386F3935-93C4-4BCD-93E2-E3B085C9AB24}">
-                <p16:designElem xmlns:p16="http://schemas.microsoft.com/office/powerpoint/2015/main" val="1"/>
-              </p:ext>
-            </p:extLst>
-          </p:nvPr>
-        </p:nvSpPr>
-        <p:spPr>
-          <a:xfrm>
-            <a:off x="484631" y="484632"/>
-            <a:ext cx="11222737" cy="1479635"/>
-          </a:xfrm>
-          <a:prstGeom prst="rect">
-            <a:avLst/>
-          </a:prstGeom>
-          <a:solidFill>
-            <a:schemeClr val="tx2">
-              <a:lumMod val="90000"/>
-              <a:lumOff val="10000"/>
-            </a:schemeClr>
-          </a:solidFill>
-          <a:ln>
-            <a:noFill/>
-          </a:ln>
-          <a:effectLst>
-            <a:outerShdw blurRad="50800" dist="38100" dir="5400000" algn="t" rotWithShape="0">
-              <a:prstClr val="black">
-                <a:alpha val="40000"/>
-              </a:prstClr>
-            </a:outerShdw>
-          </a:effectLst>
-          <a:scene3d>
-            <a:camera prst="orthographicFront"/>
-            <a:lightRig rig="balanced" dir="t"/>
-          </a:scene3d>
-          <a:sp3d>
-            <a:bevelT w="6350" h="6350"/>
-          </a:sp3d>
-        </p:spPr>
-        <p:style>
-          <a:lnRef idx="2">
-            <a:schemeClr val="accent1">
-              <a:shade val="50000"/>
-            </a:schemeClr>
-          </a:lnRef>
-          <a:fillRef idx="1">
-            <a:schemeClr val="accent1"/>
-          </a:fillRef>
-          <a:effectRef idx="0">
-            <a:schemeClr val="accent1"/>
-          </a:effectRef>
-          <a:fontRef idx="minor">
-            <a:schemeClr val="lt1"/>
-          </a:fontRef>
-        </p:style>
-        <p:txBody>
-          <a:bodyPr rtlCol="0" anchor="ctr"/>
-          <a:lstStyle/>
-          <a:p>
-            <a:pPr algn="ctr"/>
-            <a:endParaRPr lang="en-US"/>
-          </a:p>
-        </p:txBody>
-      </p:sp>
-      <p:sp>
-        <p:nvSpPr>
-          <p:cNvPr id="18" name="Rectangle 17">
-            <a:extLst>
-              <a:ext uri="{FF2B5EF4-FFF2-40B4-BE49-F238E27FC236}">
-                <a16:creationId xmlns:a16="http://schemas.microsoft.com/office/drawing/2014/main" id="{999F76F5-72D4-4814-9169-8F535AEEB809}"/>
-              </a:ext>
-            </a:extLst>
-          </p:cNvPr>
-          <p:cNvSpPr>
-            <a:spLocks noGrp="1" noRot="1" noChangeAspect="1" noMove="1" noResize="1" noEditPoints="1" noAdjustHandles="1" noChangeArrowheads="1" noChangeShapeType="1" noTextEdit="1"/>
-          </p:cNvSpPr>
-          <p:nvPr>
-            <p:extLst>
-              <p:ext uri="{386F3935-93C4-4BCD-93E2-E3B085C9AB24}">
-                <p16:designElem xmlns:p16="http://schemas.microsoft.com/office/powerpoint/2015/main" val="1"/>
-              </p:ext>
-            </p:extLst>
-          </p:nvPr>
-        </p:nvSpPr>
-        <p:spPr>
-          <a:xfrm>
-            <a:off x="650747" y="648377"/>
-            <a:ext cx="10890504" cy="1152144"/>
-          </a:xfrm>
-          <a:prstGeom prst="rect">
-            <a:avLst/>
-          </a:prstGeom>
-          <a:noFill/>
-          <a:ln w="15875" cap="flat">
-            <a:solidFill>
-              <a:schemeClr val="accent1"/>
-            </a:solidFill>
-            <a:miter lim="800000"/>
-          </a:ln>
-          <a:effectLst/>
-        </p:spPr>
-        <p:style>
-          <a:lnRef idx="1">
-            <a:schemeClr val="accent1"/>
-          </a:lnRef>
-          <a:fillRef idx="3">
-            <a:schemeClr val="accent1"/>
-          </a:fillRef>
-          <a:effectRef idx="2">
-            <a:schemeClr val="accent1"/>
-          </a:effectRef>
-          <a:fontRef idx="minor">
-            <a:schemeClr val="lt1"/>
-          </a:fontRef>
-        </p:style>
-      </p:sp>
-      <p:sp>
-        <p:nvSpPr>
-          <p:cNvPr id="2" name="Title 1">
-            <a:extLst>
-              <a:ext uri="{FF2B5EF4-FFF2-40B4-BE49-F238E27FC236}">
-                <a16:creationId xmlns:a16="http://schemas.microsoft.com/office/drawing/2014/main" id="{B90CC7E3-ADC5-4377-9D5E-FF3A04DC9179}"/>
-              </a:ext>
-            </a:extLst>
-          </p:cNvPr>
-          <p:cNvSpPr>
-            <a:spLocks noGrp="1"/>
-          </p:cNvSpPr>
-          <p:nvPr>
-            <p:ph type="title"/>
-          </p:nvPr>
-        </p:nvSpPr>
-        <p:spPr>
-          <a:xfrm>
-            <a:off x="804421" y="796374"/>
-            <a:ext cx="10583158" cy="880027"/>
-          </a:xfrm>
-        </p:spPr>
-        <p:txBody>
-          <a:bodyPr>
-            <a:normAutofit/>
-          </a:bodyPr>
-          <a:lstStyle/>
-          <a:p>
-            <a:r>
-              <a:rPr lang="en-US" dirty="0" err="1">
-                <a:solidFill>
-                  <a:srgbClr val="FFFFFF"/>
-                </a:solidFill>
-                <a:latin typeface="Times New Roman" panose="02020603050405020304" pitchFamily="18" charset="0"/>
-                <a:cs typeface="Times New Roman" panose="02020603050405020304" pitchFamily="18" charset="0"/>
-              </a:rPr>
-              <a:t>Mục</a:t>
-            </a:r>
-            <a:r>
-              <a:rPr lang="en-US" dirty="0">
-                <a:solidFill>
-                  <a:srgbClr val="FFFFFF"/>
-                </a:solidFill>
-                <a:latin typeface="Times New Roman" panose="02020603050405020304" pitchFamily="18" charset="0"/>
-                <a:cs typeface="Times New Roman" panose="02020603050405020304" pitchFamily="18" charset="0"/>
-              </a:rPr>
-              <a:t> </a:t>
-            </a:r>
-            <a:r>
-              <a:rPr lang="en-US" dirty="0" err="1">
-                <a:solidFill>
-                  <a:srgbClr val="FFFFFF"/>
-                </a:solidFill>
-                <a:latin typeface="Times New Roman" panose="02020603050405020304" pitchFamily="18" charset="0"/>
-                <a:cs typeface="Times New Roman" panose="02020603050405020304" pitchFamily="18" charset="0"/>
-              </a:rPr>
-              <a:t>Tiêu</a:t>
-            </a:r>
-            <a:endParaRPr lang="en-US" dirty="0">
-              <a:solidFill>
-                <a:srgbClr val="FFFFFF"/>
-              </a:solidFill>
-              <a:latin typeface="Times New Roman" panose="02020603050405020304" pitchFamily="18" charset="0"/>
-              <a:cs typeface="Times New Roman" panose="02020603050405020304" pitchFamily="18" charset="0"/>
-            </a:endParaRPr>
-          </a:p>
-        </p:txBody>
-      </p:sp>
-      <p:sp>
-        <p:nvSpPr>
-          <p:cNvPr id="7" name="Content Placeholder 6">
-            <a:extLst>
-              <a:ext uri="{FF2B5EF4-FFF2-40B4-BE49-F238E27FC236}">
-                <a16:creationId xmlns:a16="http://schemas.microsoft.com/office/drawing/2014/main" id="{0805C246-B3B7-4ED0-BEE4-DEA1D87335AE}"/>
-              </a:ext>
-            </a:extLst>
-          </p:cNvPr>
-          <p:cNvSpPr>
-            <a:spLocks noGrp="1"/>
-          </p:cNvSpPr>
-          <p:nvPr>
-            <p:ph idx="1"/>
-          </p:nvPr>
-        </p:nvSpPr>
-        <p:spPr>
-          <a:xfrm>
-            <a:off x="1295401" y="2946011"/>
-            <a:ext cx="9601196" cy="3263612"/>
-          </a:xfrm>
-        </p:spPr>
-        <p:txBody>
-          <a:bodyPr>
-            <a:normAutofit/>
-          </a:bodyPr>
-          <a:lstStyle/>
-          <a:p>
-            <a:r>
-              <a:rPr lang="en-US" dirty="0" err="1">
-                <a:latin typeface="Times New Roman" panose="02020603050405020304" pitchFamily="18" charset="0"/>
-                <a:cs typeface="Times New Roman" panose="02020603050405020304" pitchFamily="18" charset="0"/>
-              </a:rPr>
-              <a:t>Có</a:t>
-            </a:r>
-            <a:r>
-              <a:rPr lang="en-US" dirty="0">
-                <a:latin typeface="Times New Roman" panose="02020603050405020304" pitchFamily="18" charset="0"/>
-                <a:cs typeface="Times New Roman" panose="02020603050405020304" pitchFamily="18" charset="0"/>
-              </a:rPr>
-              <a:t> </a:t>
-            </a:r>
-            <a:r>
-              <a:rPr lang="en-US" dirty="0" err="1">
-                <a:latin typeface="Times New Roman" panose="02020603050405020304" pitchFamily="18" charset="0"/>
-                <a:cs typeface="Times New Roman" panose="02020603050405020304" pitchFamily="18" charset="0"/>
-              </a:rPr>
-              <a:t>ba</a:t>
-            </a:r>
-            <a:r>
-              <a:rPr lang="en-US" dirty="0">
-                <a:latin typeface="Times New Roman" panose="02020603050405020304" pitchFamily="18" charset="0"/>
-                <a:cs typeface="Times New Roman" panose="02020603050405020304" pitchFamily="18" charset="0"/>
-              </a:rPr>
-              <a:t> </a:t>
-            </a:r>
-            <a:r>
-              <a:rPr lang="en-US" dirty="0" err="1">
-                <a:latin typeface="Times New Roman" panose="02020603050405020304" pitchFamily="18" charset="0"/>
-                <a:cs typeface="Times New Roman" panose="02020603050405020304" pitchFamily="18" charset="0"/>
-              </a:rPr>
-              <a:t>mục</a:t>
-            </a:r>
-            <a:r>
-              <a:rPr lang="en-US" dirty="0">
-                <a:latin typeface="Times New Roman" panose="02020603050405020304" pitchFamily="18" charset="0"/>
-                <a:cs typeface="Times New Roman" panose="02020603050405020304" pitchFamily="18" charset="0"/>
-              </a:rPr>
-              <a:t> </a:t>
-            </a:r>
-            <a:r>
-              <a:rPr lang="en-US" dirty="0" err="1">
-                <a:latin typeface="Times New Roman" panose="02020603050405020304" pitchFamily="18" charset="0"/>
-                <a:cs typeface="Times New Roman" panose="02020603050405020304" pitchFamily="18" charset="0"/>
-              </a:rPr>
-              <a:t>tiêu</a:t>
-            </a:r>
-            <a:r>
-              <a:rPr lang="en-US" dirty="0">
-                <a:latin typeface="Times New Roman" panose="02020603050405020304" pitchFamily="18" charset="0"/>
-                <a:cs typeface="Times New Roman" panose="02020603050405020304" pitchFamily="18" charset="0"/>
-              </a:rPr>
-              <a:t> </a:t>
-            </a:r>
-            <a:r>
-              <a:rPr lang="en-US" dirty="0" err="1">
-                <a:latin typeface="Times New Roman" panose="02020603050405020304" pitchFamily="18" charset="0"/>
-                <a:cs typeface="Times New Roman" panose="02020603050405020304" pitchFamily="18" charset="0"/>
-              </a:rPr>
-              <a:t>chính</a:t>
-            </a:r>
-            <a:r>
-              <a:rPr lang="en-US" dirty="0">
-                <a:latin typeface="Times New Roman" panose="02020603050405020304" pitchFamily="18" charset="0"/>
-                <a:cs typeface="Times New Roman" panose="02020603050405020304" pitchFamily="18" charset="0"/>
-              </a:rPr>
-              <a:t> </a:t>
-            </a:r>
-            <a:r>
-              <a:rPr lang="en-US" dirty="0" err="1">
-                <a:latin typeface="Times New Roman" panose="02020603050405020304" pitchFamily="18" charset="0"/>
-                <a:cs typeface="Times New Roman" panose="02020603050405020304" pitchFamily="18" charset="0"/>
-              </a:rPr>
-              <a:t>trong</a:t>
-            </a:r>
-            <a:r>
-              <a:rPr lang="en-US" dirty="0">
-                <a:latin typeface="Times New Roman" panose="02020603050405020304" pitchFamily="18" charset="0"/>
-                <a:cs typeface="Times New Roman" panose="02020603050405020304" pitchFamily="18" charset="0"/>
-              </a:rPr>
-              <a:t> </a:t>
-            </a:r>
-            <a:r>
-              <a:rPr lang="en-US" dirty="0" err="1">
-                <a:latin typeface="Times New Roman" panose="02020603050405020304" pitchFamily="18" charset="0"/>
-                <a:cs typeface="Times New Roman" panose="02020603050405020304" pitchFamily="18" charset="0"/>
-              </a:rPr>
-              <a:t>quá</a:t>
-            </a:r>
-            <a:r>
-              <a:rPr lang="en-US" dirty="0">
-                <a:latin typeface="Times New Roman" panose="02020603050405020304" pitchFamily="18" charset="0"/>
-                <a:cs typeface="Times New Roman" panose="02020603050405020304" pitchFamily="18" charset="0"/>
-              </a:rPr>
-              <a:t> </a:t>
-            </a:r>
-            <a:r>
-              <a:rPr lang="en-US" dirty="0" err="1">
-                <a:latin typeface="Times New Roman" panose="02020603050405020304" pitchFamily="18" charset="0"/>
-                <a:cs typeface="Times New Roman" panose="02020603050405020304" pitchFamily="18" charset="0"/>
-              </a:rPr>
-              <a:t>trình</a:t>
-            </a:r>
-            <a:r>
-              <a:rPr lang="en-US" dirty="0">
-                <a:latin typeface="Times New Roman" panose="02020603050405020304" pitchFamily="18" charset="0"/>
-                <a:cs typeface="Times New Roman" panose="02020603050405020304" pitchFamily="18" charset="0"/>
-              </a:rPr>
-              <a:t> FPA: </a:t>
-            </a:r>
-          </a:p>
-          <a:p>
-            <a:pPr marL="0" indent="0">
-              <a:buNone/>
-            </a:pPr>
-            <a:r>
-              <a:rPr lang="en-US" dirty="0">
-                <a:latin typeface="Times New Roman" panose="02020603050405020304" pitchFamily="18" charset="0"/>
-                <a:cs typeface="Times New Roman" panose="02020603050405020304" pitchFamily="18" charset="0"/>
-              </a:rPr>
-              <a:t>			1.	</a:t>
-            </a:r>
-            <a:r>
-              <a:rPr lang="en-US" dirty="0" err="1">
-                <a:latin typeface="Times New Roman" panose="02020603050405020304" pitchFamily="18" charset="0"/>
-                <a:cs typeface="Times New Roman" panose="02020603050405020304" pitchFamily="18" charset="0"/>
-              </a:rPr>
-              <a:t>Tính</a:t>
-            </a:r>
-            <a:r>
-              <a:rPr lang="en-US" dirty="0">
-                <a:latin typeface="Times New Roman" panose="02020603050405020304" pitchFamily="18" charset="0"/>
-                <a:cs typeface="Times New Roman" panose="02020603050405020304" pitchFamily="18" charset="0"/>
-              </a:rPr>
-              <a:t> </a:t>
-            </a:r>
-            <a:r>
-              <a:rPr lang="en-US" dirty="0" err="1">
-                <a:latin typeface="Times New Roman" panose="02020603050405020304" pitchFamily="18" charset="0"/>
-                <a:cs typeface="Times New Roman" panose="02020603050405020304" pitchFamily="18" charset="0"/>
-              </a:rPr>
-              <a:t>toán</a:t>
-            </a:r>
-            <a:r>
-              <a:rPr lang="en-US" dirty="0">
-                <a:latin typeface="Times New Roman" panose="02020603050405020304" pitchFamily="18" charset="0"/>
-                <a:cs typeface="Times New Roman" panose="02020603050405020304" pitchFamily="18" charset="0"/>
-              </a:rPr>
-              <a:t> </a:t>
-            </a:r>
-            <a:r>
-              <a:rPr lang="en-US" dirty="0" err="1">
-                <a:latin typeface="Times New Roman" panose="02020603050405020304" pitchFamily="18" charset="0"/>
-                <a:cs typeface="Times New Roman" panose="02020603050405020304" pitchFamily="18" charset="0"/>
-              </a:rPr>
-              <a:t>số</a:t>
-            </a:r>
-            <a:r>
-              <a:rPr lang="en-US" dirty="0">
-                <a:latin typeface="Times New Roman" panose="02020603050405020304" pitchFamily="18" charset="0"/>
-                <a:cs typeface="Times New Roman" panose="02020603050405020304" pitchFamily="18" charset="0"/>
-              </a:rPr>
-              <a:t> </a:t>
-            </a:r>
-            <a:r>
-              <a:rPr lang="en-US" dirty="0" err="1">
-                <a:latin typeface="Times New Roman" panose="02020603050405020304" pitchFamily="18" charset="0"/>
-                <a:cs typeface="Times New Roman" panose="02020603050405020304" pitchFamily="18" charset="0"/>
-              </a:rPr>
-              <a:t>chức</a:t>
-            </a:r>
-            <a:r>
-              <a:rPr lang="en-US" dirty="0">
-                <a:latin typeface="Times New Roman" panose="02020603050405020304" pitchFamily="18" charset="0"/>
-                <a:cs typeface="Times New Roman" panose="02020603050405020304" pitchFamily="18" charset="0"/>
-              </a:rPr>
-              <a:t> </a:t>
-            </a:r>
-            <a:r>
-              <a:rPr lang="en-US" dirty="0" err="1">
-                <a:latin typeface="Times New Roman" panose="02020603050405020304" pitchFamily="18" charset="0"/>
-                <a:cs typeface="Times New Roman" panose="02020603050405020304" pitchFamily="18" charset="0"/>
-              </a:rPr>
-              <a:t>năng</a:t>
-            </a:r>
-            <a:r>
-              <a:rPr lang="en-US" dirty="0">
-                <a:latin typeface="Times New Roman" panose="02020603050405020304" pitchFamily="18" charset="0"/>
-                <a:cs typeface="Times New Roman" panose="02020603050405020304" pitchFamily="18" charset="0"/>
-              </a:rPr>
-              <a:t> </a:t>
-            </a:r>
-            <a:r>
-              <a:rPr lang="en-US" dirty="0" err="1">
-                <a:latin typeface="Times New Roman" panose="02020603050405020304" pitchFamily="18" charset="0"/>
-                <a:cs typeface="Times New Roman" panose="02020603050405020304" pitchFamily="18" charset="0"/>
-              </a:rPr>
-              <a:t>dựa</a:t>
-            </a:r>
-            <a:r>
-              <a:rPr lang="en-US" dirty="0">
-                <a:latin typeface="Times New Roman" panose="02020603050405020304" pitchFamily="18" charset="0"/>
-                <a:cs typeface="Times New Roman" panose="02020603050405020304" pitchFamily="18" charset="0"/>
-              </a:rPr>
-              <a:t> </a:t>
-            </a:r>
-            <a:r>
-              <a:rPr lang="en-US" dirty="0" err="1">
-                <a:latin typeface="Times New Roman" panose="02020603050405020304" pitchFamily="18" charset="0"/>
-                <a:cs typeface="Times New Roman" panose="02020603050405020304" pitchFamily="18" charset="0"/>
-              </a:rPr>
-              <a:t>trên</a:t>
-            </a:r>
-            <a:r>
-              <a:rPr lang="en-US" dirty="0">
-                <a:latin typeface="Times New Roman" panose="02020603050405020304" pitchFamily="18" charset="0"/>
-                <a:cs typeface="Times New Roman" panose="02020603050405020304" pitchFamily="18" charset="0"/>
-              </a:rPr>
-              <a:t> </a:t>
-            </a:r>
-            <a:r>
-              <a:rPr lang="en-US" dirty="0" err="1">
-                <a:latin typeface="Times New Roman" panose="02020603050405020304" pitchFamily="18" charset="0"/>
-                <a:cs typeface="Times New Roman" panose="02020603050405020304" pitchFamily="18" charset="0"/>
-              </a:rPr>
-              <a:t>góc</a:t>
-            </a:r>
-            <a:r>
-              <a:rPr lang="en-US" dirty="0">
-                <a:latin typeface="Times New Roman" panose="02020603050405020304" pitchFamily="18" charset="0"/>
-                <a:cs typeface="Times New Roman" panose="02020603050405020304" pitchFamily="18" charset="0"/>
-              </a:rPr>
-              <a:t> </a:t>
-            </a:r>
-            <a:r>
-              <a:rPr lang="en-US" dirty="0" err="1">
-                <a:latin typeface="Times New Roman" panose="02020603050405020304" pitchFamily="18" charset="0"/>
-                <a:cs typeface="Times New Roman" panose="02020603050405020304" pitchFamily="18" charset="0"/>
-              </a:rPr>
-              <a:t>nhìn</a:t>
-            </a:r>
-            <a:r>
-              <a:rPr lang="en-US" dirty="0">
-                <a:latin typeface="Times New Roman" panose="02020603050405020304" pitchFamily="18" charset="0"/>
-                <a:cs typeface="Times New Roman" panose="02020603050405020304" pitchFamily="18" charset="0"/>
-              </a:rPr>
-              <a:t> </a:t>
-            </a:r>
-            <a:r>
-              <a:rPr lang="en-US" dirty="0" err="1">
-                <a:latin typeface="Times New Roman" panose="02020603050405020304" pitchFamily="18" charset="0"/>
-                <a:cs typeface="Times New Roman" panose="02020603050405020304" pitchFamily="18" charset="0"/>
-              </a:rPr>
-              <a:t>từ</a:t>
-            </a:r>
-            <a:r>
-              <a:rPr lang="en-US" dirty="0">
-                <a:latin typeface="Times New Roman" panose="02020603050405020304" pitchFamily="18" charset="0"/>
-                <a:cs typeface="Times New Roman" panose="02020603050405020304" pitchFamily="18" charset="0"/>
-              </a:rPr>
-              <a:t> </a:t>
-            </a:r>
-            <a:r>
-              <a:rPr lang="en-US" dirty="0" err="1">
-                <a:latin typeface="Times New Roman" panose="02020603050405020304" pitchFamily="18" charset="0"/>
-                <a:cs typeface="Times New Roman" panose="02020603050405020304" pitchFamily="18" charset="0"/>
-              </a:rPr>
-              <a:t>phái</a:t>
-            </a:r>
-            <a:r>
-              <a:rPr lang="en-US" dirty="0">
-                <a:latin typeface="Times New Roman" panose="02020603050405020304" pitchFamily="18" charset="0"/>
-                <a:cs typeface="Times New Roman" panose="02020603050405020304" pitchFamily="18" charset="0"/>
-              </a:rPr>
-              <a:t> end-users </a:t>
-            </a:r>
-            <a:r>
-              <a:rPr lang="en-US" dirty="0" err="1">
-                <a:latin typeface="Times New Roman" panose="02020603050405020304" pitchFamily="18" charset="0"/>
-                <a:cs typeface="Times New Roman" panose="02020603050405020304" pitchFamily="18" charset="0"/>
-              </a:rPr>
-              <a:t>về</a:t>
-            </a:r>
-            <a:r>
-              <a:rPr lang="en-US" dirty="0">
-                <a:latin typeface="Times New Roman" panose="02020603050405020304" pitchFamily="18" charset="0"/>
-                <a:cs typeface="Times New Roman" panose="02020603050405020304" pitchFamily="18" charset="0"/>
-              </a:rPr>
-              <a:t> </a:t>
-            </a:r>
-            <a:r>
-              <a:rPr lang="en-US" dirty="0" err="1">
-                <a:latin typeface="Times New Roman" panose="02020603050405020304" pitchFamily="18" charset="0"/>
-                <a:cs typeface="Times New Roman" panose="02020603050405020304" pitchFamily="18" charset="0"/>
-              </a:rPr>
-              <a:t>các</a:t>
-            </a:r>
-            <a:r>
-              <a:rPr lang="en-US" dirty="0">
-                <a:latin typeface="Times New Roman" panose="02020603050405020304" pitchFamily="18" charset="0"/>
-                <a:cs typeface="Times New Roman" panose="02020603050405020304" pitchFamily="18" charset="0"/>
-              </a:rPr>
-              <a:t> </a:t>
-            </a:r>
-            <a:r>
-              <a:rPr lang="en-US" dirty="0" err="1">
-                <a:latin typeface="Times New Roman" panose="02020603050405020304" pitchFamily="18" charset="0"/>
-                <a:cs typeface="Times New Roman" panose="02020603050405020304" pitchFamily="18" charset="0"/>
-              </a:rPr>
-              <a:t>chức</a:t>
-            </a:r>
-            <a:r>
-              <a:rPr lang="en-US" dirty="0">
-                <a:latin typeface="Times New Roman" panose="02020603050405020304" pitchFamily="18" charset="0"/>
-                <a:cs typeface="Times New Roman" panose="02020603050405020304" pitchFamily="18" charset="0"/>
-              </a:rPr>
-              <a:t> </a:t>
-            </a:r>
-            <a:r>
-              <a:rPr lang="en-US" dirty="0" err="1">
-                <a:latin typeface="Times New Roman" panose="02020603050405020304" pitchFamily="18" charset="0"/>
-                <a:cs typeface="Times New Roman" panose="02020603050405020304" pitchFamily="18" charset="0"/>
-              </a:rPr>
-              <a:t>năng</a:t>
-            </a:r>
-            <a:r>
-              <a:rPr lang="en-US" dirty="0">
-                <a:latin typeface="Times New Roman" panose="02020603050405020304" pitchFamily="18" charset="0"/>
-                <a:cs typeface="Times New Roman" panose="02020603050405020304" pitchFamily="18" charset="0"/>
-              </a:rPr>
-              <a:t> </a:t>
-            </a:r>
-            <a:r>
-              <a:rPr lang="en-US" dirty="0" err="1">
-                <a:latin typeface="Times New Roman" panose="02020603050405020304" pitchFamily="18" charset="0"/>
-                <a:cs typeface="Times New Roman" panose="02020603050405020304" pitchFamily="18" charset="0"/>
-              </a:rPr>
-              <a:t>của</a:t>
-            </a:r>
-            <a:r>
-              <a:rPr lang="en-US" dirty="0">
-                <a:latin typeface="Times New Roman" panose="02020603050405020304" pitchFamily="18" charset="0"/>
-                <a:cs typeface="Times New Roman" panose="02020603050405020304" pitchFamily="18" charset="0"/>
-              </a:rPr>
-              <a:t> </a:t>
-            </a:r>
-            <a:r>
-              <a:rPr lang="en-US" dirty="0" err="1">
-                <a:latin typeface="Times New Roman" panose="02020603050405020304" pitchFamily="18" charset="0"/>
-                <a:cs typeface="Times New Roman" panose="02020603050405020304" pitchFamily="18" charset="0"/>
-              </a:rPr>
-              <a:t>hệ</a:t>
-            </a:r>
-            <a:r>
-              <a:rPr lang="en-US" dirty="0">
-                <a:latin typeface="Times New Roman" panose="02020603050405020304" pitchFamily="18" charset="0"/>
-                <a:cs typeface="Times New Roman" panose="02020603050405020304" pitchFamily="18" charset="0"/>
-              </a:rPr>
-              <a:t> </a:t>
-            </a:r>
-            <a:r>
-              <a:rPr lang="en-US" dirty="0" err="1">
-                <a:latin typeface="Times New Roman" panose="02020603050405020304" pitchFamily="18" charset="0"/>
-                <a:cs typeface="Times New Roman" panose="02020603050405020304" pitchFamily="18" charset="0"/>
-              </a:rPr>
-              <a:t>thống</a:t>
-            </a:r>
-            <a:r>
-              <a:rPr lang="en-US" dirty="0">
-                <a:latin typeface="Times New Roman" panose="02020603050405020304" pitchFamily="18" charset="0"/>
-                <a:cs typeface="Times New Roman" panose="02020603050405020304" pitchFamily="18" charset="0"/>
-              </a:rPr>
-              <a:t>.</a:t>
-            </a:r>
-          </a:p>
-          <a:p>
-            <a:pPr marL="0" indent="0">
-              <a:buNone/>
-            </a:pPr>
-            <a:r>
-              <a:rPr lang="en-US" dirty="0">
-                <a:latin typeface="Times New Roman" panose="02020603050405020304" pitchFamily="18" charset="0"/>
-                <a:cs typeface="Times New Roman" panose="02020603050405020304" pitchFamily="18" charset="0"/>
-              </a:rPr>
-              <a:t>			2.	</a:t>
-            </a:r>
-            <a:r>
-              <a:rPr lang="en-US" dirty="0" err="1">
-                <a:latin typeface="Times New Roman" panose="02020603050405020304" pitchFamily="18" charset="0"/>
-                <a:cs typeface="Times New Roman" panose="02020603050405020304" pitchFamily="18" charset="0"/>
-              </a:rPr>
-              <a:t>Giảm</a:t>
-            </a:r>
-            <a:r>
-              <a:rPr lang="en-US" dirty="0">
-                <a:latin typeface="Times New Roman" panose="02020603050405020304" pitchFamily="18" charset="0"/>
-                <a:cs typeface="Times New Roman" panose="02020603050405020304" pitchFamily="18" charset="0"/>
-              </a:rPr>
-              <a:t> </a:t>
-            </a:r>
-            <a:r>
-              <a:rPr lang="en-US" dirty="0" err="1">
-                <a:latin typeface="Times New Roman" panose="02020603050405020304" pitchFamily="18" charset="0"/>
-                <a:cs typeface="Times New Roman" panose="02020603050405020304" pitchFamily="18" charset="0"/>
-              </a:rPr>
-              <a:t>thiểu</a:t>
-            </a:r>
-            <a:r>
-              <a:rPr lang="en-US" dirty="0">
-                <a:latin typeface="Times New Roman" panose="02020603050405020304" pitchFamily="18" charset="0"/>
-                <a:cs typeface="Times New Roman" panose="02020603050405020304" pitchFamily="18" charset="0"/>
-              </a:rPr>
-              <a:t> </a:t>
-            </a:r>
-            <a:r>
-              <a:rPr lang="en-US" dirty="0" err="1">
-                <a:latin typeface="Times New Roman" panose="02020603050405020304" pitchFamily="18" charset="0"/>
-                <a:cs typeface="Times New Roman" panose="02020603050405020304" pitchFamily="18" charset="0"/>
-              </a:rPr>
-              <a:t>hóa</a:t>
-            </a:r>
-            <a:r>
-              <a:rPr lang="en-US" dirty="0">
-                <a:latin typeface="Times New Roman" panose="02020603050405020304" pitchFamily="18" charset="0"/>
-                <a:cs typeface="Times New Roman" panose="02020603050405020304" pitchFamily="18" charset="0"/>
-              </a:rPr>
-              <a:t> </a:t>
-            </a:r>
-            <a:r>
-              <a:rPr lang="en-US" dirty="0" err="1">
-                <a:latin typeface="Times New Roman" panose="02020603050405020304" pitchFamily="18" charset="0"/>
-                <a:cs typeface="Times New Roman" panose="02020603050405020304" pitchFamily="18" charset="0"/>
-              </a:rPr>
-              <a:t>công</a:t>
-            </a:r>
-            <a:r>
-              <a:rPr lang="en-US" dirty="0">
-                <a:latin typeface="Times New Roman" panose="02020603050405020304" pitchFamily="18" charset="0"/>
-                <a:cs typeface="Times New Roman" panose="02020603050405020304" pitchFamily="18" charset="0"/>
-              </a:rPr>
-              <a:t> </a:t>
-            </a:r>
-            <a:r>
-              <a:rPr lang="en-US" dirty="0" err="1">
-                <a:latin typeface="Times New Roman" panose="02020603050405020304" pitchFamily="18" charset="0"/>
-                <a:cs typeface="Times New Roman" panose="02020603050405020304" pitchFamily="18" charset="0"/>
-              </a:rPr>
-              <a:t>sức</a:t>
-            </a:r>
-            <a:r>
-              <a:rPr lang="en-US" dirty="0">
-                <a:latin typeface="Times New Roman" panose="02020603050405020304" pitchFamily="18" charset="0"/>
-                <a:cs typeface="Times New Roman" panose="02020603050405020304" pitchFamily="18" charset="0"/>
-              </a:rPr>
-              <a:t>, chi </a:t>
-            </a:r>
-            <a:r>
-              <a:rPr lang="en-US" dirty="0" err="1">
-                <a:latin typeface="Times New Roman" panose="02020603050405020304" pitchFamily="18" charset="0"/>
-                <a:cs typeface="Times New Roman" panose="02020603050405020304" pitchFamily="18" charset="0"/>
-              </a:rPr>
-              <a:t>phí</a:t>
-            </a:r>
-            <a:r>
-              <a:rPr lang="en-US" dirty="0">
-                <a:latin typeface="Times New Roman" panose="02020603050405020304" pitchFamily="18" charset="0"/>
-                <a:cs typeface="Times New Roman" panose="02020603050405020304" pitchFamily="18" charset="0"/>
-              </a:rPr>
-              <a:t> </a:t>
-            </a:r>
-            <a:r>
-              <a:rPr lang="en-US" dirty="0" err="1">
-                <a:latin typeface="Times New Roman" panose="02020603050405020304" pitchFamily="18" charset="0"/>
-                <a:cs typeface="Times New Roman" panose="02020603050405020304" pitchFamily="18" charset="0"/>
-              </a:rPr>
-              <a:t>dùng</a:t>
-            </a:r>
-            <a:r>
-              <a:rPr lang="en-US" dirty="0">
-                <a:latin typeface="Times New Roman" panose="02020603050405020304" pitchFamily="18" charset="0"/>
-                <a:cs typeface="Times New Roman" panose="02020603050405020304" pitchFamily="18" charset="0"/>
-              </a:rPr>
-              <a:t> </a:t>
-            </a:r>
-            <a:r>
-              <a:rPr lang="en-US" dirty="0" err="1">
-                <a:latin typeface="Times New Roman" panose="02020603050405020304" pitchFamily="18" charset="0"/>
-                <a:cs typeface="Times New Roman" panose="02020603050405020304" pitchFamily="18" charset="0"/>
-              </a:rPr>
-              <a:t>cho</a:t>
-            </a:r>
-            <a:r>
-              <a:rPr lang="en-US" dirty="0">
-                <a:latin typeface="Times New Roman" panose="02020603050405020304" pitchFamily="18" charset="0"/>
-                <a:cs typeface="Times New Roman" panose="02020603050405020304" pitchFamily="18" charset="0"/>
-              </a:rPr>
-              <a:t> </a:t>
-            </a:r>
-            <a:r>
-              <a:rPr lang="en-US" dirty="0" err="1">
-                <a:latin typeface="Times New Roman" panose="02020603050405020304" pitchFamily="18" charset="0"/>
-                <a:cs typeface="Times New Roman" panose="02020603050405020304" pitchFamily="18" charset="0"/>
-              </a:rPr>
-              <a:t>việc</a:t>
-            </a:r>
-            <a:r>
-              <a:rPr lang="en-US" dirty="0">
-                <a:latin typeface="Times New Roman" panose="02020603050405020304" pitchFamily="18" charset="0"/>
-                <a:cs typeface="Times New Roman" panose="02020603050405020304" pitchFamily="18" charset="0"/>
-              </a:rPr>
-              <a:t> </a:t>
-            </a:r>
-            <a:r>
-              <a:rPr lang="en-US" dirty="0" err="1">
-                <a:latin typeface="Times New Roman" panose="02020603050405020304" pitchFamily="18" charset="0"/>
-                <a:cs typeface="Times New Roman" panose="02020603050405020304" pitchFamily="18" charset="0"/>
-              </a:rPr>
-              <a:t>tính</a:t>
-            </a:r>
-            <a:r>
-              <a:rPr lang="en-US" dirty="0">
-                <a:latin typeface="Times New Roman" panose="02020603050405020304" pitchFamily="18" charset="0"/>
-                <a:cs typeface="Times New Roman" panose="02020603050405020304" pitchFamily="18" charset="0"/>
-              </a:rPr>
-              <a:t> </a:t>
-            </a:r>
-            <a:r>
-              <a:rPr lang="en-US" dirty="0" err="1">
-                <a:latin typeface="Times New Roman" panose="02020603050405020304" pitchFamily="18" charset="0"/>
-                <a:cs typeface="Times New Roman" panose="02020603050405020304" pitchFamily="18" charset="0"/>
-              </a:rPr>
-              <a:t>toán</a:t>
-            </a:r>
-            <a:r>
-              <a:rPr lang="en-US" dirty="0">
-                <a:latin typeface="Times New Roman" panose="02020603050405020304" pitchFamily="18" charset="0"/>
-                <a:cs typeface="Times New Roman" panose="02020603050405020304" pitchFamily="18" charset="0"/>
-              </a:rPr>
-              <a:t>, </a:t>
-            </a:r>
-            <a:r>
-              <a:rPr lang="en-US" dirty="0" err="1">
-                <a:latin typeface="Times New Roman" panose="02020603050405020304" pitchFamily="18" charset="0"/>
-                <a:cs typeface="Times New Roman" panose="02020603050405020304" pitchFamily="18" charset="0"/>
-              </a:rPr>
-              <a:t>đo</a:t>
-            </a:r>
-            <a:r>
-              <a:rPr lang="en-US" dirty="0">
-                <a:latin typeface="Times New Roman" panose="02020603050405020304" pitchFamily="18" charset="0"/>
-                <a:cs typeface="Times New Roman" panose="02020603050405020304" pitchFamily="18" charset="0"/>
-              </a:rPr>
-              <a:t> </a:t>
-            </a:r>
-            <a:r>
-              <a:rPr lang="en-US" dirty="0" err="1">
-                <a:latin typeface="Times New Roman" panose="02020603050405020304" pitchFamily="18" charset="0"/>
-                <a:cs typeface="Times New Roman" panose="02020603050405020304" pitchFamily="18" charset="0"/>
-              </a:rPr>
-              <a:t>đạc</a:t>
-            </a:r>
-            <a:r>
-              <a:rPr lang="en-US" dirty="0">
-                <a:latin typeface="Times New Roman" panose="02020603050405020304" pitchFamily="18" charset="0"/>
-                <a:cs typeface="Times New Roman" panose="02020603050405020304" pitchFamily="18" charset="0"/>
-              </a:rPr>
-              <a:t>.</a:t>
-            </a:r>
-          </a:p>
-          <a:p>
-            <a:pPr marL="0" indent="0">
-              <a:buNone/>
-            </a:pPr>
-            <a:r>
-              <a:rPr lang="en-US" dirty="0">
-                <a:latin typeface="Times New Roman" panose="02020603050405020304" pitchFamily="18" charset="0"/>
-                <a:cs typeface="Times New Roman" panose="02020603050405020304" pitchFamily="18" charset="0"/>
-              </a:rPr>
-              <a:t>			3.	</a:t>
-            </a:r>
-            <a:r>
-              <a:rPr lang="en-US" dirty="0" err="1">
-                <a:latin typeface="Times New Roman" panose="02020603050405020304" pitchFamily="18" charset="0"/>
-                <a:ea typeface="Tahoma" panose="020B0604030504040204" pitchFamily="34" charset="0"/>
-                <a:cs typeface="Times New Roman" panose="02020603050405020304" pitchFamily="18" charset="0"/>
-              </a:rPr>
-              <a:t>Thiết</a:t>
-            </a:r>
-            <a:r>
-              <a:rPr lang="en-US" dirty="0">
-                <a:latin typeface="Times New Roman" panose="02020603050405020304" pitchFamily="18" charset="0"/>
-                <a:ea typeface="Tahoma" panose="020B0604030504040204" pitchFamily="34" charset="0"/>
-                <a:cs typeface="Times New Roman" panose="02020603050405020304" pitchFamily="18" charset="0"/>
-              </a:rPr>
-              <a:t> </a:t>
-            </a:r>
-            <a:r>
-              <a:rPr lang="en-US" dirty="0" err="1">
-                <a:latin typeface="Times New Roman" panose="02020603050405020304" pitchFamily="18" charset="0"/>
-                <a:ea typeface="Tahoma" panose="020B0604030504040204" pitchFamily="34" charset="0"/>
-                <a:cs typeface="Times New Roman" panose="02020603050405020304" pitchFamily="18" charset="0"/>
-              </a:rPr>
-              <a:t>lập</a:t>
-            </a:r>
-            <a:r>
-              <a:rPr lang="en-US" dirty="0">
-                <a:latin typeface="Times New Roman" panose="02020603050405020304" pitchFamily="18" charset="0"/>
-                <a:ea typeface="Tahoma" panose="020B0604030504040204" pitchFamily="34" charset="0"/>
-                <a:cs typeface="Times New Roman" panose="02020603050405020304" pitchFamily="18" charset="0"/>
-              </a:rPr>
-              <a:t> </a:t>
-            </a:r>
-            <a:r>
-              <a:rPr lang="en-US" dirty="0" err="1">
-                <a:latin typeface="Times New Roman" panose="02020603050405020304" pitchFamily="18" charset="0"/>
-                <a:ea typeface="Tahoma" panose="020B0604030504040204" pitchFamily="34" charset="0"/>
-                <a:cs typeface="Times New Roman" panose="02020603050405020304" pitchFamily="18" charset="0"/>
-              </a:rPr>
-              <a:t>nên</a:t>
-            </a:r>
-            <a:r>
-              <a:rPr lang="en-US" dirty="0">
-                <a:latin typeface="Times New Roman" panose="02020603050405020304" pitchFamily="18" charset="0"/>
-                <a:ea typeface="Tahoma" panose="020B0604030504040204" pitchFamily="34" charset="0"/>
-                <a:cs typeface="Times New Roman" panose="02020603050405020304" pitchFamily="18" charset="0"/>
-              </a:rPr>
-              <a:t> </a:t>
-            </a:r>
-            <a:r>
-              <a:rPr lang="en-US" dirty="0" err="1">
-                <a:latin typeface="Times New Roman" panose="02020603050405020304" pitchFamily="18" charset="0"/>
-                <a:ea typeface="Tahoma" panose="020B0604030504040204" pitchFamily="34" charset="0"/>
-                <a:cs typeface="Times New Roman" panose="02020603050405020304" pitchFamily="18" charset="0"/>
-              </a:rPr>
-              <a:t>một</a:t>
-            </a:r>
-            <a:r>
-              <a:rPr lang="en-US" dirty="0">
-                <a:latin typeface="Times New Roman" panose="02020603050405020304" pitchFamily="18" charset="0"/>
-                <a:ea typeface="Tahoma" panose="020B0604030504040204" pitchFamily="34" charset="0"/>
-                <a:cs typeface="Times New Roman" panose="02020603050405020304" pitchFamily="18" charset="0"/>
-              </a:rPr>
-              <a:t> </a:t>
-            </a:r>
-            <a:r>
-              <a:rPr lang="en-US" dirty="0" err="1">
-                <a:latin typeface="Times New Roman" panose="02020603050405020304" pitchFamily="18" charset="0"/>
-                <a:ea typeface="Tahoma" panose="020B0604030504040204" pitchFamily="34" charset="0"/>
-                <a:cs typeface="Times New Roman" panose="02020603050405020304" pitchFamily="18" charset="0"/>
-              </a:rPr>
-              <a:t>phương</a:t>
-            </a:r>
-            <a:r>
-              <a:rPr lang="en-US" dirty="0">
-                <a:latin typeface="Times New Roman" panose="02020603050405020304" pitchFamily="18" charset="0"/>
-                <a:ea typeface="Tahoma" panose="020B0604030504040204" pitchFamily="34" charset="0"/>
-                <a:cs typeface="Times New Roman" panose="02020603050405020304" pitchFamily="18" charset="0"/>
-              </a:rPr>
-              <a:t> </a:t>
-            </a:r>
-            <a:r>
-              <a:rPr lang="en-US" dirty="0" err="1">
-                <a:latin typeface="Times New Roman" panose="02020603050405020304" pitchFamily="18" charset="0"/>
-                <a:ea typeface="Tahoma" panose="020B0604030504040204" pitchFamily="34" charset="0"/>
-                <a:cs typeface="Times New Roman" panose="02020603050405020304" pitchFamily="18" charset="0"/>
-              </a:rPr>
-              <a:t>pháp</a:t>
-            </a:r>
-            <a:r>
-              <a:rPr lang="en-US" dirty="0">
-                <a:latin typeface="Times New Roman" panose="02020603050405020304" pitchFamily="18" charset="0"/>
-                <a:ea typeface="Tahoma" panose="020B0604030504040204" pitchFamily="34" charset="0"/>
-                <a:cs typeface="Times New Roman" panose="02020603050405020304" pitchFamily="18" charset="0"/>
-              </a:rPr>
-              <a:t> </a:t>
-            </a:r>
-            <a:r>
-              <a:rPr lang="en-US" dirty="0" err="1">
-                <a:latin typeface="Times New Roman" panose="02020603050405020304" pitchFamily="18" charset="0"/>
-                <a:ea typeface="Tahoma" panose="020B0604030504040204" pitchFamily="34" charset="0"/>
-                <a:cs typeface="Times New Roman" panose="02020603050405020304" pitchFamily="18" charset="0"/>
-              </a:rPr>
-              <a:t>đo</a:t>
-            </a:r>
-            <a:r>
-              <a:rPr lang="en-US" dirty="0">
-                <a:latin typeface="Times New Roman" panose="02020603050405020304" pitchFamily="18" charset="0"/>
-                <a:ea typeface="Tahoma" panose="020B0604030504040204" pitchFamily="34" charset="0"/>
-                <a:cs typeface="Times New Roman" panose="02020603050405020304" pitchFamily="18" charset="0"/>
-              </a:rPr>
-              <a:t> </a:t>
-            </a:r>
-            <a:r>
-              <a:rPr lang="en-US" dirty="0" err="1">
-                <a:latin typeface="Times New Roman" panose="02020603050405020304" pitchFamily="18" charset="0"/>
-                <a:ea typeface="Tahoma" panose="020B0604030504040204" pitchFamily="34" charset="0"/>
-                <a:cs typeface="Times New Roman" panose="02020603050405020304" pitchFamily="18" charset="0"/>
-              </a:rPr>
-              <a:t>đạc</a:t>
-            </a:r>
-            <a:r>
-              <a:rPr lang="en-US" dirty="0">
-                <a:latin typeface="Times New Roman" panose="02020603050405020304" pitchFamily="18" charset="0"/>
-                <a:ea typeface="Tahoma" panose="020B0604030504040204" pitchFamily="34" charset="0"/>
-                <a:cs typeface="Times New Roman" panose="02020603050405020304" pitchFamily="18" charset="0"/>
-              </a:rPr>
-              <a:t> </a:t>
-            </a:r>
-            <a:r>
-              <a:rPr lang="en-US" dirty="0" err="1">
-                <a:latin typeface="Times New Roman" panose="02020603050405020304" pitchFamily="18" charset="0"/>
-                <a:ea typeface="Tahoma" panose="020B0604030504040204" pitchFamily="34" charset="0"/>
-                <a:cs typeface="Times New Roman" panose="02020603050405020304" pitchFamily="18" charset="0"/>
-              </a:rPr>
-              <a:t>thống</a:t>
-            </a:r>
-            <a:r>
-              <a:rPr lang="en-US" dirty="0">
-                <a:latin typeface="Times New Roman" panose="02020603050405020304" pitchFamily="18" charset="0"/>
-                <a:ea typeface="Tahoma" panose="020B0604030504040204" pitchFamily="34" charset="0"/>
-                <a:cs typeface="Times New Roman" panose="02020603050405020304" pitchFamily="18" charset="0"/>
-              </a:rPr>
-              <a:t> </a:t>
-            </a:r>
-            <a:r>
-              <a:rPr lang="en-US" dirty="0" err="1">
-                <a:latin typeface="Times New Roman" panose="02020603050405020304" pitchFamily="18" charset="0"/>
-                <a:ea typeface="Tahoma" panose="020B0604030504040204" pitchFamily="34" charset="0"/>
-                <a:cs typeface="Times New Roman" panose="02020603050405020304" pitchFamily="18" charset="0"/>
-              </a:rPr>
-              <a:t>nhất</a:t>
-            </a:r>
-            <a:r>
-              <a:rPr lang="en-US" dirty="0">
-                <a:latin typeface="Times New Roman" panose="02020603050405020304" pitchFamily="18" charset="0"/>
-                <a:ea typeface="Tahoma" panose="020B0604030504040204" pitchFamily="34" charset="0"/>
-                <a:cs typeface="Times New Roman" panose="02020603050405020304" pitchFamily="18" charset="0"/>
-              </a:rPr>
-              <a:t> </a:t>
-            </a:r>
-            <a:r>
-              <a:rPr lang="en-US" dirty="0" err="1">
-                <a:latin typeface="Times New Roman" panose="02020603050405020304" pitchFamily="18" charset="0"/>
-                <a:ea typeface="Tahoma" panose="020B0604030504040204" pitchFamily="34" charset="0"/>
-                <a:cs typeface="Times New Roman" panose="02020603050405020304" pitchFamily="18" charset="0"/>
-              </a:rPr>
-              <a:t>giữa</a:t>
-            </a:r>
-            <a:r>
-              <a:rPr lang="en-US" dirty="0">
-                <a:latin typeface="Times New Roman" panose="02020603050405020304" pitchFamily="18" charset="0"/>
-                <a:ea typeface="Tahoma" panose="020B0604030504040204" pitchFamily="34" charset="0"/>
-                <a:cs typeface="Times New Roman" panose="02020603050405020304" pitchFamily="18" charset="0"/>
-              </a:rPr>
-              <a:t> </a:t>
-            </a:r>
-            <a:r>
-              <a:rPr lang="en-US" dirty="0" err="1">
-                <a:latin typeface="Times New Roman" panose="02020603050405020304" pitchFamily="18" charset="0"/>
-                <a:ea typeface="Tahoma" panose="020B0604030504040204" pitchFamily="34" charset="0"/>
-                <a:cs typeface="Times New Roman" panose="02020603050405020304" pitchFamily="18" charset="0"/>
-              </a:rPr>
-              <a:t>các</a:t>
-            </a:r>
-            <a:r>
-              <a:rPr lang="en-US" dirty="0">
-                <a:latin typeface="Times New Roman" panose="02020603050405020304" pitchFamily="18" charset="0"/>
-                <a:ea typeface="Tahoma" panose="020B0604030504040204" pitchFamily="34" charset="0"/>
-                <a:cs typeface="Times New Roman" panose="02020603050405020304" pitchFamily="18" charset="0"/>
-              </a:rPr>
-              <a:t> </a:t>
-            </a:r>
-            <a:r>
-              <a:rPr lang="en-US" dirty="0" err="1">
-                <a:latin typeface="Times New Roman" panose="02020603050405020304" pitchFamily="18" charset="0"/>
-                <a:ea typeface="Tahoma" panose="020B0604030504040204" pitchFamily="34" charset="0"/>
-                <a:cs typeface="Times New Roman" panose="02020603050405020304" pitchFamily="18" charset="0"/>
-              </a:rPr>
-              <a:t>tổ</a:t>
-            </a:r>
-            <a:r>
-              <a:rPr lang="en-US" dirty="0">
-                <a:latin typeface="Times New Roman" panose="02020603050405020304" pitchFamily="18" charset="0"/>
-                <a:ea typeface="Tahoma" panose="020B0604030504040204" pitchFamily="34" charset="0"/>
-                <a:cs typeface="Times New Roman" panose="02020603050405020304" pitchFamily="18" charset="0"/>
-              </a:rPr>
-              <a:t> </a:t>
-            </a:r>
-            <a:r>
-              <a:rPr lang="en-US" dirty="0" err="1">
-                <a:latin typeface="Times New Roman" panose="02020603050405020304" pitchFamily="18" charset="0"/>
-                <a:ea typeface="Tahoma" panose="020B0604030504040204" pitchFamily="34" charset="0"/>
-                <a:cs typeface="Times New Roman" panose="02020603050405020304" pitchFamily="18" charset="0"/>
-              </a:rPr>
-              <a:t>chức</a:t>
-            </a:r>
-            <a:endParaRPr lang="en-US" dirty="0">
-              <a:latin typeface="Times New Roman" panose="02020603050405020304" pitchFamily="18" charset="0"/>
-              <a:ea typeface="Tahoma" panose="020B0604030504040204" pitchFamily="34" charset="0"/>
-              <a:cs typeface="Times New Roman" panose="02020603050405020304" pitchFamily="18" charset="0"/>
-            </a:endParaRPr>
-          </a:p>
-          <a:p>
-            <a:pPr marL="0" indent="0">
-              <a:buNone/>
-            </a:pPr>
-            <a:endParaRPr lang="en-US" dirty="0">
-              <a:latin typeface="Times New Roman" panose="02020603050405020304" pitchFamily="18" charset="0"/>
-              <a:cs typeface="Times New Roman" panose="02020603050405020304" pitchFamily="18" charset="0"/>
-            </a:endParaRPr>
-          </a:p>
-        </p:txBody>
-      </p:sp>
-    </p:spTree>
-    <p:extLst>
-      <p:ext uri="{BB962C8B-B14F-4D97-AF65-F5344CB8AC3E}">
-        <p14:creationId xmlns:p14="http://schemas.microsoft.com/office/powerpoint/2010/main" val="1041387167"/>
       </p:ext>
     </p:extLst>
   </p:cSld>
@@ -38587,7 +38187,7 @@
           <p:cNvPr id="2" name="Title 1">
             <a:extLst>
               <a:ext uri="{FF2B5EF4-FFF2-40B4-BE49-F238E27FC236}">
-                <a16:creationId xmlns:a16="http://schemas.microsoft.com/office/drawing/2014/main" id="{5FB44F7C-EE30-461E-87EA-07517ED03BB7}"/>
+                <a16:creationId xmlns:a16="http://schemas.microsoft.com/office/drawing/2014/main" id="{B90CC7E3-ADC5-4377-9D5E-FF3A04DC9179}"/>
               </a:ext>
             </a:extLst>
           </p:cNvPr>
@@ -38618,7 +38218,7 @@
                 <a:latin typeface="Times New Roman" panose="02020603050405020304" pitchFamily="18" charset="0"/>
                 <a:cs typeface="Times New Roman" panose="02020603050405020304" pitchFamily="18" charset="0"/>
               </a:rPr>
-              <a:t>Lợi</a:t>
+              <a:t>Mục</a:t>
             </a:r>
             <a:r>
               <a:rPr lang="en-US" dirty="0">
@@ -38638,7 +38238,7 @@
                 <a:latin typeface="Times New Roman" panose="02020603050405020304" pitchFamily="18" charset="0"/>
                 <a:cs typeface="Times New Roman" panose="02020603050405020304" pitchFamily="18" charset="0"/>
               </a:rPr>
-              <a:t>Ích</a:t>
+              <a:t>Tiêu</a:t>
             </a:r>
             <a:endParaRPr lang="en-US" dirty="0">
               <a:solidFill>
@@ -38655,7 +38255,7 @@
           <p:cNvPr id="7" name="Content Placeholder 6">
             <a:extLst>
               <a:ext uri="{FF2B5EF4-FFF2-40B4-BE49-F238E27FC236}">
-                <a16:creationId xmlns:a16="http://schemas.microsoft.com/office/drawing/2014/main" id="{A8AC1832-4636-4F25-ACDE-7F6344A37D91}"/>
+                <a16:creationId xmlns:a16="http://schemas.microsoft.com/office/drawing/2014/main" id="{0805C246-B3B7-4ED0-BEE4-DEA1D87335AE}"/>
               </a:ext>
             </a:extLst>
           </p:cNvPr>
@@ -38668,71 +38268,64 @@
         </p:nvSpPr>
         <p:spPr>
           <a:xfrm>
-            <a:off x="1295401" y="2448899"/>
-            <a:ext cx="9601196" cy="3760724"/>
+            <a:off x="1295401" y="2946011"/>
+            <a:ext cx="9601196" cy="3263612"/>
           </a:xfrm>
         </p:spPr>
         <p:txBody>
           <a:bodyPr>
-            <a:noAutofit/>
+            <a:normAutofit/>
           </a:bodyPr>
           <a:lstStyle/>
           <a:p>
-            <a:endParaRPr lang="en-US" dirty="0">
-              <a:latin typeface="Times New Roman" panose="02020603050405020304" pitchFamily="18" charset="0"/>
-              <a:cs typeface="Times New Roman" panose="02020603050405020304" pitchFamily="18" charset="0"/>
-            </a:endParaRPr>
-          </a:p>
-          <a:p>
-            <a:pPr lvl="0"/>
-            <a:r>
-              <a:rPr lang="en-US" dirty="0" err="1">
-                <a:latin typeface="Times New Roman" panose="02020603050405020304" pitchFamily="18" charset="0"/>
-                <a:cs typeface="Times New Roman" panose="02020603050405020304" pitchFamily="18" charset="0"/>
-              </a:rPr>
-              <a:t>Khả</a:t>
-            </a:r>
-            <a:r>
-              <a:rPr lang="en-US" dirty="0">
-                <a:latin typeface="Times New Roman" panose="02020603050405020304" pitchFamily="18" charset="0"/>
-                <a:cs typeface="Times New Roman" panose="02020603050405020304" pitchFamily="18" charset="0"/>
-              </a:rPr>
-              <a:t> </a:t>
-            </a:r>
-            <a:r>
-              <a:rPr lang="en-US" dirty="0" err="1">
-                <a:latin typeface="Times New Roman" panose="02020603050405020304" pitchFamily="18" charset="0"/>
-                <a:cs typeface="Times New Roman" panose="02020603050405020304" pitchFamily="18" charset="0"/>
-              </a:rPr>
-              <a:t>năng</a:t>
-            </a:r>
-            <a:r>
-              <a:rPr lang="en-US" dirty="0">
-                <a:latin typeface="Times New Roman" panose="02020603050405020304" pitchFamily="18" charset="0"/>
-                <a:cs typeface="Times New Roman" panose="02020603050405020304" pitchFamily="18" charset="0"/>
-              </a:rPr>
-              <a:t> </a:t>
-            </a:r>
-            <a:r>
-              <a:rPr lang="en-US" dirty="0" err="1">
-                <a:latin typeface="Times New Roman" panose="02020603050405020304" pitchFamily="18" charset="0"/>
-                <a:cs typeface="Times New Roman" panose="02020603050405020304" pitchFamily="18" charset="0"/>
-              </a:rPr>
-              <a:t>ước</a:t>
-            </a:r>
-            <a:r>
-              <a:rPr lang="en-US" dirty="0">
-                <a:latin typeface="Times New Roman" panose="02020603050405020304" pitchFamily="18" charset="0"/>
-                <a:cs typeface="Times New Roman" panose="02020603050405020304" pitchFamily="18" charset="0"/>
-              </a:rPr>
-              <a:t> </a:t>
-            </a:r>
-            <a:r>
-              <a:rPr lang="en-US" dirty="0" err="1">
-                <a:latin typeface="Times New Roman" panose="02020603050405020304" pitchFamily="18" charset="0"/>
-                <a:cs typeface="Times New Roman" panose="02020603050405020304" pitchFamily="18" charset="0"/>
-              </a:rPr>
-              <a:t>tính</a:t>
+            <a:r>
+              <a:rPr lang="en-US" dirty="0" err="1">
+                <a:latin typeface="Times New Roman" panose="02020603050405020304" pitchFamily="18" charset="0"/>
+                <a:cs typeface="Times New Roman" panose="02020603050405020304" pitchFamily="18" charset="0"/>
+              </a:rPr>
+              <a:t>Có</a:t>
+            </a:r>
+            <a:r>
+              <a:rPr lang="en-US" dirty="0">
+                <a:latin typeface="Times New Roman" panose="02020603050405020304" pitchFamily="18" charset="0"/>
+                <a:cs typeface="Times New Roman" panose="02020603050405020304" pitchFamily="18" charset="0"/>
+              </a:rPr>
+              <a:t> </a:t>
+            </a:r>
+            <a:r>
+              <a:rPr lang="en-US" dirty="0" err="1">
+                <a:latin typeface="Times New Roman" panose="02020603050405020304" pitchFamily="18" charset="0"/>
+                <a:cs typeface="Times New Roman" panose="02020603050405020304" pitchFamily="18" charset="0"/>
+              </a:rPr>
+              <a:t>ba</a:t>
+            </a:r>
+            <a:r>
+              <a:rPr lang="en-US" dirty="0">
+                <a:latin typeface="Times New Roman" panose="02020603050405020304" pitchFamily="18" charset="0"/>
+                <a:cs typeface="Times New Roman" panose="02020603050405020304" pitchFamily="18" charset="0"/>
+              </a:rPr>
+              <a:t> </a:t>
+            </a:r>
+            <a:r>
+              <a:rPr lang="en-US" dirty="0" err="1">
+                <a:latin typeface="Times New Roman" panose="02020603050405020304" pitchFamily="18" charset="0"/>
+                <a:cs typeface="Times New Roman" panose="02020603050405020304" pitchFamily="18" charset="0"/>
+              </a:rPr>
+              <a:t>mục</a:t>
+            </a:r>
+            <a:r>
+              <a:rPr lang="en-US" dirty="0">
+                <a:latin typeface="Times New Roman" panose="02020603050405020304" pitchFamily="18" charset="0"/>
+                <a:cs typeface="Times New Roman" panose="02020603050405020304" pitchFamily="18" charset="0"/>
+              </a:rPr>
+              <a:t> </a:t>
+            </a:r>
+            <a:r>
+              <a:rPr lang="en-US" dirty="0" err="1">
+                <a:latin typeface="Times New Roman" panose="02020603050405020304" pitchFamily="18" charset="0"/>
+                <a:cs typeface="Times New Roman" panose="02020603050405020304" pitchFamily="18" charset="0"/>
+              </a:rPr>
+              <a:t>tiêu</a:t>
             </a:r>
             <a:r>
               <a:rPr lang="en-US" dirty="0">
@@ -38760,14 +38353,42 @@
                 <a:latin typeface="Times New Roman" panose="02020603050405020304" pitchFamily="18" charset="0"/>
                 <a:cs typeface="Times New Roman" panose="02020603050405020304" pitchFamily="18" charset="0"/>
               </a:rPr>
-              <a:t>xác</a:t>
-            </a:r>
-            <a:r>
-              <a:rPr lang="en-US" dirty="0">
-                <a:latin typeface="Times New Roman" panose="02020603050405020304" pitchFamily="18" charset="0"/>
-                <a:cs typeface="Times New Roman" panose="02020603050405020304" pitchFamily="18" charset="0"/>
-              </a:rPr>
-              <a:t>: </a:t>
+              <a:t>trong</a:t>
+            </a:r>
+            <a:r>
+              <a:rPr lang="en-US" dirty="0">
+                <a:latin typeface="Times New Roman" panose="02020603050405020304" pitchFamily="18" charset="0"/>
+                <a:cs typeface="Times New Roman" panose="02020603050405020304" pitchFamily="18" charset="0"/>
+              </a:rPr>
+              <a:t> </a:t>
+            </a:r>
+            <a:r>
+              <a:rPr lang="en-US" dirty="0" err="1">
+                <a:latin typeface="Times New Roman" panose="02020603050405020304" pitchFamily="18" charset="0"/>
+                <a:cs typeface="Times New Roman" panose="02020603050405020304" pitchFamily="18" charset="0"/>
+              </a:rPr>
+              <a:t>quá</a:t>
+            </a:r>
+            <a:r>
+              <a:rPr lang="en-US" dirty="0">
+                <a:latin typeface="Times New Roman" panose="02020603050405020304" pitchFamily="18" charset="0"/>
+                <a:cs typeface="Times New Roman" panose="02020603050405020304" pitchFamily="18" charset="0"/>
+              </a:rPr>
+              <a:t> </a:t>
+            </a:r>
+            <a:r>
+              <a:rPr lang="en-US" dirty="0" err="1">
+                <a:latin typeface="Times New Roman" panose="02020603050405020304" pitchFamily="18" charset="0"/>
+                <a:cs typeface="Times New Roman" panose="02020603050405020304" pitchFamily="18" charset="0"/>
+              </a:rPr>
+              <a:t>trình</a:t>
+            </a:r>
+            <a:r>
+              <a:rPr lang="en-US" dirty="0">
+                <a:latin typeface="Times New Roman" panose="02020603050405020304" pitchFamily="18" charset="0"/>
+                <a:cs typeface="Times New Roman" panose="02020603050405020304" pitchFamily="18" charset="0"/>
+              </a:rPr>
+              <a:t> FPA: </a:t>
             </a:r>
           </a:p>
           <a:p>
@@ -38779,49 +38400,259 @@
                 <a:latin typeface="Times New Roman" panose="02020603050405020304" pitchFamily="18" charset="0"/>
                 <a:cs typeface="Times New Roman" panose="02020603050405020304" pitchFamily="18" charset="0"/>
               </a:rPr>
-              <a:t>		1.	Chi </a:t>
-            </a:r>
-            <a:r>
-              <a:rPr lang="en-US" dirty="0" err="1">
-                <a:latin typeface="Times New Roman" panose="02020603050405020304" pitchFamily="18" charset="0"/>
-                <a:cs typeface="Times New Roman" panose="02020603050405020304" pitchFamily="18" charset="0"/>
-              </a:rPr>
-              <a:t>phí</a:t>
-            </a:r>
-            <a:r>
-              <a:rPr lang="en-US" dirty="0">
-                <a:latin typeface="Times New Roman" panose="02020603050405020304" pitchFamily="18" charset="0"/>
-                <a:cs typeface="Times New Roman" panose="02020603050405020304" pitchFamily="18" charset="0"/>
-              </a:rPr>
-              <a:t> </a:t>
-            </a:r>
-            <a:r>
-              <a:rPr lang="en-US" dirty="0" err="1">
-                <a:latin typeface="Times New Roman" panose="02020603050405020304" pitchFamily="18" charset="0"/>
-                <a:cs typeface="Times New Roman" panose="02020603050405020304" pitchFamily="18" charset="0"/>
-              </a:rPr>
-              <a:t>dự</a:t>
-            </a:r>
-            <a:r>
-              <a:rPr lang="en-US" dirty="0">
-                <a:latin typeface="Times New Roman" panose="02020603050405020304" pitchFamily="18" charset="0"/>
-                <a:cs typeface="Times New Roman" panose="02020603050405020304" pitchFamily="18" charset="0"/>
-              </a:rPr>
-              <a:t> </a:t>
-            </a:r>
-            <a:r>
-              <a:rPr lang="en-US" dirty="0" err="1">
-                <a:latin typeface="Times New Roman" panose="02020603050405020304" pitchFamily="18" charset="0"/>
-                <a:cs typeface="Times New Roman" panose="02020603050405020304" pitchFamily="18" charset="0"/>
-              </a:rPr>
-              <a:t>án</a:t>
-            </a:r>
-            <a:r>
-              <a:rPr lang="en-US" dirty="0">
-                <a:latin typeface="Times New Roman" panose="02020603050405020304" pitchFamily="18" charset="0"/>
-                <a:cs typeface="Times New Roman" panose="02020603050405020304" pitchFamily="18" charset="0"/>
-              </a:rPr>
-              <a:t> </a:t>
+              <a:t>			1.	</a:t>
+            </a:r>
+            <a:r>
+              <a:rPr lang="en-US" dirty="0" err="1">
+                <a:latin typeface="Times New Roman" panose="02020603050405020304" pitchFamily="18" charset="0"/>
+                <a:cs typeface="Times New Roman" panose="02020603050405020304" pitchFamily="18" charset="0"/>
+              </a:rPr>
+              <a:t>Tính</a:t>
+            </a:r>
+            <a:r>
+              <a:rPr lang="en-US" dirty="0">
+                <a:latin typeface="Times New Roman" panose="02020603050405020304" pitchFamily="18" charset="0"/>
+                <a:cs typeface="Times New Roman" panose="02020603050405020304" pitchFamily="18" charset="0"/>
+              </a:rPr>
+              <a:t> </a:t>
+            </a:r>
+            <a:r>
+              <a:rPr lang="en-US" dirty="0" err="1">
+                <a:latin typeface="Times New Roman" panose="02020603050405020304" pitchFamily="18" charset="0"/>
+                <a:cs typeface="Times New Roman" panose="02020603050405020304" pitchFamily="18" charset="0"/>
+              </a:rPr>
+              <a:t>toán</a:t>
+            </a:r>
+            <a:r>
+              <a:rPr lang="en-US" dirty="0">
+                <a:latin typeface="Times New Roman" panose="02020603050405020304" pitchFamily="18" charset="0"/>
+                <a:cs typeface="Times New Roman" panose="02020603050405020304" pitchFamily="18" charset="0"/>
+              </a:rPr>
+              <a:t> </a:t>
+            </a:r>
+            <a:r>
+              <a:rPr lang="en-US" dirty="0" err="1">
+                <a:latin typeface="Times New Roman" panose="02020603050405020304" pitchFamily="18" charset="0"/>
+                <a:cs typeface="Times New Roman" panose="02020603050405020304" pitchFamily="18" charset="0"/>
+              </a:rPr>
+              <a:t>số</a:t>
+            </a:r>
+            <a:r>
+              <a:rPr lang="en-US" dirty="0">
+                <a:latin typeface="Times New Roman" panose="02020603050405020304" pitchFamily="18" charset="0"/>
+                <a:cs typeface="Times New Roman" panose="02020603050405020304" pitchFamily="18" charset="0"/>
+              </a:rPr>
+              <a:t> </a:t>
+            </a:r>
+            <a:r>
+              <a:rPr lang="en-US" dirty="0" err="1">
+                <a:latin typeface="Times New Roman" panose="02020603050405020304" pitchFamily="18" charset="0"/>
+                <a:cs typeface="Times New Roman" panose="02020603050405020304" pitchFamily="18" charset="0"/>
+              </a:rPr>
+              <a:t>chức</a:t>
+            </a:r>
+            <a:r>
+              <a:rPr lang="en-US" dirty="0">
+                <a:latin typeface="Times New Roman" panose="02020603050405020304" pitchFamily="18" charset="0"/>
+                <a:cs typeface="Times New Roman" panose="02020603050405020304" pitchFamily="18" charset="0"/>
+              </a:rPr>
+              <a:t> </a:t>
+            </a:r>
+            <a:r>
+              <a:rPr lang="en-US" dirty="0" err="1">
+                <a:latin typeface="Times New Roman" panose="02020603050405020304" pitchFamily="18" charset="0"/>
+                <a:cs typeface="Times New Roman" panose="02020603050405020304" pitchFamily="18" charset="0"/>
+              </a:rPr>
+              <a:t>năng</a:t>
+            </a:r>
+            <a:r>
+              <a:rPr lang="en-US" dirty="0">
+                <a:latin typeface="Times New Roman" panose="02020603050405020304" pitchFamily="18" charset="0"/>
+                <a:cs typeface="Times New Roman" panose="02020603050405020304" pitchFamily="18" charset="0"/>
+              </a:rPr>
+              <a:t> </a:t>
+            </a:r>
+            <a:r>
+              <a:rPr lang="en-US" dirty="0" err="1">
+                <a:latin typeface="Times New Roman" panose="02020603050405020304" pitchFamily="18" charset="0"/>
+                <a:cs typeface="Times New Roman" panose="02020603050405020304" pitchFamily="18" charset="0"/>
+              </a:rPr>
+              <a:t>dựa</a:t>
+            </a:r>
+            <a:r>
+              <a:rPr lang="en-US" dirty="0">
+                <a:latin typeface="Times New Roman" panose="02020603050405020304" pitchFamily="18" charset="0"/>
+                <a:cs typeface="Times New Roman" panose="02020603050405020304" pitchFamily="18" charset="0"/>
+              </a:rPr>
+              <a:t> </a:t>
+            </a:r>
+            <a:r>
+              <a:rPr lang="en-US" dirty="0" err="1">
+                <a:latin typeface="Times New Roman" panose="02020603050405020304" pitchFamily="18" charset="0"/>
+                <a:cs typeface="Times New Roman" panose="02020603050405020304" pitchFamily="18" charset="0"/>
+              </a:rPr>
+              <a:t>trên</a:t>
+            </a:r>
+            <a:r>
+              <a:rPr lang="en-US" dirty="0">
+                <a:latin typeface="Times New Roman" panose="02020603050405020304" pitchFamily="18" charset="0"/>
+                <a:cs typeface="Times New Roman" panose="02020603050405020304" pitchFamily="18" charset="0"/>
+              </a:rPr>
+              <a:t> </a:t>
+            </a:r>
+            <a:r>
+              <a:rPr lang="en-US" dirty="0" err="1">
+                <a:latin typeface="Times New Roman" panose="02020603050405020304" pitchFamily="18" charset="0"/>
+                <a:cs typeface="Times New Roman" panose="02020603050405020304" pitchFamily="18" charset="0"/>
+              </a:rPr>
+              <a:t>góc</a:t>
+            </a:r>
+            <a:r>
+              <a:rPr lang="en-US" dirty="0">
+                <a:latin typeface="Times New Roman" panose="02020603050405020304" pitchFamily="18" charset="0"/>
+                <a:cs typeface="Times New Roman" panose="02020603050405020304" pitchFamily="18" charset="0"/>
+              </a:rPr>
+              <a:t> </a:t>
+            </a:r>
+            <a:r>
+              <a:rPr lang="en-US" dirty="0" err="1">
+                <a:latin typeface="Times New Roman" panose="02020603050405020304" pitchFamily="18" charset="0"/>
+                <a:cs typeface="Times New Roman" panose="02020603050405020304" pitchFamily="18" charset="0"/>
+              </a:rPr>
+              <a:t>nhìn</a:t>
+            </a:r>
+            <a:r>
+              <a:rPr lang="en-US" dirty="0">
+                <a:latin typeface="Times New Roman" panose="02020603050405020304" pitchFamily="18" charset="0"/>
+                <a:cs typeface="Times New Roman" panose="02020603050405020304" pitchFamily="18" charset="0"/>
+              </a:rPr>
+              <a:t> </a:t>
+            </a:r>
+            <a:r>
+              <a:rPr lang="en-US" dirty="0" err="1">
+                <a:latin typeface="Times New Roman" panose="02020603050405020304" pitchFamily="18" charset="0"/>
+                <a:cs typeface="Times New Roman" panose="02020603050405020304" pitchFamily="18" charset="0"/>
+              </a:rPr>
+              <a:t>từ</a:t>
+            </a:r>
+            <a:r>
+              <a:rPr lang="en-US" dirty="0">
+                <a:latin typeface="Times New Roman" panose="02020603050405020304" pitchFamily="18" charset="0"/>
+                <a:cs typeface="Times New Roman" panose="02020603050405020304" pitchFamily="18" charset="0"/>
+              </a:rPr>
+              <a:t> </a:t>
+            </a:r>
+            <a:r>
+              <a:rPr lang="en-US" dirty="0" err="1">
+                <a:latin typeface="Times New Roman" panose="02020603050405020304" pitchFamily="18" charset="0"/>
+                <a:cs typeface="Times New Roman" panose="02020603050405020304" pitchFamily="18" charset="0"/>
+              </a:rPr>
+              <a:t>phái</a:t>
+            </a:r>
+            <a:r>
+              <a:rPr lang="en-US" dirty="0">
+                <a:latin typeface="Times New Roman" panose="02020603050405020304" pitchFamily="18" charset="0"/>
+                <a:cs typeface="Times New Roman" panose="02020603050405020304" pitchFamily="18" charset="0"/>
+              </a:rPr>
+              <a:t> end-users </a:t>
+            </a:r>
+            <a:r>
+              <a:rPr lang="en-US" dirty="0" err="1">
+                <a:latin typeface="Times New Roman" panose="02020603050405020304" pitchFamily="18" charset="0"/>
+                <a:cs typeface="Times New Roman" panose="02020603050405020304" pitchFamily="18" charset="0"/>
+              </a:rPr>
+              <a:t>về</a:t>
+            </a:r>
+            <a:r>
+              <a:rPr lang="en-US" dirty="0">
+                <a:latin typeface="Times New Roman" panose="02020603050405020304" pitchFamily="18" charset="0"/>
+                <a:cs typeface="Times New Roman" panose="02020603050405020304" pitchFamily="18" charset="0"/>
+              </a:rPr>
+              <a:t> </a:t>
+            </a:r>
+            <a:r>
+              <a:rPr lang="en-US" dirty="0" err="1">
+                <a:latin typeface="Times New Roman" panose="02020603050405020304" pitchFamily="18" charset="0"/>
+                <a:cs typeface="Times New Roman" panose="02020603050405020304" pitchFamily="18" charset="0"/>
+              </a:rPr>
+              <a:t>các</a:t>
+            </a:r>
+            <a:r>
+              <a:rPr lang="en-US" dirty="0">
+                <a:latin typeface="Times New Roman" panose="02020603050405020304" pitchFamily="18" charset="0"/>
+                <a:cs typeface="Times New Roman" panose="02020603050405020304" pitchFamily="18" charset="0"/>
+              </a:rPr>
+              <a:t> </a:t>
+            </a:r>
+            <a:r>
+              <a:rPr lang="en-US" dirty="0" err="1">
+                <a:latin typeface="Times New Roman" panose="02020603050405020304" pitchFamily="18" charset="0"/>
+                <a:cs typeface="Times New Roman" panose="02020603050405020304" pitchFamily="18" charset="0"/>
+              </a:rPr>
+              <a:t>chức</a:t>
+            </a:r>
+            <a:r>
+              <a:rPr lang="en-US" dirty="0">
+                <a:latin typeface="Times New Roman" panose="02020603050405020304" pitchFamily="18" charset="0"/>
+                <a:cs typeface="Times New Roman" panose="02020603050405020304" pitchFamily="18" charset="0"/>
+              </a:rPr>
+              <a:t> </a:t>
+            </a:r>
+            <a:r>
+              <a:rPr lang="en-US" dirty="0" err="1">
+                <a:latin typeface="Times New Roman" panose="02020603050405020304" pitchFamily="18" charset="0"/>
+                <a:cs typeface="Times New Roman" panose="02020603050405020304" pitchFamily="18" charset="0"/>
+              </a:rPr>
+              <a:t>năng</a:t>
+            </a:r>
+            <a:r>
+              <a:rPr lang="en-US" dirty="0">
+                <a:latin typeface="Times New Roman" panose="02020603050405020304" pitchFamily="18" charset="0"/>
+                <a:cs typeface="Times New Roman" panose="02020603050405020304" pitchFamily="18" charset="0"/>
+              </a:rPr>
+              <a:t> </a:t>
+            </a:r>
+            <a:r>
+              <a:rPr lang="en-US" dirty="0" err="1">
+                <a:latin typeface="Times New Roman" panose="02020603050405020304" pitchFamily="18" charset="0"/>
+                <a:cs typeface="Times New Roman" panose="02020603050405020304" pitchFamily="18" charset="0"/>
+              </a:rPr>
+              <a:t>của</a:t>
+            </a:r>
+            <a:r>
+              <a:rPr lang="en-US" dirty="0">
+                <a:latin typeface="Times New Roman" panose="02020603050405020304" pitchFamily="18" charset="0"/>
+                <a:cs typeface="Times New Roman" panose="02020603050405020304" pitchFamily="18" charset="0"/>
+              </a:rPr>
+              <a:t> </a:t>
+            </a:r>
+            <a:r>
+              <a:rPr lang="en-US" dirty="0" err="1">
+                <a:latin typeface="Times New Roman" panose="02020603050405020304" pitchFamily="18" charset="0"/>
+                <a:cs typeface="Times New Roman" panose="02020603050405020304" pitchFamily="18" charset="0"/>
+              </a:rPr>
+              <a:t>hệ</a:t>
+            </a:r>
+            <a:r>
+              <a:rPr lang="en-US" dirty="0">
+                <a:latin typeface="Times New Roman" panose="02020603050405020304" pitchFamily="18" charset="0"/>
+                <a:cs typeface="Times New Roman" panose="02020603050405020304" pitchFamily="18" charset="0"/>
+              </a:rPr>
+              <a:t> </a:t>
+            </a:r>
+            <a:r>
+              <a:rPr lang="en-US" dirty="0" err="1">
+                <a:latin typeface="Times New Roman" panose="02020603050405020304" pitchFamily="18" charset="0"/>
+                <a:cs typeface="Times New Roman" panose="02020603050405020304" pitchFamily="18" charset="0"/>
+              </a:rPr>
+              <a:t>thống</a:t>
+            </a:r>
+            <a:r>
+              <a:rPr lang="en-US" dirty="0">
+                <a:latin typeface="Times New Roman" panose="02020603050405020304" pitchFamily="18" charset="0"/>
+                <a:cs typeface="Times New Roman" panose="02020603050405020304" pitchFamily="18" charset="0"/>
+              </a:rPr>
+              <a:t>.</a:t>
             </a:r>
           </a:p>
           <a:p>
@@ -38833,91 +38664,189 @@
                 <a:latin typeface="Times New Roman" panose="02020603050405020304" pitchFamily="18" charset="0"/>
                 <a:cs typeface="Times New Roman" panose="02020603050405020304" pitchFamily="18" charset="0"/>
               </a:rPr>
-              <a:t>		2.	</a:t>
-            </a:r>
-            <a:r>
-              <a:rPr lang="en-US" dirty="0" err="1">
-                <a:latin typeface="Times New Roman" panose="02020603050405020304" pitchFamily="18" charset="0"/>
-                <a:cs typeface="Times New Roman" panose="02020603050405020304" pitchFamily="18" charset="0"/>
-              </a:rPr>
-              <a:t>Thời</a:t>
-            </a:r>
-            <a:r>
-              <a:rPr lang="en-US" dirty="0">
-                <a:latin typeface="Times New Roman" panose="02020603050405020304" pitchFamily="18" charset="0"/>
-                <a:cs typeface="Times New Roman" panose="02020603050405020304" pitchFamily="18" charset="0"/>
-              </a:rPr>
-              <a:t> </a:t>
-            </a:r>
-            <a:r>
-              <a:rPr lang="en-US" dirty="0" err="1">
-                <a:latin typeface="Times New Roman" panose="02020603050405020304" pitchFamily="18" charset="0"/>
-                <a:cs typeface="Times New Roman" panose="02020603050405020304" pitchFamily="18" charset="0"/>
-              </a:rPr>
-              <a:t>gian</a:t>
-            </a:r>
-            <a:r>
-              <a:rPr lang="en-US" dirty="0">
-                <a:latin typeface="Times New Roman" panose="02020603050405020304" pitchFamily="18" charset="0"/>
-                <a:cs typeface="Times New Roman" panose="02020603050405020304" pitchFamily="18" charset="0"/>
-              </a:rPr>
-              <a:t> </a:t>
-            </a:r>
-            <a:r>
-              <a:rPr lang="en-US" dirty="0" err="1">
-                <a:latin typeface="Times New Roman" panose="02020603050405020304" pitchFamily="18" charset="0"/>
-                <a:cs typeface="Times New Roman" panose="02020603050405020304" pitchFamily="18" charset="0"/>
-              </a:rPr>
-              <a:t>thực</a:t>
-            </a:r>
-            <a:r>
-              <a:rPr lang="en-US" dirty="0">
-                <a:latin typeface="Times New Roman" panose="02020603050405020304" pitchFamily="18" charset="0"/>
-                <a:cs typeface="Times New Roman" panose="02020603050405020304" pitchFamily="18" charset="0"/>
-              </a:rPr>
-              <a:t> </a:t>
-            </a:r>
-            <a:r>
-              <a:rPr lang="en-US" dirty="0" err="1">
-                <a:latin typeface="Times New Roman" panose="02020603050405020304" pitchFamily="18" charset="0"/>
-                <a:cs typeface="Times New Roman" panose="02020603050405020304" pitchFamily="18" charset="0"/>
-              </a:rPr>
-              <a:t>hiện</a:t>
-            </a:r>
-            <a:r>
-              <a:rPr lang="en-US" dirty="0">
-                <a:latin typeface="Times New Roman" panose="02020603050405020304" pitchFamily="18" charset="0"/>
-                <a:cs typeface="Times New Roman" panose="02020603050405020304" pitchFamily="18" charset="0"/>
-              </a:rPr>
-              <a:t> </a:t>
-            </a:r>
-            <a:r>
-              <a:rPr lang="en-US" dirty="0" err="1">
-                <a:latin typeface="Times New Roman" panose="02020603050405020304" pitchFamily="18" charset="0"/>
-                <a:cs typeface="Times New Roman" panose="02020603050405020304" pitchFamily="18" charset="0"/>
-              </a:rPr>
-              <a:t>dự</a:t>
-            </a:r>
-            <a:r>
-              <a:rPr lang="en-US" dirty="0">
-                <a:latin typeface="Times New Roman" panose="02020603050405020304" pitchFamily="18" charset="0"/>
-                <a:cs typeface="Times New Roman" panose="02020603050405020304" pitchFamily="18" charset="0"/>
-              </a:rPr>
-              <a:t> </a:t>
-            </a:r>
-            <a:r>
-              <a:rPr lang="en-US" dirty="0" err="1">
-                <a:latin typeface="Times New Roman" panose="02020603050405020304" pitchFamily="18" charset="0"/>
-                <a:cs typeface="Times New Roman" panose="02020603050405020304" pitchFamily="18" charset="0"/>
-              </a:rPr>
-              <a:t>án</a:t>
-            </a:r>
-            <a:r>
-              <a:rPr lang="en-US" dirty="0">
-                <a:latin typeface="Times New Roman" panose="02020603050405020304" pitchFamily="18" charset="0"/>
-                <a:cs typeface="Times New Roman" panose="02020603050405020304" pitchFamily="18" charset="0"/>
-              </a:rPr>
-              <a:t> </a:t>
+              <a:t>			2.	</a:t>
+            </a:r>
+            <a:r>
+              <a:rPr lang="en-US" dirty="0" err="1">
+                <a:latin typeface="Times New Roman" panose="02020603050405020304" pitchFamily="18" charset="0"/>
+                <a:cs typeface="Times New Roman" panose="02020603050405020304" pitchFamily="18" charset="0"/>
+              </a:rPr>
+              <a:t>Giảm</a:t>
+            </a:r>
+            <a:r>
+              <a:rPr lang="en-US" dirty="0">
+                <a:latin typeface="Times New Roman" panose="02020603050405020304" pitchFamily="18" charset="0"/>
+                <a:cs typeface="Times New Roman" panose="02020603050405020304" pitchFamily="18" charset="0"/>
+              </a:rPr>
+              <a:t> </a:t>
+            </a:r>
+            <a:r>
+              <a:rPr lang="en-US" dirty="0" err="1">
+                <a:latin typeface="Times New Roman" panose="02020603050405020304" pitchFamily="18" charset="0"/>
+                <a:cs typeface="Times New Roman" panose="02020603050405020304" pitchFamily="18" charset="0"/>
+              </a:rPr>
+              <a:t>thiểu</a:t>
+            </a:r>
+            <a:r>
+              <a:rPr lang="en-US" dirty="0">
+                <a:latin typeface="Times New Roman" panose="02020603050405020304" pitchFamily="18" charset="0"/>
+                <a:cs typeface="Times New Roman" panose="02020603050405020304" pitchFamily="18" charset="0"/>
+              </a:rPr>
+              <a:t> </a:t>
+            </a:r>
+            <a:r>
+              <a:rPr lang="en-US" dirty="0" err="1">
+                <a:latin typeface="Times New Roman" panose="02020603050405020304" pitchFamily="18" charset="0"/>
+                <a:cs typeface="Times New Roman" panose="02020603050405020304" pitchFamily="18" charset="0"/>
+              </a:rPr>
+              <a:t>hóa</a:t>
+            </a:r>
+            <a:r>
+              <a:rPr lang="en-US" dirty="0">
+                <a:latin typeface="Times New Roman" panose="02020603050405020304" pitchFamily="18" charset="0"/>
+                <a:cs typeface="Times New Roman" panose="02020603050405020304" pitchFamily="18" charset="0"/>
+              </a:rPr>
+              <a:t> </a:t>
+            </a:r>
+            <a:r>
+              <a:rPr lang="en-US" dirty="0" err="1">
+                <a:latin typeface="Times New Roman" panose="02020603050405020304" pitchFamily="18" charset="0"/>
+                <a:cs typeface="Times New Roman" panose="02020603050405020304" pitchFamily="18" charset="0"/>
+              </a:rPr>
+              <a:t>công</a:t>
+            </a:r>
+            <a:r>
+              <a:rPr lang="en-US" dirty="0">
+                <a:latin typeface="Times New Roman" panose="02020603050405020304" pitchFamily="18" charset="0"/>
+                <a:cs typeface="Times New Roman" panose="02020603050405020304" pitchFamily="18" charset="0"/>
+              </a:rPr>
+              <a:t> </a:t>
+            </a:r>
+            <a:r>
+              <a:rPr lang="en-US" dirty="0" err="1">
+                <a:latin typeface="Times New Roman" panose="02020603050405020304" pitchFamily="18" charset="0"/>
+                <a:cs typeface="Times New Roman" panose="02020603050405020304" pitchFamily="18" charset="0"/>
+              </a:rPr>
+              <a:t>sức</a:t>
+            </a:r>
+            <a:r>
+              <a:rPr lang="en-US" dirty="0">
+                <a:latin typeface="Times New Roman" panose="02020603050405020304" pitchFamily="18" charset="0"/>
+                <a:cs typeface="Times New Roman" panose="02020603050405020304" pitchFamily="18" charset="0"/>
+              </a:rPr>
+              <a:t>, chi </a:t>
+            </a:r>
+            <a:r>
+              <a:rPr lang="en-US" dirty="0" err="1">
+                <a:latin typeface="Times New Roman" panose="02020603050405020304" pitchFamily="18" charset="0"/>
+                <a:cs typeface="Times New Roman" panose="02020603050405020304" pitchFamily="18" charset="0"/>
+              </a:rPr>
+              <a:t>phí</a:t>
+            </a:r>
+            <a:r>
+              <a:rPr lang="en-US" dirty="0">
+                <a:latin typeface="Times New Roman" panose="02020603050405020304" pitchFamily="18" charset="0"/>
+                <a:cs typeface="Times New Roman" panose="02020603050405020304" pitchFamily="18" charset="0"/>
+              </a:rPr>
+              <a:t> </a:t>
+            </a:r>
+            <a:r>
+              <a:rPr lang="en-US" dirty="0" err="1">
+                <a:latin typeface="Times New Roman" panose="02020603050405020304" pitchFamily="18" charset="0"/>
+                <a:cs typeface="Times New Roman" panose="02020603050405020304" pitchFamily="18" charset="0"/>
+              </a:rPr>
+              <a:t>dùng</a:t>
+            </a:r>
+            <a:r>
+              <a:rPr lang="en-US" dirty="0">
+                <a:latin typeface="Times New Roman" panose="02020603050405020304" pitchFamily="18" charset="0"/>
+                <a:cs typeface="Times New Roman" panose="02020603050405020304" pitchFamily="18" charset="0"/>
+              </a:rPr>
+              <a:t> </a:t>
+            </a:r>
+            <a:r>
+              <a:rPr lang="en-US" dirty="0" err="1">
+                <a:latin typeface="Times New Roman" panose="02020603050405020304" pitchFamily="18" charset="0"/>
+                <a:cs typeface="Times New Roman" panose="02020603050405020304" pitchFamily="18" charset="0"/>
+              </a:rPr>
+              <a:t>cho</a:t>
+            </a:r>
+            <a:r>
+              <a:rPr lang="en-US" dirty="0">
+                <a:latin typeface="Times New Roman" panose="02020603050405020304" pitchFamily="18" charset="0"/>
+                <a:cs typeface="Times New Roman" panose="02020603050405020304" pitchFamily="18" charset="0"/>
+              </a:rPr>
+              <a:t> </a:t>
+            </a:r>
+            <a:r>
+              <a:rPr lang="en-US" dirty="0" err="1">
+                <a:latin typeface="Times New Roman" panose="02020603050405020304" pitchFamily="18" charset="0"/>
+                <a:cs typeface="Times New Roman" panose="02020603050405020304" pitchFamily="18" charset="0"/>
+              </a:rPr>
+              <a:t>việc</a:t>
+            </a:r>
+            <a:r>
+              <a:rPr lang="en-US" dirty="0">
+                <a:latin typeface="Times New Roman" panose="02020603050405020304" pitchFamily="18" charset="0"/>
+                <a:cs typeface="Times New Roman" panose="02020603050405020304" pitchFamily="18" charset="0"/>
+              </a:rPr>
+              <a:t> </a:t>
+            </a:r>
+            <a:r>
+              <a:rPr lang="en-US" dirty="0" err="1">
+                <a:latin typeface="Times New Roman" panose="02020603050405020304" pitchFamily="18" charset="0"/>
+                <a:cs typeface="Times New Roman" panose="02020603050405020304" pitchFamily="18" charset="0"/>
+              </a:rPr>
+              <a:t>tính</a:t>
+            </a:r>
+            <a:r>
+              <a:rPr lang="en-US" dirty="0">
+                <a:latin typeface="Times New Roman" panose="02020603050405020304" pitchFamily="18" charset="0"/>
+                <a:cs typeface="Times New Roman" panose="02020603050405020304" pitchFamily="18" charset="0"/>
+              </a:rPr>
+              <a:t> </a:t>
+            </a:r>
+            <a:r>
+              <a:rPr lang="en-US" dirty="0" err="1">
+                <a:latin typeface="Times New Roman" panose="02020603050405020304" pitchFamily="18" charset="0"/>
+                <a:cs typeface="Times New Roman" panose="02020603050405020304" pitchFamily="18" charset="0"/>
+              </a:rPr>
+              <a:t>toán</a:t>
+            </a:r>
+            <a:r>
+              <a:rPr lang="en-US" dirty="0">
+                <a:latin typeface="Times New Roman" panose="02020603050405020304" pitchFamily="18" charset="0"/>
+                <a:cs typeface="Times New Roman" panose="02020603050405020304" pitchFamily="18" charset="0"/>
+              </a:rPr>
+              <a:t>, </a:t>
+            </a:r>
+            <a:r>
+              <a:rPr lang="en-US" dirty="0" err="1">
+                <a:latin typeface="Times New Roman" panose="02020603050405020304" pitchFamily="18" charset="0"/>
+                <a:cs typeface="Times New Roman" panose="02020603050405020304" pitchFamily="18" charset="0"/>
+              </a:rPr>
+              <a:t>đo</a:t>
+            </a:r>
+            <a:r>
+              <a:rPr lang="en-US" dirty="0">
+                <a:latin typeface="Times New Roman" panose="02020603050405020304" pitchFamily="18" charset="0"/>
+                <a:cs typeface="Times New Roman" panose="02020603050405020304" pitchFamily="18" charset="0"/>
+              </a:rPr>
+              <a:t> </a:t>
+            </a:r>
+            <a:r>
+              <a:rPr lang="en-US" dirty="0" err="1">
+                <a:latin typeface="Times New Roman" panose="02020603050405020304" pitchFamily="18" charset="0"/>
+                <a:cs typeface="Times New Roman" panose="02020603050405020304" pitchFamily="18" charset="0"/>
+              </a:rPr>
+              <a:t>đạc</a:t>
+            </a:r>
+            <a:r>
+              <a:rPr lang="en-US" dirty="0">
+                <a:latin typeface="Times New Roman" panose="02020603050405020304" pitchFamily="18" charset="0"/>
+                <a:cs typeface="Times New Roman" panose="02020603050405020304" pitchFamily="18" charset="0"/>
+              </a:rPr>
+              <a:t>.</a:t>
             </a:r>
           </a:p>
           <a:p>
@@ -38929,92 +38858,232 @@
                 <a:latin typeface="Times New Roman" panose="02020603050405020304" pitchFamily="18" charset="0"/>
                 <a:cs typeface="Times New Roman" panose="02020603050405020304" pitchFamily="18" charset="0"/>
               </a:rPr>
-              <a:t>		3.	</a:t>
-            </a:r>
-            <a:r>
-              <a:rPr lang="en-US" dirty="0" err="1">
-                <a:latin typeface="Times New Roman" panose="02020603050405020304" pitchFamily="18" charset="0"/>
-                <a:cs typeface="Times New Roman" panose="02020603050405020304" pitchFamily="18" charset="0"/>
-              </a:rPr>
-              <a:t>Kích</a:t>
-            </a:r>
-            <a:r>
-              <a:rPr lang="en-US" dirty="0">
-                <a:latin typeface="Times New Roman" panose="02020603050405020304" pitchFamily="18" charset="0"/>
-                <a:cs typeface="Times New Roman" panose="02020603050405020304" pitchFamily="18" charset="0"/>
-              </a:rPr>
-              <a:t> </a:t>
-            </a:r>
-            <a:r>
-              <a:rPr lang="en-US" dirty="0" err="1">
-                <a:latin typeface="Times New Roman" panose="02020603050405020304" pitchFamily="18" charset="0"/>
-                <a:cs typeface="Times New Roman" panose="02020603050405020304" pitchFamily="18" charset="0"/>
-              </a:rPr>
-              <a:t>thước</a:t>
-            </a:r>
-            <a:r>
-              <a:rPr lang="en-US" dirty="0">
-                <a:latin typeface="Times New Roman" panose="02020603050405020304" pitchFamily="18" charset="0"/>
-                <a:cs typeface="Times New Roman" panose="02020603050405020304" pitchFamily="18" charset="0"/>
-              </a:rPr>
-              <a:t> </a:t>
-            </a:r>
-            <a:r>
-              <a:rPr lang="en-US" dirty="0" err="1">
-                <a:latin typeface="Times New Roman" panose="02020603050405020304" pitchFamily="18" charset="0"/>
-                <a:cs typeface="Times New Roman" panose="02020603050405020304" pitchFamily="18" charset="0"/>
-              </a:rPr>
-              <a:t>phần</a:t>
-            </a:r>
-            <a:r>
-              <a:rPr lang="en-US" dirty="0">
-                <a:latin typeface="Times New Roman" panose="02020603050405020304" pitchFamily="18" charset="0"/>
-                <a:cs typeface="Times New Roman" panose="02020603050405020304" pitchFamily="18" charset="0"/>
-              </a:rPr>
-              <a:t> </a:t>
-            </a:r>
-            <a:r>
-              <a:rPr lang="en-US" dirty="0" err="1">
-                <a:latin typeface="Times New Roman" panose="02020603050405020304" pitchFamily="18" charset="0"/>
-                <a:cs typeface="Times New Roman" panose="02020603050405020304" pitchFamily="18" charset="0"/>
-              </a:rPr>
-              <a:t>mềm</a:t>
-            </a:r>
-            <a:r>
-              <a:rPr lang="en-US" dirty="0">
-                <a:latin typeface="Times New Roman" panose="02020603050405020304" pitchFamily="18" charset="0"/>
-                <a:cs typeface="Times New Roman" panose="02020603050405020304" pitchFamily="18" charset="0"/>
-              </a:rPr>
-              <a:t> </a:t>
-            </a:r>
-            <a:r>
-              <a:rPr lang="en-US" dirty="0" err="1">
-                <a:latin typeface="Times New Roman" panose="02020603050405020304" pitchFamily="18" charset="0"/>
-                <a:cs typeface="Times New Roman" panose="02020603050405020304" pitchFamily="18" charset="0"/>
-              </a:rPr>
-              <a:t>từ</a:t>
-            </a:r>
-            <a:r>
-              <a:rPr lang="en-US" dirty="0">
-                <a:latin typeface="Times New Roman" panose="02020603050405020304" pitchFamily="18" charset="0"/>
-                <a:cs typeface="Times New Roman" panose="02020603050405020304" pitchFamily="18" charset="0"/>
-              </a:rPr>
-              <a:t> </a:t>
-            </a:r>
-            <a:r>
-              <a:rPr lang="en-US" dirty="0" err="1">
-                <a:latin typeface="Times New Roman" panose="02020603050405020304" pitchFamily="18" charset="0"/>
-                <a:cs typeface="Times New Roman" panose="02020603050405020304" pitchFamily="18" charset="0"/>
-              </a:rPr>
-              <a:t>sớm</a:t>
+              <a:t>			3.	</a:t>
+            </a:r>
+            <a:r>
+              <a:rPr lang="en-US" dirty="0" err="1">
+                <a:latin typeface="Times New Roman" panose="02020603050405020304" pitchFamily="18" charset="0"/>
+                <a:ea typeface="Tahoma" panose="020B0604030504040204" pitchFamily="34" charset="0"/>
+                <a:cs typeface="Times New Roman" panose="02020603050405020304" pitchFamily="18" charset="0"/>
+              </a:rPr>
+              <a:t>Thiết</a:t>
+            </a:r>
+            <a:r>
+              <a:rPr lang="en-US" dirty="0">
+                <a:latin typeface="Times New Roman" panose="02020603050405020304" pitchFamily="18" charset="0"/>
+                <a:ea typeface="Tahoma" panose="020B0604030504040204" pitchFamily="34" charset="0"/>
+                <a:cs typeface="Times New Roman" panose="02020603050405020304" pitchFamily="18" charset="0"/>
+              </a:rPr>
+              <a:t> </a:t>
+            </a:r>
+            <a:r>
+              <a:rPr lang="en-US" dirty="0" err="1">
+                <a:latin typeface="Times New Roman" panose="02020603050405020304" pitchFamily="18" charset="0"/>
+                <a:ea typeface="Tahoma" panose="020B0604030504040204" pitchFamily="34" charset="0"/>
+                <a:cs typeface="Times New Roman" panose="02020603050405020304" pitchFamily="18" charset="0"/>
+              </a:rPr>
+              <a:t>lập</a:t>
+            </a:r>
+            <a:r>
+              <a:rPr lang="en-US" dirty="0">
+                <a:latin typeface="Times New Roman" panose="02020603050405020304" pitchFamily="18" charset="0"/>
+                <a:ea typeface="Tahoma" panose="020B0604030504040204" pitchFamily="34" charset="0"/>
+                <a:cs typeface="Times New Roman" panose="02020603050405020304" pitchFamily="18" charset="0"/>
+              </a:rPr>
+              <a:t> </a:t>
+            </a:r>
+            <a:r>
+              <a:rPr lang="en-US" dirty="0" err="1">
+                <a:latin typeface="Times New Roman" panose="02020603050405020304" pitchFamily="18" charset="0"/>
+                <a:ea typeface="Tahoma" panose="020B0604030504040204" pitchFamily="34" charset="0"/>
+                <a:cs typeface="Times New Roman" panose="02020603050405020304" pitchFamily="18" charset="0"/>
+              </a:rPr>
+              <a:t>nên</a:t>
+            </a:r>
+            <a:r>
+              <a:rPr lang="en-US" dirty="0">
+                <a:latin typeface="Times New Roman" panose="02020603050405020304" pitchFamily="18" charset="0"/>
+                <a:ea typeface="Tahoma" panose="020B0604030504040204" pitchFamily="34" charset="0"/>
+                <a:cs typeface="Times New Roman" panose="02020603050405020304" pitchFamily="18" charset="0"/>
+              </a:rPr>
+              <a:t> </a:t>
+            </a:r>
+            <a:r>
+              <a:rPr lang="en-US" dirty="0" err="1">
+                <a:latin typeface="Times New Roman" panose="02020603050405020304" pitchFamily="18" charset="0"/>
+                <a:ea typeface="Tahoma" panose="020B0604030504040204" pitchFamily="34" charset="0"/>
+                <a:cs typeface="Times New Roman" panose="02020603050405020304" pitchFamily="18" charset="0"/>
+              </a:rPr>
+              <a:t>một</a:t>
+            </a:r>
+            <a:r>
+              <a:rPr lang="en-US" dirty="0">
+                <a:latin typeface="Times New Roman" panose="02020603050405020304" pitchFamily="18" charset="0"/>
+                <a:ea typeface="Tahoma" panose="020B0604030504040204" pitchFamily="34" charset="0"/>
+                <a:cs typeface="Times New Roman" panose="02020603050405020304" pitchFamily="18" charset="0"/>
+              </a:rPr>
+              <a:t> </a:t>
+            </a:r>
+            <a:r>
+              <a:rPr lang="en-US" dirty="0" err="1">
+                <a:latin typeface="Times New Roman" panose="02020603050405020304" pitchFamily="18" charset="0"/>
+                <a:ea typeface="Tahoma" panose="020B0604030504040204" pitchFamily="34" charset="0"/>
+                <a:cs typeface="Times New Roman" panose="02020603050405020304" pitchFamily="18" charset="0"/>
+              </a:rPr>
+              <a:t>phương</a:t>
+            </a:r>
+            <a:r>
+              <a:rPr lang="en-US" dirty="0">
+                <a:latin typeface="Times New Roman" panose="02020603050405020304" pitchFamily="18" charset="0"/>
+                <a:ea typeface="Tahoma" panose="020B0604030504040204" pitchFamily="34" charset="0"/>
+                <a:cs typeface="Times New Roman" panose="02020603050405020304" pitchFamily="18" charset="0"/>
+              </a:rPr>
+              <a:t> </a:t>
+            </a:r>
+            <a:r>
+              <a:rPr lang="en-US" dirty="0" err="1">
+                <a:latin typeface="Times New Roman" panose="02020603050405020304" pitchFamily="18" charset="0"/>
+                <a:ea typeface="Tahoma" panose="020B0604030504040204" pitchFamily="34" charset="0"/>
+                <a:cs typeface="Times New Roman" panose="02020603050405020304" pitchFamily="18" charset="0"/>
+              </a:rPr>
+              <a:t>pháp</a:t>
+            </a:r>
+            <a:r>
+              <a:rPr lang="en-US" dirty="0">
+                <a:latin typeface="Times New Roman" panose="02020603050405020304" pitchFamily="18" charset="0"/>
+                <a:ea typeface="Tahoma" panose="020B0604030504040204" pitchFamily="34" charset="0"/>
+                <a:cs typeface="Times New Roman" panose="02020603050405020304" pitchFamily="18" charset="0"/>
+              </a:rPr>
+              <a:t> </a:t>
+            </a:r>
+            <a:r>
+              <a:rPr lang="en-US" dirty="0" err="1">
+                <a:latin typeface="Times New Roman" panose="02020603050405020304" pitchFamily="18" charset="0"/>
+                <a:ea typeface="Tahoma" panose="020B0604030504040204" pitchFamily="34" charset="0"/>
+                <a:cs typeface="Times New Roman" panose="02020603050405020304" pitchFamily="18" charset="0"/>
+              </a:rPr>
+              <a:t>đo</a:t>
+            </a:r>
+            <a:r>
+              <a:rPr lang="en-US" dirty="0">
+                <a:latin typeface="Times New Roman" panose="02020603050405020304" pitchFamily="18" charset="0"/>
+                <a:ea typeface="Tahoma" panose="020B0604030504040204" pitchFamily="34" charset="0"/>
+                <a:cs typeface="Times New Roman" panose="02020603050405020304" pitchFamily="18" charset="0"/>
+              </a:rPr>
+              <a:t> </a:t>
+            </a:r>
+            <a:r>
+              <a:rPr lang="en-US" dirty="0" err="1">
+                <a:latin typeface="Times New Roman" panose="02020603050405020304" pitchFamily="18" charset="0"/>
+                <a:ea typeface="Tahoma" panose="020B0604030504040204" pitchFamily="34" charset="0"/>
+                <a:cs typeface="Times New Roman" panose="02020603050405020304" pitchFamily="18" charset="0"/>
+              </a:rPr>
+              <a:t>đạc</a:t>
+            </a:r>
+            <a:r>
+              <a:rPr lang="en-US" dirty="0">
+                <a:latin typeface="Times New Roman" panose="02020603050405020304" pitchFamily="18" charset="0"/>
+                <a:ea typeface="Tahoma" panose="020B0604030504040204" pitchFamily="34" charset="0"/>
+                <a:cs typeface="Times New Roman" panose="02020603050405020304" pitchFamily="18" charset="0"/>
+              </a:rPr>
+              <a:t> </a:t>
+            </a:r>
+            <a:r>
+              <a:rPr lang="en-US" dirty="0" err="1">
+                <a:latin typeface="Times New Roman" panose="02020603050405020304" pitchFamily="18" charset="0"/>
+                <a:ea typeface="Tahoma" panose="020B0604030504040204" pitchFamily="34" charset="0"/>
+                <a:cs typeface="Times New Roman" panose="02020603050405020304" pitchFamily="18" charset="0"/>
+              </a:rPr>
+              <a:t>thống</a:t>
+            </a:r>
+            <a:r>
+              <a:rPr lang="en-US" dirty="0">
+                <a:latin typeface="Times New Roman" panose="02020603050405020304" pitchFamily="18" charset="0"/>
+                <a:ea typeface="Tahoma" panose="020B0604030504040204" pitchFamily="34" charset="0"/>
+                <a:cs typeface="Times New Roman" panose="02020603050405020304" pitchFamily="18" charset="0"/>
+              </a:rPr>
+              <a:t> </a:t>
+            </a:r>
+            <a:r>
+              <a:rPr lang="en-US" dirty="0" err="1">
+                <a:latin typeface="Times New Roman" panose="02020603050405020304" pitchFamily="18" charset="0"/>
+                <a:ea typeface="Tahoma" panose="020B0604030504040204" pitchFamily="34" charset="0"/>
+                <a:cs typeface="Times New Roman" panose="02020603050405020304" pitchFamily="18" charset="0"/>
+              </a:rPr>
+              <a:t>nhất</a:t>
+            </a:r>
+            <a:r>
+              <a:rPr lang="en-US" dirty="0">
+                <a:latin typeface="Times New Roman" panose="02020603050405020304" pitchFamily="18" charset="0"/>
+                <a:ea typeface="Tahoma" panose="020B0604030504040204" pitchFamily="34" charset="0"/>
+                <a:cs typeface="Times New Roman" panose="02020603050405020304" pitchFamily="18" charset="0"/>
+              </a:rPr>
+              <a:t> </a:t>
+            </a:r>
+            <a:r>
+              <a:rPr lang="en-US" dirty="0" err="1">
+                <a:latin typeface="Times New Roman" panose="02020603050405020304" pitchFamily="18" charset="0"/>
+                <a:ea typeface="Tahoma" panose="020B0604030504040204" pitchFamily="34" charset="0"/>
+                <a:cs typeface="Times New Roman" panose="02020603050405020304" pitchFamily="18" charset="0"/>
+              </a:rPr>
+              <a:t>giữa</a:t>
+            </a:r>
+            <a:r>
+              <a:rPr lang="en-US" dirty="0">
+                <a:latin typeface="Times New Roman" panose="02020603050405020304" pitchFamily="18" charset="0"/>
+                <a:ea typeface="Tahoma" panose="020B0604030504040204" pitchFamily="34" charset="0"/>
+                <a:cs typeface="Times New Roman" panose="02020603050405020304" pitchFamily="18" charset="0"/>
+              </a:rPr>
+              <a:t> </a:t>
+            </a:r>
+            <a:r>
+              <a:rPr lang="en-US" dirty="0" err="1">
+                <a:latin typeface="Times New Roman" panose="02020603050405020304" pitchFamily="18" charset="0"/>
+                <a:ea typeface="Tahoma" panose="020B0604030504040204" pitchFamily="34" charset="0"/>
+                <a:cs typeface="Times New Roman" panose="02020603050405020304" pitchFamily="18" charset="0"/>
+              </a:rPr>
+              <a:t>các</a:t>
+            </a:r>
+            <a:r>
+              <a:rPr lang="en-US" dirty="0">
+                <a:latin typeface="Times New Roman" panose="02020603050405020304" pitchFamily="18" charset="0"/>
+                <a:ea typeface="Tahoma" panose="020B0604030504040204" pitchFamily="34" charset="0"/>
+                <a:cs typeface="Times New Roman" panose="02020603050405020304" pitchFamily="18" charset="0"/>
+              </a:rPr>
+              <a:t> </a:t>
+            </a:r>
+            <a:r>
+              <a:rPr lang="en-US" dirty="0" err="1">
+                <a:latin typeface="Times New Roman" panose="02020603050405020304" pitchFamily="18" charset="0"/>
+                <a:ea typeface="Tahoma" panose="020B0604030504040204" pitchFamily="34" charset="0"/>
+                <a:cs typeface="Times New Roman" panose="02020603050405020304" pitchFamily="18" charset="0"/>
+              </a:rPr>
+              <a:t>tổ</a:t>
+            </a:r>
+            <a:r>
+              <a:rPr lang="en-US" dirty="0">
+                <a:latin typeface="Times New Roman" panose="02020603050405020304" pitchFamily="18" charset="0"/>
+                <a:ea typeface="Tahoma" panose="020B0604030504040204" pitchFamily="34" charset="0"/>
+                <a:cs typeface="Times New Roman" panose="02020603050405020304" pitchFamily="18" charset="0"/>
+              </a:rPr>
+              <a:t> </a:t>
+            </a:r>
+            <a:r>
+              <a:rPr lang="en-US" dirty="0" err="1">
+                <a:latin typeface="Times New Roman" panose="02020603050405020304" pitchFamily="18" charset="0"/>
+                <a:ea typeface="Tahoma" panose="020B0604030504040204" pitchFamily="34" charset="0"/>
+                <a:cs typeface="Times New Roman" panose="02020603050405020304" pitchFamily="18" charset="0"/>
+              </a:rPr>
+              <a:t>chức</a:t>
             </a:r>
             <a:endParaRPr lang="en-US" dirty="0">
               <a:latin typeface="Times New Roman" panose="02020603050405020304" pitchFamily="18" charset="0"/>
+              <a:ea typeface="Tahoma" panose="020B0604030504040204" pitchFamily="34" charset="0"/>
               <a:cs typeface="Times New Roman" panose="02020603050405020304" pitchFamily="18" charset="0"/>
             </a:endParaRPr>
           </a:p>
           <a:p>
-            <a:pPr marL="0" lvl="0" indent="0">
+            <a:pPr marL="0" indent="0">
               <a:buNone/>
             </a:pPr>
             <a:endParaRPr lang="en-US" dirty="0">
@@ -39027,7 +39096,7 @@
     </p:spTree>
     <p:extLst>
       <p:ext uri="{BB962C8B-B14F-4D97-AF65-F5344CB8AC3E}">
-        <p14:creationId xmlns:p14="http://schemas.microsoft.com/office/powerpoint/2010/main" val="540097735"/>
+        <p14:creationId xmlns:p14="http://schemas.microsoft.com/office/powerpoint/2010/main" val="1041387167"/>
       </p:ext>
     </p:extLst>
   </p:cSld>
@@ -39426,8 +39495,8 @@
         </p:nvSpPr>
         <p:spPr>
           <a:xfrm>
-            <a:off x="1295401" y="2448899"/>
-            <a:ext cx="9601196" cy="3760724"/>
+            <a:off x="484630" y="2448899"/>
+            <a:ext cx="11222737" cy="4260994"/>
           </a:xfrm>
         </p:spPr>
         <p:txBody>
@@ -39436,6 +39505,569 @@
           </a:bodyPr>
           <a:lstStyle/>
           <a:p>
+            <a:endParaRPr lang="en-US" dirty="0">
+              <a:latin typeface="Times New Roman" panose="02020603050405020304" pitchFamily="18" charset="0"/>
+              <a:cs typeface="Times New Roman" panose="02020603050405020304" pitchFamily="18" charset="0"/>
+            </a:endParaRPr>
+          </a:p>
+          <a:p>
+            <a:pPr lvl="0"/>
+            <a:r>
+              <a:rPr lang="en-US" dirty="0" err="1">
+                <a:latin typeface="Times New Roman" panose="02020603050405020304" pitchFamily="18" charset="0"/>
+                <a:cs typeface="Times New Roman" panose="02020603050405020304" pitchFamily="18" charset="0"/>
+              </a:rPr>
+              <a:t>Đo</a:t>
+            </a:r>
+            <a:r>
+              <a:rPr lang="en-US" dirty="0">
+                <a:latin typeface="Times New Roman" panose="02020603050405020304" pitchFamily="18" charset="0"/>
+                <a:cs typeface="Times New Roman" panose="02020603050405020304" pitchFamily="18" charset="0"/>
+              </a:rPr>
+              <a:t> l</a:t>
+            </a:r>
+            <a:r>
+              <a:rPr lang="vi-VN" dirty="0">
+                <a:latin typeface="Times New Roman" panose="02020603050405020304" pitchFamily="18" charset="0"/>
+                <a:cs typeface="Times New Roman" panose="02020603050405020304" pitchFamily="18" charset="0"/>
+              </a:rPr>
+              <a:t>ư</a:t>
+            </a:r>
+            <a:r>
+              <a:rPr lang="en-US" dirty="0" err="1">
+                <a:latin typeface="Times New Roman" panose="02020603050405020304" pitchFamily="18" charset="0"/>
+                <a:cs typeface="Times New Roman" panose="02020603050405020304" pitchFamily="18" charset="0"/>
+              </a:rPr>
+              <a:t>ờng</a:t>
+            </a:r>
+            <a:r>
+              <a:rPr lang="en-US" dirty="0">
+                <a:latin typeface="Times New Roman" panose="02020603050405020304" pitchFamily="18" charset="0"/>
+                <a:cs typeface="Times New Roman" panose="02020603050405020304" pitchFamily="18" charset="0"/>
+              </a:rPr>
+              <a:t> </a:t>
+            </a:r>
+            <a:r>
+              <a:rPr lang="en-US" dirty="0" err="1">
+                <a:latin typeface="Times New Roman" panose="02020603050405020304" pitchFamily="18" charset="0"/>
+                <a:cs typeface="Times New Roman" panose="02020603050405020304" pitchFamily="18" charset="0"/>
+              </a:rPr>
+              <a:t>quy</a:t>
+            </a:r>
+            <a:r>
+              <a:rPr lang="en-US" dirty="0">
+                <a:latin typeface="Times New Roman" panose="02020603050405020304" pitchFamily="18" charset="0"/>
+                <a:cs typeface="Times New Roman" panose="02020603050405020304" pitchFamily="18" charset="0"/>
+              </a:rPr>
+              <a:t> </a:t>
+            </a:r>
+            <a:r>
+              <a:rPr lang="en-US" dirty="0" err="1">
+                <a:latin typeface="Times New Roman" panose="02020603050405020304" pitchFamily="18" charset="0"/>
+                <a:cs typeface="Times New Roman" panose="02020603050405020304" pitchFamily="18" charset="0"/>
+              </a:rPr>
+              <a:t>mô</a:t>
+            </a:r>
+            <a:r>
+              <a:rPr lang="en-US" dirty="0">
+                <a:latin typeface="Times New Roman" panose="02020603050405020304" pitchFamily="18" charset="0"/>
+                <a:cs typeface="Times New Roman" panose="02020603050405020304" pitchFamily="18" charset="0"/>
+              </a:rPr>
+              <a:t> </a:t>
+            </a:r>
+            <a:r>
+              <a:rPr lang="en-US" dirty="0" err="1">
+                <a:latin typeface="Times New Roman" panose="02020603050405020304" pitchFamily="18" charset="0"/>
+                <a:cs typeface="Times New Roman" panose="02020603050405020304" pitchFamily="18" charset="0"/>
+              </a:rPr>
+              <a:t>dự</a:t>
+            </a:r>
+            <a:r>
+              <a:rPr lang="en-US" dirty="0">
+                <a:latin typeface="Times New Roman" panose="02020603050405020304" pitchFamily="18" charset="0"/>
+                <a:cs typeface="Times New Roman" panose="02020603050405020304" pitchFamily="18" charset="0"/>
+              </a:rPr>
+              <a:t> </a:t>
+            </a:r>
+            <a:r>
+              <a:rPr lang="en-US" dirty="0" err="1">
+                <a:latin typeface="Times New Roman" panose="02020603050405020304" pitchFamily="18" charset="0"/>
+                <a:cs typeface="Times New Roman" panose="02020603050405020304" pitchFamily="18" charset="0"/>
+              </a:rPr>
+              <a:t>án</a:t>
+            </a:r>
+            <a:r>
+              <a:rPr lang="en-US" dirty="0">
+                <a:latin typeface="Times New Roman" panose="02020603050405020304" pitchFamily="18" charset="0"/>
+                <a:cs typeface="Times New Roman" panose="02020603050405020304" pitchFamily="18" charset="0"/>
+              </a:rPr>
+              <a:t> </a:t>
+            </a:r>
+            <a:r>
+              <a:rPr lang="en-US" dirty="0" err="1">
+                <a:latin typeface="Times New Roman" panose="02020603050405020304" pitchFamily="18" charset="0"/>
+                <a:cs typeface="Times New Roman" panose="02020603050405020304" pitchFamily="18" charset="0"/>
+              </a:rPr>
+              <a:t>không</a:t>
+            </a:r>
+            <a:r>
+              <a:rPr lang="en-US" dirty="0">
+                <a:latin typeface="Times New Roman" panose="02020603050405020304" pitchFamily="18" charset="0"/>
+                <a:cs typeface="Times New Roman" panose="02020603050405020304" pitchFamily="18" charset="0"/>
+              </a:rPr>
+              <a:t> </a:t>
+            </a:r>
+            <a:r>
+              <a:rPr lang="en-US" dirty="0" err="1">
+                <a:latin typeface="Times New Roman" panose="02020603050405020304" pitchFamily="18" charset="0"/>
+                <a:cs typeface="Times New Roman" panose="02020603050405020304" pitchFamily="18" charset="0"/>
+              </a:rPr>
+              <a:t>phụ</a:t>
+            </a:r>
+            <a:r>
+              <a:rPr lang="en-US" dirty="0">
+                <a:latin typeface="Times New Roman" panose="02020603050405020304" pitchFamily="18" charset="0"/>
+                <a:cs typeface="Times New Roman" panose="02020603050405020304" pitchFamily="18" charset="0"/>
+              </a:rPr>
+              <a:t> </a:t>
+            </a:r>
+            <a:r>
+              <a:rPr lang="en-US" dirty="0" err="1">
+                <a:latin typeface="Times New Roman" panose="02020603050405020304" pitchFamily="18" charset="0"/>
+                <a:cs typeface="Times New Roman" panose="02020603050405020304" pitchFamily="18" charset="0"/>
+              </a:rPr>
+              <a:t>thuộc</a:t>
+            </a:r>
+            <a:r>
+              <a:rPr lang="en-US" dirty="0">
+                <a:latin typeface="Times New Roman" panose="02020603050405020304" pitchFamily="18" charset="0"/>
+                <a:cs typeface="Times New Roman" panose="02020603050405020304" pitchFamily="18" charset="0"/>
+              </a:rPr>
+              <a:t> </a:t>
+            </a:r>
+            <a:r>
+              <a:rPr lang="en-US" dirty="0" err="1">
+                <a:latin typeface="Times New Roman" panose="02020603050405020304" pitchFamily="18" charset="0"/>
+                <a:cs typeface="Times New Roman" panose="02020603050405020304" pitchFamily="18" charset="0"/>
+              </a:rPr>
+              <a:t>vào</a:t>
+            </a:r>
+            <a:r>
+              <a:rPr lang="en-US" dirty="0">
+                <a:latin typeface="Times New Roman" panose="02020603050405020304" pitchFamily="18" charset="0"/>
+                <a:cs typeface="Times New Roman" panose="02020603050405020304" pitchFamily="18" charset="0"/>
+              </a:rPr>
+              <a:t> </a:t>
+            </a:r>
+            <a:r>
+              <a:rPr lang="en-US" dirty="0" err="1">
+                <a:latin typeface="Times New Roman" panose="02020603050405020304" pitchFamily="18" charset="0"/>
+                <a:cs typeface="Times New Roman" panose="02020603050405020304" pitchFamily="18" charset="0"/>
+              </a:rPr>
+              <a:t>việc</a:t>
+            </a:r>
+            <a:r>
+              <a:rPr lang="en-US" dirty="0">
+                <a:latin typeface="Times New Roman" panose="02020603050405020304" pitchFamily="18" charset="0"/>
+                <a:cs typeface="Times New Roman" panose="02020603050405020304" pitchFamily="18" charset="0"/>
+              </a:rPr>
+              <a:t> </a:t>
+            </a:r>
+            <a:r>
+              <a:rPr lang="en-US" dirty="0" err="1">
+                <a:latin typeface="Times New Roman" panose="02020603050405020304" pitchFamily="18" charset="0"/>
+                <a:cs typeface="Times New Roman" panose="02020603050405020304" pitchFamily="18" charset="0"/>
+              </a:rPr>
+              <a:t>sử</a:t>
+            </a:r>
+            <a:r>
+              <a:rPr lang="en-US" dirty="0">
+                <a:latin typeface="Times New Roman" panose="02020603050405020304" pitchFamily="18" charset="0"/>
+                <a:cs typeface="Times New Roman" panose="02020603050405020304" pitchFamily="18" charset="0"/>
+              </a:rPr>
+              <a:t> </a:t>
+            </a:r>
+            <a:r>
+              <a:rPr lang="en-US" dirty="0" err="1">
+                <a:latin typeface="Times New Roman" panose="02020603050405020304" pitchFamily="18" charset="0"/>
+                <a:cs typeface="Times New Roman" panose="02020603050405020304" pitchFamily="18" charset="0"/>
+              </a:rPr>
+              <a:t>dụng</a:t>
+            </a:r>
+            <a:r>
+              <a:rPr lang="en-US" dirty="0">
+                <a:latin typeface="Times New Roman" panose="02020603050405020304" pitchFamily="18" charset="0"/>
+                <a:cs typeface="Times New Roman" panose="02020603050405020304" pitchFamily="18" charset="0"/>
+              </a:rPr>
+              <a:t> </a:t>
+            </a:r>
+            <a:r>
+              <a:rPr lang="en-US" dirty="0" err="1">
+                <a:latin typeface="Times New Roman" panose="02020603050405020304" pitchFamily="18" charset="0"/>
+                <a:cs typeface="Times New Roman" panose="02020603050405020304" pitchFamily="18" charset="0"/>
+              </a:rPr>
+              <a:t>công</a:t>
+            </a:r>
+            <a:r>
+              <a:rPr lang="en-US" dirty="0">
+                <a:latin typeface="Times New Roman" panose="02020603050405020304" pitchFamily="18" charset="0"/>
+                <a:cs typeface="Times New Roman" panose="02020603050405020304" pitchFamily="18" charset="0"/>
+              </a:rPr>
+              <a:t> </a:t>
+            </a:r>
+            <a:r>
+              <a:rPr lang="en-US" dirty="0" err="1">
+                <a:latin typeface="Times New Roman" panose="02020603050405020304" pitchFamily="18" charset="0"/>
+                <a:cs typeface="Times New Roman" panose="02020603050405020304" pitchFamily="18" charset="0"/>
+              </a:rPr>
+              <a:t>nghệ</a:t>
+            </a:r>
+            <a:endParaRPr lang="en-US" dirty="0">
+              <a:latin typeface="Times New Roman" panose="02020603050405020304" pitchFamily="18" charset="0"/>
+              <a:cs typeface="Times New Roman" panose="02020603050405020304" pitchFamily="18" charset="0"/>
+            </a:endParaRPr>
+          </a:p>
+          <a:p>
+            <a:r>
+              <a:rPr lang="vi-VN" dirty="0"/>
+              <a:t>Cung cấp phương pháp đo lường kích thước thống nhất giữa các nhóm và tổ chức.</a:t>
+            </a:r>
+            <a:endParaRPr lang="en-US" dirty="0">
+              <a:latin typeface="Times New Roman" panose="02020603050405020304" pitchFamily="18" charset="0"/>
+              <a:cs typeface="Times New Roman" panose="02020603050405020304" pitchFamily="18" charset="0"/>
+            </a:endParaRPr>
+          </a:p>
+          <a:p>
+            <a:pPr lvl="0"/>
+            <a:r>
+              <a:rPr lang="en-US" dirty="0" err="1">
+                <a:latin typeface="Times New Roman" panose="02020603050405020304" pitchFamily="18" charset="0"/>
+                <a:cs typeface="Times New Roman" panose="02020603050405020304" pitchFamily="18" charset="0"/>
+              </a:rPr>
+              <a:t>Khả</a:t>
+            </a:r>
+            <a:r>
+              <a:rPr lang="en-US" dirty="0">
+                <a:latin typeface="Times New Roman" panose="02020603050405020304" pitchFamily="18" charset="0"/>
+                <a:cs typeface="Times New Roman" panose="02020603050405020304" pitchFamily="18" charset="0"/>
+              </a:rPr>
+              <a:t> </a:t>
+            </a:r>
+            <a:r>
+              <a:rPr lang="en-US" dirty="0" err="1">
+                <a:latin typeface="Times New Roman" panose="02020603050405020304" pitchFamily="18" charset="0"/>
+                <a:cs typeface="Times New Roman" panose="02020603050405020304" pitchFamily="18" charset="0"/>
+              </a:rPr>
+              <a:t>năng</a:t>
+            </a:r>
+            <a:r>
+              <a:rPr lang="en-US" dirty="0">
+                <a:latin typeface="Times New Roman" panose="02020603050405020304" pitchFamily="18" charset="0"/>
+                <a:cs typeface="Times New Roman" panose="02020603050405020304" pitchFamily="18" charset="0"/>
+              </a:rPr>
+              <a:t> </a:t>
+            </a:r>
+            <a:r>
+              <a:rPr lang="en-US" dirty="0" err="1">
+                <a:latin typeface="Times New Roman" panose="02020603050405020304" pitchFamily="18" charset="0"/>
+                <a:cs typeface="Times New Roman" panose="02020603050405020304" pitchFamily="18" charset="0"/>
+              </a:rPr>
+              <a:t>ước</a:t>
+            </a:r>
+            <a:r>
+              <a:rPr lang="en-US" dirty="0">
+                <a:latin typeface="Times New Roman" panose="02020603050405020304" pitchFamily="18" charset="0"/>
+                <a:cs typeface="Times New Roman" panose="02020603050405020304" pitchFamily="18" charset="0"/>
+              </a:rPr>
+              <a:t> </a:t>
+            </a:r>
+            <a:r>
+              <a:rPr lang="en-US" dirty="0" err="1">
+                <a:latin typeface="Times New Roman" panose="02020603050405020304" pitchFamily="18" charset="0"/>
+                <a:cs typeface="Times New Roman" panose="02020603050405020304" pitchFamily="18" charset="0"/>
+              </a:rPr>
+              <a:t>tính</a:t>
+            </a:r>
+            <a:r>
+              <a:rPr lang="en-US" dirty="0">
+                <a:latin typeface="Times New Roman" panose="02020603050405020304" pitchFamily="18" charset="0"/>
+                <a:cs typeface="Times New Roman" panose="02020603050405020304" pitchFamily="18" charset="0"/>
+              </a:rPr>
+              <a:t> </a:t>
+            </a:r>
+            <a:r>
+              <a:rPr lang="en-US" dirty="0" err="1">
+                <a:latin typeface="Times New Roman" panose="02020603050405020304" pitchFamily="18" charset="0"/>
+                <a:cs typeface="Times New Roman" panose="02020603050405020304" pitchFamily="18" charset="0"/>
+              </a:rPr>
+              <a:t>chính</a:t>
+            </a:r>
+            <a:r>
+              <a:rPr lang="en-US" dirty="0">
+                <a:latin typeface="Times New Roman" panose="02020603050405020304" pitchFamily="18" charset="0"/>
+                <a:cs typeface="Times New Roman" panose="02020603050405020304" pitchFamily="18" charset="0"/>
+              </a:rPr>
+              <a:t> </a:t>
+            </a:r>
+            <a:r>
+              <a:rPr lang="en-US" dirty="0" err="1">
+                <a:latin typeface="Times New Roman" panose="02020603050405020304" pitchFamily="18" charset="0"/>
+                <a:cs typeface="Times New Roman" panose="02020603050405020304" pitchFamily="18" charset="0"/>
+              </a:rPr>
+              <a:t>xác</a:t>
+            </a:r>
+            <a:r>
+              <a:rPr lang="en-US" dirty="0">
+                <a:latin typeface="Times New Roman" panose="02020603050405020304" pitchFamily="18" charset="0"/>
+                <a:cs typeface="Times New Roman" panose="02020603050405020304" pitchFamily="18" charset="0"/>
+              </a:rPr>
+              <a:t>: </a:t>
+            </a:r>
+          </a:p>
+          <a:p>
+            <a:pPr marL="0" indent="0">
+              <a:buNone/>
+            </a:pPr>
+            <a:r>
+              <a:rPr lang="en-US" dirty="0">
+                <a:latin typeface="Times New Roman" panose="02020603050405020304" pitchFamily="18" charset="0"/>
+                <a:cs typeface="Times New Roman" panose="02020603050405020304" pitchFamily="18" charset="0"/>
+              </a:rPr>
+              <a:t>		1.	Chi </a:t>
+            </a:r>
+            <a:r>
+              <a:rPr lang="en-US" dirty="0" err="1">
+                <a:latin typeface="Times New Roman" panose="02020603050405020304" pitchFamily="18" charset="0"/>
+                <a:cs typeface="Times New Roman" panose="02020603050405020304" pitchFamily="18" charset="0"/>
+              </a:rPr>
+              <a:t>phí</a:t>
+            </a:r>
+            <a:r>
+              <a:rPr lang="en-US" dirty="0">
+                <a:latin typeface="Times New Roman" panose="02020603050405020304" pitchFamily="18" charset="0"/>
+                <a:cs typeface="Times New Roman" panose="02020603050405020304" pitchFamily="18" charset="0"/>
+              </a:rPr>
+              <a:t> </a:t>
+            </a:r>
+            <a:r>
+              <a:rPr lang="en-US" dirty="0" err="1">
+                <a:latin typeface="Times New Roman" panose="02020603050405020304" pitchFamily="18" charset="0"/>
+                <a:cs typeface="Times New Roman" panose="02020603050405020304" pitchFamily="18" charset="0"/>
+              </a:rPr>
+              <a:t>dự</a:t>
+            </a:r>
+            <a:r>
+              <a:rPr lang="en-US" dirty="0">
+                <a:latin typeface="Times New Roman" panose="02020603050405020304" pitchFamily="18" charset="0"/>
+                <a:cs typeface="Times New Roman" panose="02020603050405020304" pitchFamily="18" charset="0"/>
+              </a:rPr>
+              <a:t> </a:t>
+            </a:r>
+            <a:r>
+              <a:rPr lang="en-US" dirty="0" err="1">
+                <a:latin typeface="Times New Roman" panose="02020603050405020304" pitchFamily="18" charset="0"/>
+                <a:cs typeface="Times New Roman" panose="02020603050405020304" pitchFamily="18" charset="0"/>
+              </a:rPr>
+              <a:t>án</a:t>
+            </a:r>
+            <a:r>
+              <a:rPr lang="en-US" dirty="0">
+                <a:latin typeface="Times New Roman" panose="02020603050405020304" pitchFamily="18" charset="0"/>
+                <a:cs typeface="Times New Roman" panose="02020603050405020304" pitchFamily="18" charset="0"/>
+              </a:rPr>
+              <a:t> </a:t>
+            </a:r>
+          </a:p>
+          <a:p>
+            <a:pPr marL="0" indent="0">
+              <a:buNone/>
+            </a:pPr>
+            <a:r>
+              <a:rPr lang="en-US" dirty="0">
+                <a:latin typeface="Times New Roman" panose="02020603050405020304" pitchFamily="18" charset="0"/>
+                <a:cs typeface="Times New Roman" panose="02020603050405020304" pitchFamily="18" charset="0"/>
+              </a:rPr>
+              <a:t>		2.	</a:t>
+            </a:r>
+            <a:r>
+              <a:rPr lang="en-US" dirty="0" err="1">
+                <a:latin typeface="Times New Roman" panose="02020603050405020304" pitchFamily="18" charset="0"/>
+                <a:cs typeface="Times New Roman" panose="02020603050405020304" pitchFamily="18" charset="0"/>
+              </a:rPr>
+              <a:t>Thời</a:t>
+            </a:r>
+            <a:r>
+              <a:rPr lang="en-US" dirty="0">
+                <a:latin typeface="Times New Roman" panose="02020603050405020304" pitchFamily="18" charset="0"/>
+                <a:cs typeface="Times New Roman" panose="02020603050405020304" pitchFamily="18" charset="0"/>
+              </a:rPr>
+              <a:t> </a:t>
+            </a:r>
+            <a:r>
+              <a:rPr lang="en-US" dirty="0" err="1">
+                <a:latin typeface="Times New Roman" panose="02020603050405020304" pitchFamily="18" charset="0"/>
+                <a:cs typeface="Times New Roman" panose="02020603050405020304" pitchFamily="18" charset="0"/>
+              </a:rPr>
+              <a:t>gian</a:t>
+            </a:r>
+            <a:r>
+              <a:rPr lang="en-US" dirty="0">
+                <a:latin typeface="Times New Roman" panose="02020603050405020304" pitchFamily="18" charset="0"/>
+                <a:cs typeface="Times New Roman" panose="02020603050405020304" pitchFamily="18" charset="0"/>
+              </a:rPr>
+              <a:t> </a:t>
+            </a:r>
+            <a:r>
+              <a:rPr lang="en-US" dirty="0" err="1">
+                <a:latin typeface="Times New Roman" panose="02020603050405020304" pitchFamily="18" charset="0"/>
+                <a:cs typeface="Times New Roman" panose="02020603050405020304" pitchFamily="18" charset="0"/>
+              </a:rPr>
+              <a:t>thực</a:t>
+            </a:r>
+            <a:r>
+              <a:rPr lang="en-US" dirty="0">
+                <a:latin typeface="Times New Roman" panose="02020603050405020304" pitchFamily="18" charset="0"/>
+                <a:cs typeface="Times New Roman" panose="02020603050405020304" pitchFamily="18" charset="0"/>
+              </a:rPr>
+              <a:t> </a:t>
+            </a:r>
+            <a:r>
+              <a:rPr lang="en-US" dirty="0" err="1">
+                <a:latin typeface="Times New Roman" panose="02020603050405020304" pitchFamily="18" charset="0"/>
+                <a:cs typeface="Times New Roman" panose="02020603050405020304" pitchFamily="18" charset="0"/>
+              </a:rPr>
+              <a:t>hiện</a:t>
+            </a:r>
+            <a:r>
+              <a:rPr lang="en-US" dirty="0">
+                <a:latin typeface="Times New Roman" panose="02020603050405020304" pitchFamily="18" charset="0"/>
+                <a:cs typeface="Times New Roman" panose="02020603050405020304" pitchFamily="18" charset="0"/>
+              </a:rPr>
+              <a:t> </a:t>
+            </a:r>
+            <a:r>
+              <a:rPr lang="en-US" dirty="0" err="1">
+                <a:latin typeface="Times New Roman" panose="02020603050405020304" pitchFamily="18" charset="0"/>
+                <a:cs typeface="Times New Roman" panose="02020603050405020304" pitchFamily="18" charset="0"/>
+              </a:rPr>
+              <a:t>dự</a:t>
+            </a:r>
+            <a:r>
+              <a:rPr lang="en-US" dirty="0">
+                <a:latin typeface="Times New Roman" panose="02020603050405020304" pitchFamily="18" charset="0"/>
+                <a:cs typeface="Times New Roman" panose="02020603050405020304" pitchFamily="18" charset="0"/>
+              </a:rPr>
+              <a:t> </a:t>
+            </a:r>
+            <a:r>
+              <a:rPr lang="en-US" dirty="0" err="1">
+                <a:latin typeface="Times New Roman" panose="02020603050405020304" pitchFamily="18" charset="0"/>
+                <a:cs typeface="Times New Roman" panose="02020603050405020304" pitchFamily="18" charset="0"/>
+              </a:rPr>
+              <a:t>án</a:t>
+            </a:r>
+            <a:r>
+              <a:rPr lang="en-US" dirty="0">
+                <a:latin typeface="Times New Roman" panose="02020603050405020304" pitchFamily="18" charset="0"/>
+                <a:cs typeface="Times New Roman" panose="02020603050405020304" pitchFamily="18" charset="0"/>
+              </a:rPr>
+              <a:t> </a:t>
+            </a:r>
+          </a:p>
+          <a:p>
+            <a:pPr marL="0" indent="0">
+              <a:buNone/>
+            </a:pPr>
+            <a:r>
+              <a:rPr lang="en-US" dirty="0">
+                <a:latin typeface="Times New Roman" panose="02020603050405020304" pitchFamily="18" charset="0"/>
+                <a:cs typeface="Times New Roman" panose="02020603050405020304" pitchFamily="18" charset="0"/>
+              </a:rPr>
+              <a:t>		3.	</a:t>
+            </a:r>
+            <a:r>
+              <a:rPr lang="en-US" dirty="0" err="1">
+                <a:latin typeface="Times New Roman" panose="02020603050405020304" pitchFamily="18" charset="0"/>
+                <a:cs typeface="Times New Roman" panose="02020603050405020304" pitchFamily="18" charset="0"/>
+              </a:rPr>
+              <a:t>Kích</a:t>
+            </a:r>
+            <a:r>
+              <a:rPr lang="en-US" dirty="0">
+                <a:latin typeface="Times New Roman" panose="02020603050405020304" pitchFamily="18" charset="0"/>
+                <a:cs typeface="Times New Roman" panose="02020603050405020304" pitchFamily="18" charset="0"/>
+              </a:rPr>
+              <a:t> </a:t>
+            </a:r>
+            <a:r>
+              <a:rPr lang="en-US" dirty="0" err="1">
+                <a:latin typeface="Times New Roman" panose="02020603050405020304" pitchFamily="18" charset="0"/>
+                <a:cs typeface="Times New Roman" panose="02020603050405020304" pitchFamily="18" charset="0"/>
+              </a:rPr>
+              <a:t>thước</a:t>
+            </a:r>
+            <a:r>
+              <a:rPr lang="en-US" dirty="0">
+                <a:latin typeface="Times New Roman" panose="02020603050405020304" pitchFamily="18" charset="0"/>
+                <a:cs typeface="Times New Roman" panose="02020603050405020304" pitchFamily="18" charset="0"/>
+              </a:rPr>
+              <a:t> </a:t>
+            </a:r>
+            <a:r>
+              <a:rPr lang="en-US" dirty="0" err="1">
+                <a:latin typeface="Times New Roman" panose="02020603050405020304" pitchFamily="18" charset="0"/>
+                <a:cs typeface="Times New Roman" panose="02020603050405020304" pitchFamily="18" charset="0"/>
+              </a:rPr>
+              <a:t>phần</a:t>
+            </a:r>
+            <a:r>
+              <a:rPr lang="en-US" dirty="0">
+                <a:latin typeface="Times New Roman" panose="02020603050405020304" pitchFamily="18" charset="0"/>
+                <a:cs typeface="Times New Roman" panose="02020603050405020304" pitchFamily="18" charset="0"/>
+              </a:rPr>
+              <a:t> </a:t>
+            </a:r>
+            <a:r>
+              <a:rPr lang="en-US" dirty="0" err="1">
+                <a:latin typeface="Times New Roman" panose="02020603050405020304" pitchFamily="18" charset="0"/>
+                <a:cs typeface="Times New Roman" panose="02020603050405020304" pitchFamily="18" charset="0"/>
+              </a:rPr>
+              <a:t>mềm</a:t>
+            </a:r>
+            <a:r>
+              <a:rPr lang="en-US" dirty="0">
+                <a:latin typeface="Times New Roman" panose="02020603050405020304" pitchFamily="18" charset="0"/>
+                <a:cs typeface="Times New Roman" panose="02020603050405020304" pitchFamily="18" charset="0"/>
+              </a:rPr>
+              <a:t> </a:t>
+            </a:r>
+            <a:r>
+              <a:rPr lang="en-US" dirty="0" err="1">
+                <a:latin typeface="Times New Roman" panose="02020603050405020304" pitchFamily="18" charset="0"/>
+                <a:cs typeface="Times New Roman" panose="02020603050405020304" pitchFamily="18" charset="0"/>
+              </a:rPr>
+              <a:t>từ</a:t>
+            </a:r>
+            <a:r>
+              <a:rPr lang="en-US" dirty="0">
+                <a:latin typeface="Times New Roman" panose="02020603050405020304" pitchFamily="18" charset="0"/>
+                <a:cs typeface="Times New Roman" panose="02020603050405020304" pitchFamily="18" charset="0"/>
+              </a:rPr>
+              <a:t> </a:t>
+            </a:r>
+            <a:r>
+              <a:rPr lang="en-US" dirty="0" err="1">
+                <a:latin typeface="Times New Roman" panose="02020603050405020304" pitchFamily="18" charset="0"/>
+                <a:cs typeface="Times New Roman" panose="02020603050405020304" pitchFamily="18" charset="0"/>
+              </a:rPr>
+              <a:t>sớm</a:t>
+            </a:r>
+            <a:endParaRPr lang="en-US" dirty="0">
+              <a:latin typeface="Times New Roman" panose="02020603050405020304" pitchFamily="18" charset="0"/>
+              <a:cs typeface="Times New Roman" panose="02020603050405020304" pitchFamily="18" charset="0"/>
+            </a:endParaRPr>
+          </a:p>
+          <a:p>
             <a:pPr marL="0" indent="0">
               <a:buNone/>
             </a:pPr>
@@ -39445,284 +40077,13 @@
             </a:endParaRPr>
           </a:p>
           <a:p>
-            <a:r>
-              <a:rPr lang="en-US" dirty="0" err="1">
-                <a:latin typeface="Times New Roman" panose="02020603050405020304" pitchFamily="18" charset="0"/>
-                <a:cs typeface="Times New Roman" panose="02020603050405020304" pitchFamily="18" charset="0"/>
-              </a:rPr>
-              <a:t>Một</a:t>
-            </a:r>
-            <a:r>
-              <a:rPr lang="en-US" dirty="0">
-                <a:latin typeface="Times New Roman" panose="02020603050405020304" pitchFamily="18" charset="0"/>
-                <a:cs typeface="Times New Roman" panose="02020603050405020304" pitchFamily="18" charset="0"/>
-              </a:rPr>
-              <a:t> </a:t>
-            </a:r>
-            <a:r>
-              <a:rPr lang="en-US" dirty="0" err="1">
-                <a:latin typeface="Times New Roman" panose="02020603050405020304" pitchFamily="18" charset="0"/>
-                <a:cs typeface="Times New Roman" panose="02020603050405020304" pitchFamily="18" charset="0"/>
-              </a:rPr>
-              <a:t>sự</a:t>
-            </a:r>
-            <a:r>
-              <a:rPr lang="en-US" dirty="0">
-                <a:latin typeface="Times New Roman" panose="02020603050405020304" pitchFamily="18" charset="0"/>
-                <a:cs typeface="Times New Roman" panose="02020603050405020304" pitchFamily="18" charset="0"/>
-              </a:rPr>
-              <a:t> </a:t>
-            </a:r>
-            <a:r>
-              <a:rPr lang="en-US" dirty="0" err="1">
-                <a:latin typeface="Times New Roman" panose="02020603050405020304" pitchFamily="18" charset="0"/>
-                <a:cs typeface="Times New Roman" panose="02020603050405020304" pitchFamily="18" charset="0"/>
-              </a:rPr>
-              <a:t>hiểu</a:t>
-            </a:r>
-            <a:r>
-              <a:rPr lang="en-US" dirty="0">
-                <a:latin typeface="Times New Roman" panose="02020603050405020304" pitchFamily="18" charset="0"/>
-                <a:cs typeface="Times New Roman" panose="02020603050405020304" pitchFamily="18" charset="0"/>
-              </a:rPr>
-              <a:t> </a:t>
-            </a:r>
-            <a:r>
-              <a:rPr lang="en-US" dirty="0" err="1">
-                <a:latin typeface="Times New Roman" panose="02020603050405020304" pitchFamily="18" charset="0"/>
-                <a:cs typeface="Times New Roman" panose="02020603050405020304" pitchFamily="18" charset="0"/>
-              </a:rPr>
-              <a:t>biết</a:t>
-            </a:r>
-            <a:r>
-              <a:rPr lang="en-US" dirty="0">
-                <a:latin typeface="Times New Roman" panose="02020603050405020304" pitchFamily="18" charset="0"/>
-                <a:cs typeface="Times New Roman" panose="02020603050405020304" pitchFamily="18" charset="0"/>
-              </a:rPr>
-              <a:t> </a:t>
-            </a:r>
-            <a:r>
-              <a:rPr lang="en-US" dirty="0" err="1">
-                <a:latin typeface="Times New Roman" panose="02020603050405020304" pitchFamily="18" charset="0"/>
-                <a:cs typeface="Times New Roman" panose="02020603050405020304" pitchFamily="18" charset="0"/>
-              </a:rPr>
-              <a:t>của</a:t>
-            </a:r>
-            <a:r>
-              <a:rPr lang="en-US" dirty="0">
-                <a:latin typeface="Times New Roman" panose="02020603050405020304" pitchFamily="18" charset="0"/>
-                <a:cs typeface="Times New Roman" panose="02020603050405020304" pitchFamily="18" charset="0"/>
-              </a:rPr>
-              <a:t> </a:t>
-            </a:r>
-            <a:r>
-              <a:rPr lang="en-US" dirty="0" err="1">
-                <a:latin typeface="Times New Roman" panose="02020603050405020304" pitchFamily="18" charset="0"/>
-                <a:cs typeface="Times New Roman" panose="02020603050405020304" pitchFamily="18" charset="0"/>
-              </a:rPr>
-              <a:t>các</a:t>
-            </a:r>
-            <a:r>
-              <a:rPr lang="en-US" dirty="0">
-                <a:latin typeface="Times New Roman" panose="02020603050405020304" pitchFamily="18" charset="0"/>
-                <a:cs typeface="Times New Roman" panose="02020603050405020304" pitchFamily="18" charset="0"/>
-              </a:rPr>
-              <a:t> </a:t>
-            </a:r>
-            <a:r>
-              <a:rPr lang="en-US" dirty="0" err="1">
-                <a:latin typeface="Times New Roman" panose="02020603050405020304" pitchFamily="18" charset="0"/>
-                <a:cs typeface="Times New Roman" panose="02020603050405020304" pitchFamily="18" charset="0"/>
-              </a:rPr>
-              <a:t>số</a:t>
-            </a:r>
-            <a:r>
-              <a:rPr lang="en-US" dirty="0">
-                <a:latin typeface="Times New Roman" panose="02020603050405020304" pitchFamily="18" charset="0"/>
-                <a:cs typeface="Times New Roman" panose="02020603050405020304" pitchFamily="18" charset="0"/>
-              </a:rPr>
-              <a:t> </a:t>
-            </a:r>
-            <a:r>
-              <a:rPr lang="en-US" dirty="0" err="1">
-                <a:latin typeface="Times New Roman" panose="02020603050405020304" pitchFamily="18" charset="0"/>
-                <a:cs typeface="Times New Roman" panose="02020603050405020304" pitchFamily="18" charset="0"/>
-              </a:rPr>
-              <a:t>liệu</a:t>
-            </a:r>
-            <a:r>
-              <a:rPr lang="en-US" dirty="0">
-                <a:latin typeface="Times New Roman" panose="02020603050405020304" pitchFamily="18" charset="0"/>
-                <a:cs typeface="Times New Roman" panose="02020603050405020304" pitchFamily="18" charset="0"/>
-              </a:rPr>
-              <a:t> </a:t>
-            </a:r>
-            <a:r>
-              <a:rPr lang="en-US" dirty="0" err="1">
-                <a:latin typeface="Times New Roman" panose="02020603050405020304" pitchFamily="18" charset="0"/>
-                <a:cs typeface="Times New Roman" panose="02020603050405020304" pitchFamily="18" charset="0"/>
-              </a:rPr>
-              <a:t>quan</a:t>
-            </a:r>
-            <a:r>
-              <a:rPr lang="en-US" dirty="0">
-                <a:latin typeface="Times New Roman" panose="02020603050405020304" pitchFamily="18" charset="0"/>
-                <a:cs typeface="Times New Roman" panose="02020603050405020304" pitchFamily="18" charset="0"/>
-              </a:rPr>
-              <a:t> </a:t>
-            </a:r>
-            <a:r>
-              <a:rPr lang="en-US" dirty="0" err="1">
-                <a:latin typeface="Times New Roman" panose="02020603050405020304" pitchFamily="18" charset="0"/>
-                <a:cs typeface="Times New Roman" panose="02020603050405020304" pitchFamily="18" charset="0"/>
-              </a:rPr>
-              <a:t>trọng</a:t>
-            </a:r>
-            <a:r>
-              <a:rPr lang="en-US" dirty="0">
-                <a:latin typeface="Times New Roman" panose="02020603050405020304" pitchFamily="18" charset="0"/>
-                <a:cs typeface="Times New Roman" panose="02020603050405020304" pitchFamily="18" charset="0"/>
-              </a:rPr>
-              <a:t> </a:t>
-            </a:r>
-            <a:r>
-              <a:rPr lang="en-US" dirty="0" err="1">
-                <a:latin typeface="Times New Roman" panose="02020603050405020304" pitchFamily="18" charset="0"/>
-                <a:cs typeface="Times New Roman" panose="02020603050405020304" pitchFamily="18" charset="0"/>
-              </a:rPr>
-              <a:t>khác</a:t>
-            </a:r>
-            <a:r>
-              <a:rPr lang="en-US" dirty="0">
-                <a:latin typeface="Times New Roman" panose="02020603050405020304" pitchFamily="18" charset="0"/>
-                <a:cs typeface="Times New Roman" panose="02020603050405020304" pitchFamily="18" charset="0"/>
-              </a:rPr>
-              <a:t>, </a:t>
-            </a:r>
-            <a:r>
-              <a:rPr lang="en-US" dirty="0" err="1">
-                <a:latin typeface="Times New Roman" panose="02020603050405020304" pitchFamily="18" charset="0"/>
-                <a:cs typeface="Times New Roman" panose="02020603050405020304" pitchFamily="18" charset="0"/>
-              </a:rPr>
-              <a:t>chẳng</a:t>
-            </a:r>
-            <a:r>
-              <a:rPr lang="en-US" dirty="0">
-                <a:latin typeface="Times New Roman" panose="02020603050405020304" pitchFamily="18" charset="0"/>
-                <a:cs typeface="Times New Roman" panose="02020603050405020304" pitchFamily="18" charset="0"/>
-              </a:rPr>
-              <a:t> </a:t>
-            </a:r>
-            <a:r>
-              <a:rPr lang="en-US" dirty="0" err="1">
-                <a:latin typeface="Times New Roman" panose="02020603050405020304" pitchFamily="18" charset="0"/>
-                <a:cs typeface="Times New Roman" panose="02020603050405020304" pitchFamily="18" charset="0"/>
-              </a:rPr>
-              <a:t>hạn</a:t>
-            </a:r>
-            <a:r>
-              <a:rPr lang="en-US" dirty="0">
-                <a:latin typeface="Times New Roman" panose="02020603050405020304" pitchFamily="18" charset="0"/>
-                <a:cs typeface="Times New Roman" panose="02020603050405020304" pitchFamily="18" charset="0"/>
-              </a:rPr>
-              <a:t> </a:t>
-            </a:r>
-            <a:r>
-              <a:rPr lang="en-US" dirty="0" err="1">
-                <a:latin typeface="Times New Roman" panose="02020603050405020304" pitchFamily="18" charset="0"/>
-                <a:cs typeface="Times New Roman" panose="02020603050405020304" pitchFamily="18" charset="0"/>
-              </a:rPr>
-              <a:t>như</a:t>
-            </a:r>
-            <a:r>
-              <a:rPr lang="en-US" dirty="0">
-                <a:latin typeface="Times New Roman" panose="02020603050405020304" pitchFamily="18" charset="0"/>
-                <a:cs typeface="Times New Roman" panose="02020603050405020304" pitchFamily="18" charset="0"/>
-              </a:rPr>
-              <a:t>: </a:t>
-            </a:r>
-          </a:p>
-          <a:p>
             <a:pPr marL="0" indent="0">
               <a:buNone/>
             </a:pPr>
-            <a:r>
-              <a:rPr lang="en-US" dirty="0">
-                <a:latin typeface="Times New Roman" panose="02020603050405020304" pitchFamily="18" charset="0"/>
-                <a:cs typeface="Times New Roman" panose="02020603050405020304" pitchFamily="18" charset="0"/>
-              </a:rPr>
-              <a:t>		1.	</a:t>
-            </a:r>
-            <a:r>
-              <a:rPr lang="en-US" dirty="0" err="1">
-                <a:latin typeface="Times New Roman" panose="02020603050405020304" pitchFamily="18" charset="0"/>
-                <a:cs typeface="Times New Roman" panose="02020603050405020304" pitchFamily="18" charset="0"/>
-              </a:rPr>
-              <a:t>Tỷ</a:t>
-            </a:r>
-            <a:r>
-              <a:rPr lang="en-US" dirty="0">
-                <a:latin typeface="Times New Roman" panose="02020603050405020304" pitchFamily="18" charset="0"/>
-                <a:cs typeface="Times New Roman" panose="02020603050405020304" pitchFamily="18" charset="0"/>
-              </a:rPr>
-              <a:t> </a:t>
-            </a:r>
-            <a:r>
-              <a:rPr lang="en-US" dirty="0" err="1">
-                <a:latin typeface="Times New Roman" panose="02020603050405020304" pitchFamily="18" charset="0"/>
-                <a:cs typeface="Times New Roman" panose="02020603050405020304" pitchFamily="18" charset="0"/>
-              </a:rPr>
-              <a:t>lệ</a:t>
-            </a:r>
-            <a:r>
-              <a:rPr lang="en-US" dirty="0">
-                <a:latin typeface="Times New Roman" panose="02020603050405020304" pitchFamily="18" charset="0"/>
-                <a:cs typeface="Times New Roman" panose="02020603050405020304" pitchFamily="18" charset="0"/>
-              </a:rPr>
-              <a:t> </a:t>
-            </a:r>
-            <a:r>
-              <a:rPr lang="en-US" dirty="0" err="1">
-                <a:latin typeface="Times New Roman" panose="02020603050405020304" pitchFamily="18" charset="0"/>
-                <a:cs typeface="Times New Roman" panose="02020603050405020304" pitchFamily="18" charset="0"/>
-              </a:rPr>
-              <a:t>lỗi</a:t>
-            </a:r>
-            <a:r>
-              <a:rPr lang="en-US" dirty="0">
-                <a:latin typeface="Times New Roman" panose="02020603050405020304" pitchFamily="18" charset="0"/>
-                <a:cs typeface="Times New Roman" panose="02020603050405020304" pitchFamily="18" charset="0"/>
-              </a:rPr>
-              <a:t> </a:t>
-            </a:r>
-            <a:r>
-              <a:rPr lang="en-US" dirty="0" err="1">
-                <a:latin typeface="Times New Roman" panose="02020603050405020304" pitchFamily="18" charset="0"/>
-                <a:cs typeface="Times New Roman" panose="02020603050405020304" pitchFamily="18" charset="0"/>
-              </a:rPr>
-              <a:t>dự</a:t>
-            </a:r>
-            <a:r>
-              <a:rPr lang="en-US" dirty="0">
-                <a:latin typeface="Times New Roman" panose="02020603050405020304" pitchFamily="18" charset="0"/>
-                <a:cs typeface="Times New Roman" panose="02020603050405020304" pitchFamily="18" charset="0"/>
-              </a:rPr>
-              <a:t> </a:t>
-            </a:r>
-            <a:r>
-              <a:rPr lang="en-US" dirty="0" err="1">
-                <a:latin typeface="Times New Roman" panose="02020603050405020304" pitchFamily="18" charset="0"/>
-                <a:cs typeface="Times New Roman" panose="02020603050405020304" pitchFamily="18" charset="0"/>
-              </a:rPr>
-              <a:t>án</a:t>
-            </a:r>
-            <a:r>
-              <a:rPr lang="en-US" dirty="0">
-                <a:latin typeface="Times New Roman" panose="02020603050405020304" pitchFamily="18" charset="0"/>
-                <a:cs typeface="Times New Roman" panose="02020603050405020304" pitchFamily="18" charset="0"/>
-              </a:rPr>
-              <a:t> </a:t>
-            </a:r>
+            <a:endParaRPr lang="en-US" dirty="0">
+              <a:latin typeface="Times New Roman" panose="02020603050405020304" pitchFamily="18" charset="0"/>
+              <a:cs typeface="Times New Roman" panose="02020603050405020304" pitchFamily="18" charset="0"/>
+            </a:endParaRPr>
           </a:p>
           <a:p>
             <a:pPr marL="0" indent="0">
@@ -39733,325 +40094,7 @@
                 <a:latin typeface="Times New Roman" panose="02020603050405020304" pitchFamily="18" charset="0"/>
                 <a:cs typeface="Times New Roman" panose="02020603050405020304" pitchFamily="18" charset="0"/>
               </a:rPr>
-              <a:t>		2.	Chi </a:t>
-            </a:r>
-            <a:r>
-              <a:rPr lang="en-US" dirty="0" err="1">
-                <a:latin typeface="Times New Roman" panose="02020603050405020304" pitchFamily="18" charset="0"/>
-                <a:cs typeface="Times New Roman" panose="02020603050405020304" pitchFamily="18" charset="0"/>
-              </a:rPr>
-              <a:t>phí</a:t>
-            </a:r>
-            <a:r>
-              <a:rPr lang="en-US" dirty="0">
-                <a:latin typeface="Times New Roman" panose="02020603050405020304" pitchFamily="18" charset="0"/>
-                <a:cs typeface="Times New Roman" panose="02020603050405020304" pitchFamily="18" charset="0"/>
-              </a:rPr>
-              <a:t> </a:t>
-            </a:r>
-            <a:r>
-              <a:rPr lang="en-US" dirty="0" err="1">
-                <a:latin typeface="Times New Roman" panose="02020603050405020304" pitchFamily="18" charset="0"/>
-                <a:cs typeface="Times New Roman" panose="02020603050405020304" pitchFamily="18" charset="0"/>
-              </a:rPr>
-              <a:t>cho</a:t>
-            </a:r>
-            <a:r>
-              <a:rPr lang="en-US" dirty="0">
-                <a:latin typeface="Times New Roman" panose="02020603050405020304" pitchFamily="18" charset="0"/>
-                <a:cs typeface="Times New Roman" panose="02020603050405020304" pitchFamily="18" charset="0"/>
-              </a:rPr>
-              <a:t> </a:t>
-            </a:r>
-            <a:r>
-              <a:rPr lang="en-US" dirty="0" err="1">
-                <a:latin typeface="Times New Roman" panose="02020603050405020304" pitchFamily="18" charset="0"/>
-                <a:cs typeface="Times New Roman" panose="02020603050405020304" pitchFamily="18" charset="0"/>
-              </a:rPr>
-              <a:t>mỗi</a:t>
-            </a:r>
-            <a:r>
-              <a:rPr lang="en-US" dirty="0">
-                <a:latin typeface="Times New Roman" panose="02020603050405020304" pitchFamily="18" charset="0"/>
-                <a:cs typeface="Times New Roman" panose="02020603050405020304" pitchFamily="18" charset="0"/>
-              </a:rPr>
-              <a:t> FP </a:t>
-            </a:r>
-          </a:p>
-          <a:p>
-            <a:pPr marL="0" indent="0">
-              <a:buNone/>
-            </a:pPr>
-            <a:r>
-              <a:rPr lang="en-US" dirty="0">
-                <a:latin typeface="Times New Roman" panose="02020603050405020304" pitchFamily="18" charset="0"/>
-                <a:cs typeface="Times New Roman" panose="02020603050405020304" pitchFamily="18" charset="0"/>
-              </a:rPr>
-              <a:t>		3.	Chi </a:t>
-            </a:r>
-            <a:r>
-              <a:rPr lang="en-US" dirty="0" err="1">
-                <a:latin typeface="Times New Roman" panose="02020603050405020304" pitchFamily="18" charset="0"/>
-                <a:cs typeface="Times New Roman" panose="02020603050405020304" pitchFamily="18" charset="0"/>
-              </a:rPr>
-              <a:t>phí</a:t>
-            </a:r>
-            <a:r>
-              <a:rPr lang="en-US" dirty="0">
-                <a:latin typeface="Times New Roman" panose="02020603050405020304" pitchFamily="18" charset="0"/>
-                <a:cs typeface="Times New Roman" panose="02020603050405020304" pitchFamily="18" charset="0"/>
-              </a:rPr>
-              <a:t> </a:t>
-            </a:r>
-            <a:r>
-              <a:rPr lang="en-US" dirty="0" err="1">
-                <a:latin typeface="Times New Roman" panose="02020603050405020304" pitchFamily="18" charset="0"/>
-                <a:cs typeface="Times New Roman" panose="02020603050405020304" pitchFamily="18" charset="0"/>
-              </a:rPr>
-              <a:t>cho</a:t>
-            </a:r>
-            <a:r>
-              <a:rPr lang="en-US" dirty="0">
-                <a:latin typeface="Times New Roman" panose="02020603050405020304" pitchFamily="18" charset="0"/>
-                <a:cs typeface="Times New Roman" panose="02020603050405020304" pitchFamily="18" charset="0"/>
-              </a:rPr>
-              <a:t> </a:t>
-            </a:r>
-            <a:r>
-              <a:rPr lang="en-US" dirty="0" err="1">
-                <a:latin typeface="Times New Roman" panose="02020603050405020304" pitchFamily="18" charset="0"/>
-                <a:cs typeface="Times New Roman" panose="02020603050405020304" pitchFamily="18" charset="0"/>
-              </a:rPr>
-              <a:t>mỗi</a:t>
-            </a:r>
-            <a:r>
-              <a:rPr lang="en-US" dirty="0">
-                <a:latin typeface="Times New Roman" panose="02020603050405020304" pitchFamily="18" charset="0"/>
-                <a:cs typeface="Times New Roman" panose="02020603050405020304" pitchFamily="18" charset="0"/>
-              </a:rPr>
-              <a:t> FP </a:t>
-            </a:r>
-          </a:p>
-          <a:p>
-            <a:pPr marL="0" indent="0">
-              <a:buNone/>
-            </a:pPr>
-            <a:r>
-              <a:rPr lang="en-US" dirty="0">
-                <a:latin typeface="Times New Roman" panose="02020603050405020304" pitchFamily="18" charset="0"/>
-                <a:cs typeface="Times New Roman" panose="02020603050405020304" pitchFamily="18" charset="0"/>
-              </a:rPr>
-              <a:t>		4.	</a:t>
-            </a:r>
-            <a:r>
-              <a:rPr lang="en-US" dirty="0" err="1">
-                <a:latin typeface="Times New Roman" panose="02020603050405020304" pitchFamily="18" charset="0"/>
-                <a:cs typeface="Times New Roman" panose="02020603050405020304" pitchFamily="18" charset="0"/>
-              </a:rPr>
-              <a:t>Năng</a:t>
-            </a:r>
-            <a:r>
-              <a:rPr lang="en-US" dirty="0">
-                <a:latin typeface="Times New Roman" panose="02020603050405020304" pitchFamily="18" charset="0"/>
-                <a:cs typeface="Times New Roman" panose="02020603050405020304" pitchFamily="18" charset="0"/>
-              </a:rPr>
-              <a:t> </a:t>
-            </a:r>
-            <a:r>
-              <a:rPr lang="en-US" dirty="0" err="1">
-                <a:latin typeface="Times New Roman" panose="02020603050405020304" pitchFamily="18" charset="0"/>
-                <a:cs typeface="Times New Roman" panose="02020603050405020304" pitchFamily="18" charset="0"/>
-              </a:rPr>
-              <a:t>suất</a:t>
-            </a:r>
-            <a:r>
-              <a:rPr lang="en-US" dirty="0">
-                <a:latin typeface="Times New Roman" panose="02020603050405020304" pitchFamily="18" charset="0"/>
-                <a:cs typeface="Times New Roman" panose="02020603050405020304" pitchFamily="18" charset="0"/>
-              </a:rPr>
-              <a:t> </a:t>
-            </a:r>
-            <a:r>
-              <a:rPr lang="en-US" dirty="0" err="1">
-                <a:latin typeface="Times New Roman" panose="02020603050405020304" pitchFamily="18" charset="0"/>
-                <a:cs typeface="Times New Roman" panose="02020603050405020304" pitchFamily="18" charset="0"/>
-              </a:rPr>
-              <a:t>lợi</a:t>
-            </a:r>
-            <a:r>
-              <a:rPr lang="en-US" dirty="0">
-                <a:latin typeface="Times New Roman" panose="02020603050405020304" pitchFamily="18" charset="0"/>
-                <a:cs typeface="Times New Roman" panose="02020603050405020304" pitchFamily="18" charset="0"/>
-              </a:rPr>
-              <a:t> </a:t>
-            </a:r>
-            <a:r>
-              <a:rPr lang="en-US" dirty="0" err="1">
-                <a:latin typeface="Times New Roman" panose="02020603050405020304" pitchFamily="18" charset="0"/>
-                <a:cs typeface="Times New Roman" panose="02020603050405020304" pitchFamily="18" charset="0"/>
-              </a:rPr>
-              <a:t>ích</a:t>
-            </a:r>
-            <a:r>
-              <a:rPr lang="en-US" dirty="0">
-                <a:latin typeface="Times New Roman" panose="02020603050405020304" pitchFamily="18" charset="0"/>
-                <a:cs typeface="Times New Roman" panose="02020603050405020304" pitchFamily="18" charset="0"/>
-              </a:rPr>
-              <a:t> </a:t>
-            </a:r>
-            <a:r>
-              <a:rPr lang="en-US" dirty="0" err="1">
-                <a:latin typeface="Times New Roman" panose="02020603050405020304" pitchFamily="18" charset="0"/>
-                <a:cs typeface="Times New Roman" panose="02020603050405020304" pitchFamily="18" charset="0"/>
-              </a:rPr>
-              <a:t>của</a:t>
-            </a:r>
-            <a:r>
-              <a:rPr lang="en-US" dirty="0">
-                <a:latin typeface="Times New Roman" panose="02020603050405020304" pitchFamily="18" charset="0"/>
-                <a:cs typeface="Times New Roman" panose="02020603050405020304" pitchFamily="18" charset="0"/>
-              </a:rPr>
-              <a:t> </a:t>
-            </a:r>
-            <a:r>
-              <a:rPr lang="en-US" dirty="0" err="1">
-                <a:latin typeface="Times New Roman" panose="02020603050405020304" pitchFamily="18" charset="0"/>
-                <a:cs typeface="Times New Roman" panose="02020603050405020304" pitchFamily="18" charset="0"/>
-              </a:rPr>
-              <a:t>việc</a:t>
-            </a:r>
-            <a:r>
-              <a:rPr lang="en-US" dirty="0">
-                <a:latin typeface="Times New Roman" panose="02020603050405020304" pitchFamily="18" charset="0"/>
-                <a:cs typeface="Times New Roman" panose="02020603050405020304" pitchFamily="18" charset="0"/>
-              </a:rPr>
-              <a:t> </a:t>
-            </a:r>
-            <a:r>
-              <a:rPr lang="en-US" dirty="0" err="1">
-                <a:latin typeface="Times New Roman" panose="02020603050405020304" pitchFamily="18" charset="0"/>
-                <a:cs typeface="Times New Roman" panose="02020603050405020304" pitchFamily="18" charset="0"/>
-              </a:rPr>
-              <a:t>sử</a:t>
-            </a:r>
-            <a:r>
-              <a:rPr lang="en-US" dirty="0">
-                <a:latin typeface="Times New Roman" panose="02020603050405020304" pitchFamily="18" charset="0"/>
-                <a:cs typeface="Times New Roman" panose="02020603050405020304" pitchFamily="18" charset="0"/>
-              </a:rPr>
-              <a:t> </a:t>
-            </a:r>
-            <a:r>
-              <a:rPr lang="en-US" dirty="0" err="1">
-                <a:latin typeface="Times New Roman" panose="02020603050405020304" pitchFamily="18" charset="0"/>
-                <a:cs typeface="Times New Roman" panose="02020603050405020304" pitchFamily="18" charset="0"/>
-              </a:rPr>
-              <a:t>dụng</a:t>
-            </a:r>
-            <a:r>
-              <a:rPr lang="en-US" dirty="0">
-                <a:latin typeface="Times New Roman" panose="02020603050405020304" pitchFamily="18" charset="0"/>
-                <a:cs typeface="Times New Roman" panose="02020603050405020304" pitchFamily="18" charset="0"/>
-              </a:rPr>
-              <a:t> </a:t>
-            </a:r>
-            <a:r>
-              <a:rPr lang="en-US" dirty="0" err="1">
-                <a:latin typeface="Times New Roman" panose="02020603050405020304" pitchFamily="18" charset="0"/>
-                <a:cs typeface="Times New Roman" panose="02020603050405020304" pitchFamily="18" charset="0"/>
-              </a:rPr>
-              <a:t>các</a:t>
-            </a:r>
-            <a:r>
-              <a:rPr lang="en-US" dirty="0">
-                <a:latin typeface="Times New Roman" panose="02020603050405020304" pitchFamily="18" charset="0"/>
-                <a:cs typeface="Times New Roman" panose="02020603050405020304" pitchFamily="18" charset="0"/>
-              </a:rPr>
-              <a:t> </a:t>
-            </a:r>
-            <a:r>
-              <a:rPr lang="en-US" dirty="0" err="1">
-                <a:latin typeface="Times New Roman" panose="02020603050405020304" pitchFamily="18" charset="0"/>
-                <a:cs typeface="Times New Roman" panose="02020603050405020304" pitchFamily="18" charset="0"/>
-              </a:rPr>
-              <a:t>công</a:t>
-            </a:r>
-            <a:r>
-              <a:rPr lang="en-US" dirty="0">
-                <a:latin typeface="Times New Roman" panose="02020603050405020304" pitchFamily="18" charset="0"/>
-                <a:cs typeface="Times New Roman" panose="02020603050405020304" pitchFamily="18" charset="0"/>
-              </a:rPr>
-              <a:t> </a:t>
-            </a:r>
-            <a:r>
-              <a:rPr lang="en-US" dirty="0" err="1">
-                <a:latin typeface="Times New Roman" panose="02020603050405020304" pitchFamily="18" charset="0"/>
-                <a:cs typeface="Times New Roman" panose="02020603050405020304" pitchFamily="18" charset="0"/>
-              </a:rPr>
-              <a:t>cụ</a:t>
-            </a:r>
-            <a:r>
-              <a:rPr lang="en-US" dirty="0">
-                <a:latin typeface="Times New Roman" panose="02020603050405020304" pitchFamily="18" charset="0"/>
-                <a:cs typeface="Times New Roman" panose="02020603050405020304" pitchFamily="18" charset="0"/>
-              </a:rPr>
-              <a:t> </a:t>
-            </a:r>
-            <a:r>
-              <a:rPr lang="en-US" dirty="0" err="1">
-                <a:latin typeface="Times New Roman" panose="02020603050405020304" pitchFamily="18" charset="0"/>
-                <a:cs typeface="Times New Roman" panose="02020603050405020304" pitchFamily="18" charset="0"/>
-              </a:rPr>
-              <a:t>mới</a:t>
-            </a:r>
-            <a:r>
-              <a:rPr lang="en-US" dirty="0">
-                <a:latin typeface="Times New Roman" panose="02020603050405020304" pitchFamily="18" charset="0"/>
-                <a:cs typeface="Times New Roman" panose="02020603050405020304" pitchFamily="18" charset="0"/>
-              </a:rPr>
-              <a:t> </a:t>
-            </a:r>
-            <a:r>
-              <a:rPr lang="en-US" dirty="0" err="1">
-                <a:latin typeface="Times New Roman" panose="02020603050405020304" pitchFamily="18" charset="0"/>
-                <a:cs typeface="Times New Roman" panose="02020603050405020304" pitchFamily="18" charset="0"/>
-              </a:rPr>
-              <a:t>hoặc</a:t>
-            </a:r>
-            <a:r>
-              <a:rPr lang="en-US" dirty="0">
-                <a:latin typeface="Times New Roman" panose="02020603050405020304" pitchFamily="18" charset="0"/>
-                <a:cs typeface="Times New Roman" panose="02020603050405020304" pitchFamily="18" charset="0"/>
-              </a:rPr>
-              <a:t> </a:t>
-            </a:r>
-            <a:r>
-              <a:rPr lang="en-US" dirty="0" err="1">
-                <a:latin typeface="Times New Roman" panose="02020603050405020304" pitchFamily="18" charset="0"/>
-                <a:cs typeface="Times New Roman" panose="02020603050405020304" pitchFamily="18" charset="0"/>
-              </a:rPr>
-              <a:t>khác</a:t>
-            </a:r>
-            <a:r>
-              <a:rPr lang="en-US" dirty="0">
-                <a:latin typeface="Times New Roman" panose="02020603050405020304" pitchFamily="18" charset="0"/>
-                <a:cs typeface="Times New Roman" panose="02020603050405020304" pitchFamily="18" charset="0"/>
-              </a:rPr>
-              <a:t> </a:t>
-            </a:r>
-            <a:r>
-              <a:rPr lang="en-US" dirty="0" err="1">
-                <a:latin typeface="Times New Roman" panose="02020603050405020304" pitchFamily="18" charset="0"/>
-                <a:cs typeface="Times New Roman" panose="02020603050405020304" pitchFamily="18" charset="0"/>
-              </a:rPr>
-              <a:t>nhau</a:t>
-            </a:r>
-            <a:r>
-              <a:rPr lang="en-US" dirty="0">
-                <a:latin typeface="Times New Roman" panose="02020603050405020304" pitchFamily="18" charset="0"/>
-                <a:cs typeface="Times New Roman" panose="02020603050405020304" pitchFamily="18" charset="0"/>
-              </a:rPr>
-              <a:t> </a:t>
+              <a:t>	</a:t>
             </a:r>
           </a:p>
           <a:p>
@@ -40068,7 +40111,7 @@
     </p:spTree>
     <p:extLst>
       <p:ext uri="{BB962C8B-B14F-4D97-AF65-F5344CB8AC3E}">
-        <p14:creationId xmlns:p14="http://schemas.microsoft.com/office/powerpoint/2010/main" val="1987797343"/>
+        <p14:creationId xmlns:p14="http://schemas.microsoft.com/office/powerpoint/2010/main" val="540097735"/>
       </p:ext>
     </p:extLst>
   </p:cSld>
